--- a/files/Best_One_Team_project.pptx
+++ b/files/Best_One_Team_project.pptx
@@ -4,13 +4,15 @@
   <p:sldMasterIdLst>
     <p:sldMasterId id="2147483648" r:id="rId1"/>
   </p:sldMasterIdLst>
+  <p:notesMasterIdLst>
+    <p:notesMasterId r:id="rId7"/>
+  </p:notesMasterIdLst>
   <p:sldIdLst>
     <p:sldId id="258" r:id="rId2"/>
     <p:sldId id="257" r:id="rId3"/>
     <p:sldId id="284" r:id="rId4"/>
-    <p:sldId id="269" r:id="rId5"/>
-    <p:sldId id="256" r:id="rId6"/>
-    <p:sldId id="287" r:id="rId7"/>
+    <p:sldId id="256" r:id="rId5"/>
+    <p:sldId id="269" r:id="rId6"/>
   </p:sldIdLst>
   <p:sldSz cx="12192000" cy="6858000"/>
   <p:notesSz cx="6858000" cy="9144000"/>
@@ -126,6 +128,1557 @@
     </p:ext>
   </p:extLst>
 </p:presentation>
+</file>
+
+<file path=ppt/revisionInfo.xml><?xml version="1.0" encoding="utf-8"?>
+<p1510:revInfo xmlns:a="http://schemas.openxmlformats.org/drawingml/2006/main" xmlns:r="http://schemas.openxmlformats.org/officeDocument/2006/relationships" xmlns:p1510="http://schemas.microsoft.com/office/powerpoint/2015/10/main">
+  <p1510:revLst>
+    <p1510:client id="{20887F03-70C2-4F8A-AED9-C318817C4DB1}" v="2" dt="2025-12-18T10:12:05.516"/>
+  </p1510:revLst>
+</p1510:revInfo>
+</file>
+
+<file path=ppt/changesInfos/changesInfo1.xml><?xml version="1.0" encoding="utf-8"?>
+<pc:chgInfo xmlns:a="http://schemas.openxmlformats.org/drawingml/2006/main" xmlns:r="http://schemas.openxmlformats.org/officeDocument/2006/relationships" xmlns:ac="http://schemas.microsoft.com/office/drawing/2013/main/command" xmlns:pc="http://schemas.microsoft.com/office/powerpoint/2013/main/command">
+  <pc:docChgLst>
+    <pc:chgData name="효중 김" userId="289f5abbc843dc30" providerId="LiveId" clId="{E8023986-AA09-4FC8-A3FA-0FA6D2EC87A7}"/>
+    <pc:docChg chg="undo custSel modSld">
+      <pc:chgData name="효중 김" userId="289f5abbc843dc30" providerId="LiveId" clId="{E8023986-AA09-4FC8-A3FA-0FA6D2EC87A7}" dt="2025-12-18T11:36:22.040" v="2600" actId="14100"/>
+      <pc:docMkLst>
+        <pc:docMk/>
+      </pc:docMkLst>
+      <pc:sldChg chg="modSp mod modNotesTx">
+        <pc:chgData name="효중 김" userId="289f5abbc843dc30" providerId="LiveId" clId="{E8023986-AA09-4FC8-A3FA-0FA6D2EC87A7}" dt="2025-12-18T10:14:57.480" v="1365" actId="20577"/>
+        <pc:sldMkLst>
+          <pc:docMk/>
+          <pc:sldMk cId="2321356075" sldId="256"/>
+        </pc:sldMkLst>
+        <pc:graphicFrameChg chg="modGraphic">
+          <ac:chgData name="효중 김" userId="289f5abbc843dc30" providerId="LiveId" clId="{E8023986-AA09-4FC8-A3FA-0FA6D2EC87A7}" dt="2025-12-18T10:09:27.946" v="245" actId="20577"/>
+          <ac:graphicFrameMkLst>
+            <pc:docMk/>
+            <pc:sldMk cId="2321356075" sldId="256"/>
+            <ac:graphicFrameMk id="48" creationId="{F8F00DB8-AB00-8798-C42B-1B8070E5DD05}"/>
+          </ac:graphicFrameMkLst>
+        </pc:graphicFrameChg>
+      </pc:sldChg>
+      <pc:sldChg chg="modSp mod modNotesTx">
+        <pc:chgData name="효중 김" userId="289f5abbc843dc30" providerId="LiveId" clId="{E8023986-AA09-4FC8-A3FA-0FA6D2EC87A7}" dt="2025-12-18T11:35:30.920" v="2577" actId="20577"/>
+        <pc:sldMkLst>
+          <pc:docMk/>
+          <pc:sldMk cId="3816055464" sldId="269"/>
+        </pc:sldMkLst>
+        <pc:spChg chg="mod">
+          <ac:chgData name="효중 김" userId="289f5abbc843dc30" providerId="LiveId" clId="{E8023986-AA09-4FC8-A3FA-0FA6D2EC87A7}" dt="2025-12-18T10:22:28.296" v="1917" actId="1036"/>
+          <ac:spMkLst>
+            <pc:docMk/>
+            <pc:sldMk cId="3816055464" sldId="269"/>
+            <ac:spMk id="10" creationId="{F0B5EB50-8B36-3F40-B638-F70A5B61ABE0}"/>
+          </ac:spMkLst>
+        </pc:spChg>
+        <pc:spChg chg="mod">
+          <ac:chgData name="효중 김" userId="289f5abbc843dc30" providerId="LiveId" clId="{E8023986-AA09-4FC8-A3FA-0FA6D2EC87A7}" dt="2025-12-18T10:19:18.731" v="1619" actId="1076"/>
+          <ac:spMkLst>
+            <pc:docMk/>
+            <pc:sldMk cId="3816055464" sldId="269"/>
+            <ac:spMk id="23" creationId="{09F5AAC3-9360-4876-A207-D33BD9520125}"/>
+          </ac:spMkLst>
+        </pc:spChg>
+        <pc:spChg chg="mod">
+          <ac:chgData name="효중 김" userId="289f5abbc843dc30" providerId="LiveId" clId="{E8023986-AA09-4FC8-A3FA-0FA6D2EC87A7}" dt="2025-12-18T10:20:03.477" v="1622" actId="6549"/>
+          <ac:spMkLst>
+            <pc:docMk/>
+            <pc:sldMk cId="3816055464" sldId="269"/>
+            <ac:spMk id="45" creationId="{EDC9AA10-4D93-E06E-4431-CF59CBE3A97B}"/>
+          </ac:spMkLst>
+        </pc:spChg>
+        <pc:spChg chg="mod">
+          <ac:chgData name="효중 김" userId="289f5abbc843dc30" providerId="LiveId" clId="{E8023986-AA09-4FC8-A3FA-0FA6D2EC87A7}" dt="2025-12-18T10:20:33.227" v="1623" actId="6549"/>
+          <ac:spMkLst>
+            <pc:docMk/>
+            <pc:sldMk cId="3816055464" sldId="269"/>
+            <ac:spMk id="46" creationId="{F2380329-F304-FBD5-40B2-7C73692793D2}"/>
+          </ac:spMkLst>
+        </pc:spChg>
+        <pc:grpChg chg="mod">
+          <ac:chgData name="효중 김" userId="289f5abbc843dc30" providerId="LiveId" clId="{E8023986-AA09-4FC8-A3FA-0FA6D2EC87A7}" dt="2025-12-18T10:19:22.547" v="1620" actId="1076"/>
+          <ac:grpSpMkLst>
+            <pc:docMk/>
+            <pc:sldMk cId="3816055464" sldId="269"/>
+            <ac:grpSpMk id="50" creationId="{0D6D0B64-F683-BEF4-0450-44DF6D818B97}"/>
+          </ac:grpSpMkLst>
+        </pc:grpChg>
+        <pc:grpChg chg="mod">
+          <ac:chgData name="효중 김" userId="289f5abbc843dc30" providerId="LiveId" clId="{E8023986-AA09-4FC8-A3FA-0FA6D2EC87A7}" dt="2025-12-18T10:19:30.036" v="1621" actId="1076"/>
+          <ac:grpSpMkLst>
+            <pc:docMk/>
+            <pc:sldMk cId="3816055464" sldId="269"/>
+            <ac:grpSpMk id="53" creationId="{4300549C-E4D0-42F1-8456-2D5973D6A282}"/>
+          </ac:grpSpMkLst>
+        </pc:grpChg>
+        <pc:cxnChg chg="mod">
+          <ac:chgData name="효중 김" userId="289f5abbc843dc30" providerId="LiveId" clId="{E8023986-AA09-4FC8-A3FA-0FA6D2EC87A7}" dt="2025-12-18T10:22:34.826" v="1918" actId="14100"/>
+          <ac:cxnSpMkLst>
+            <pc:docMk/>
+            <pc:sldMk cId="3816055464" sldId="269"/>
+            <ac:cxnSpMk id="40" creationId="{C415FBA7-D211-66BB-51C3-8C9AD289DC14}"/>
+          </ac:cxnSpMkLst>
+        </pc:cxnChg>
+        <pc:cxnChg chg="mod">
+          <ac:chgData name="효중 김" userId="289f5abbc843dc30" providerId="LiveId" clId="{E8023986-AA09-4FC8-A3FA-0FA6D2EC87A7}" dt="2025-12-18T10:19:03.977" v="1616" actId="1076"/>
+          <ac:cxnSpMkLst>
+            <pc:docMk/>
+            <pc:sldMk cId="3816055464" sldId="269"/>
+            <ac:cxnSpMk id="42" creationId="{49017637-A38F-21D0-CE12-8F5AA113B485}"/>
+          </ac:cxnSpMkLst>
+        </pc:cxnChg>
+      </pc:sldChg>
+      <pc:sldChg chg="modSp mod modNotesTx">
+        <pc:chgData name="효중 김" userId="289f5abbc843dc30" providerId="LiveId" clId="{E8023986-AA09-4FC8-A3FA-0FA6D2EC87A7}" dt="2025-12-18T11:36:22.040" v="2600" actId="14100"/>
+        <pc:sldMkLst>
+          <pc:docMk/>
+          <pc:sldMk cId="4246025666" sldId="284"/>
+        </pc:sldMkLst>
+        <pc:spChg chg="mod">
+          <ac:chgData name="효중 김" userId="289f5abbc843dc30" providerId="LiveId" clId="{E8023986-AA09-4FC8-A3FA-0FA6D2EC87A7}" dt="2025-12-18T11:36:22.040" v="2600" actId="14100"/>
+          <ac:spMkLst>
+            <pc:docMk/>
+            <pc:sldMk cId="4246025666" sldId="284"/>
+            <ac:spMk id="29" creationId="{655049A5-612F-EB65-3C83-BACB47BCFC47}"/>
+          </ac:spMkLst>
+        </pc:spChg>
+      </pc:sldChg>
+    </pc:docChg>
+  </pc:docChgLst>
+</pc:chgInfo>
+</file>
+
+<file path=ppt/notesMasters/notesMaster1.xml><?xml version="1.0" encoding="utf-8"?>
+<p:notesMaster xmlns:a="http://schemas.openxmlformats.org/drawingml/2006/main" xmlns:r="http://schemas.openxmlformats.org/officeDocument/2006/relationships" xmlns:p="http://schemas.openxmlformats.org/presentationml/2006/main">
+  <p:cSld>
+    <p:bg>
+      <p:bgRef idx="1001">
+        <a:schemeClr val="bg1"/>
+      </p:bgRef>
+    </p:bg>
+    <p:spTree>
+      <p:nvGrpSpPr>
+        <p:cNvPr id="1" name=""/>
+        <p:cNvGrpSpPr/>
+        <p:nvPr/>
+      </p:nvGrpSpPr>
+      <p:grpSpPr>
+        <a:xfrm>
+          <a:off x="0" y="0"/>
+          <a:ext cx="0" cy="0"/>
+          <a:chOff x="0" y="0"/>
+          <a:chExt cx="0" cy="0"/>
+        </a:xfrm>
+      </p:grpSpPr>
+      <p:sp>
+        <p:nvSpPr>
+          <p:cNvPr id="2" name="머리글 개체 틀 1"/>
+          <p:cNvSpPr>
+            <a:spLocks noGrp="1"/>
+          </p:cNvSpPr>
+          <p:nvPr>
+            <p:ph type="hdr" sz="quarter"/>
+          </p:nvPr>
+        </p:nvSpPr>
+        <p:spPr>
+          <a:xfrm>
+            <a:off x="0" y="0"/>
+            <a:ext cx="2971800" cy="458788"/>
+          </a:xfrm>
+          <a:prstGeom prst="rect">
+            <a:avLst/>
+          </a:prstGeom>
+        </p:spPr>
+        <p:txBody>
+          <a:bodyPr vert="horz" lIns="91440" tIns="45720" rIns="91440" bIns="45720" rtlCol="0"/>
+          <a:lstStyle>
+            <a:lvl1pPr algn="l">
+              <a:defRPr sz="1200"/>
+            </a:lvl1pPr>
+          </a:lstStyle>
+          <a:p>
+            <a:endParaRPr lang="ko-KR" altLang="en-US"/>
+          </a:p>
+        </p:txBody>
+      </p:sp>
+      <p:sp>
+        <p:nvSpPr>
+          <p:cNvPr id="3" name="날짜 개체 틀 2"/>
+          <p:cNvSpPr>
+            <a:spLocks noGrp="1"/>
+          </p:cNvSpPr>
+          <p:nvPr>
+            <p:ph type="dt" idx="1"/>
+          </p:nvPr>
+        </p:nvSpPr>
+        <p:spPr>
+          <a:xfrm>
+            <a:off x="3884613" y="0"/>
+            <a:ext cx="2971800" cy="458788"/>
+          </a:xfrm>
+          <a:prstGeom prst="rect">
+            <a:avLst/>
+          </a:prstGeom>
+        </p:spPr>
+        <p:txBody>
+          <a:bodyPr vert="horz" lIns="91440" tIns="45720" rIns="91440" bIns="45720" rtlCol="0"/>
+          <a:lstStyle>
+            <a:lvl1pPr algn="r">
+              <a:defRPr sz="1200"/>
+            </a:lvl1pPr>
+          </a:lstStyle>
+          <a:p>
+            <a:fld id="{E618D0E4-191E-4D0B-9507-F1CD21D826BC}" type="datetimeFigureOut">
+              <a:rPr lang="ko-KR" altLang="en-US" smtClean="0"/>
+              <a:t>2025-12-18</a:t>
+            </a:fld>
+            <a:endParaRPr lang="ko-KR" altLang="en-US"/>
+          </a:p>
+        </p:txBody>
+      </p:sp>
+      <p:sp>
+        <p:nvSpPr>
+          <p:cNvPr id="4" name="슬라이드 이미지 개체 틀 3"/>
+          <p:cNvSpPr>
+            <a:spLocks noGrp="1" noRot="1" noChangeAspect="1"/>
+          </p:cNvSpPr>
+          <p:nvPr>
+            <p:ph type="sldImg" idx="2"/>
+          </p:nvPr>
+        </p:nvSpPr>
+        <p:spPr>
+          <a:xfrm>
+            <a:off x="685800" y="1143000"/>
+            <a:ext cx="5486400" cy="3086100"/>
+          </a:xfrm>
+          <a:prstGeom prst="rect">
+            <a:avLst/>
+          </a:prstGeom>
+          <a:noFill/>
+          <a:ln w="12700">
+            <a:solidFill>
+              <a:prstClr val="black"/>
+            </a:solidFill>
+          </a:ln>
+        </p:spPr>
+        <p:txBody>
+          <a:bodyPr vert="horz" lIns="91440" tIns="45720" rIns="91440" bIns="45720" rtlCol="0" anchor="ctr"/>
+          <a:lstStyle/>
+          <a:p>
+            <a:endParaRPr lang="ko-KR" altLang="en-US"/>
+          </a:p>
+        </p:txBody>
+      </p:sp>
+      <p:sp>
+        <p:nvSpPr>
+          <p:cNvPr id="5" name="슬라이드 노트 개체 틀 4"/>
+          <p:cNvSpPr>
+            <a:spLocks noGrp="1"/>
+          </p:cNvSpPr>
+          <p:nvPr>
+            <p:ph type="body" sz="quarter" idx="3"/>
+          </p:nvPr>
+        </p:nvSpPr>
+        <p:spPr>
+          <a:xfrm>
+            <a:off x="685800" y="4400550"/>
+            <a:ext cx="5486400" cy="3600450"/>
+          </a:xfrm>
+          <a:prstGeom prst="rect">
+            <a:avLst/>
+          </a:prstGeom>
+        </p:spPr>
+        <p:txBody>
+          <a:bodyPr vert="horz" lIns="91440" tIns="45720" rIns="91440" bIns="45720" rtlCol="0"/>
+          <a:lstStyle/>
+          <a:p>
+            <a:pPr lvl="0"/>
+            <a:r>
+              <a:rPr lang="ko-KR" altLang="en-US"/>
+              <a:t>마스터 텍스트 스타일을 편집하려면 클릭</a:t>
+            </a:r>
+          </a:p>
+          <a:p>
+            <a:pPr lvl="1"/>
+            <a:r>
+              <a:rPr lang="ko-KR" altLang="en-US"/>
+              <a:t>두 번째 수준</a:t>
+            </a:r>
+          </a:p>
+          <a:p>
+            <a:pPr lvl="2"/>
+            <a:r>
+              <a:rPr lang="ko-KR" altLang="en-US"/>
+              <a:t>세 번째 수준</a:t>
+            </a:r>
+          </a:p>
+          <a:p>
+            <a:pPr lvl="3"/>
+            <a:r>
+              <a:rPr lang="ko-KR" altLang="en-US"/>
+              <a:t>네 번째 수준</a:t>
+            </a:r>
+          </a:p>
+          <a:p>
+            <a:pPr lvl="4"/>
+            <a:r>
+              <a:rPr lang="ko-KR" altLang="en-US"/>
+              <a:t>다섯 번째 수준</a:t>
+            </a:r>
+          </a:p>
+        </p:txBody>
+      </p:sp>
+      <p:sp>
+        <p:nvSpPr>
+          <p:cNvPr id="6" name="바닥글 개체 틀 5"/>
+          <p:cNvSpPr>
+            <a:spLocks noGrp="1"/>
+          </p:cNvSpPr>
+          <p:nvPr>
+            <p:ph type="ftr" sz="quarter" idx="4"/>
+          </p:nvPr>
+        </p:nvSpPr>
+        <p:spPr>
+          <a:xfrm>
+            <a:off x="0" y="8685213"/>
+            <a:ext cx="2971800" cy="458787"/>
+          </a:xfrm>
+          <a:prstGeom prst="rect">
+            <a:avLst/>
+          </a:prstGeom>
+        </p:spPr>
+        <p:txBody>
+          <a:bodyPr vert="horz" lIns="91440" tIns="45720" rIns="91440" bIns="45720" rtlCol="0" anchor="b"/>
+          <a:lstStyle>
+            <a:lvl1pPr algn="l">
+              <a:defRPr sz="1200"/>
+            </a:lvl1pPr>
+          </a:lstStyle>
+          <a:p>
+            <a:endParaRPr lang="ko-KR" altLang="en-US"/>
+          </a:p>
+        </p:txBody>
+      </p:sp>
+      <p:sp>
+        <p:nvSpPr>
+          <p:cNvPr id="7" name="슬라이드 번호 개체 틀 6"/>
+          <p:cNvSpPr>
+            <a:spLocks noGrp="1"/>
+          </p:cNvSpPr>
+          <p:nvPr>
+            <p:ph type="sldNum" sz="quarter" idx="5"/>
+          </p:nvPr>
+        </p:nvSpPr>
+        <p:spPr>
+          <a:xfrm>
+            <a:off x="3884613" y="8685213"/>
+            <a:ext cx="2971800" cy="458787"/>
+          </a:xfrm>
+          <a:prstGeom prst="rect">
+            <a:avLst/>
+          </a:prstGeom>
+        </p:spPr>
+        <p:txBody>
+          <a:bodyPr vert="horz" lIns="91440" tIns="45720" rIns="91440" bIns="45720" rtlCol="0" anchor="b"/>
+          <a:lstStyle>
+            <a:lvl1pPr algn="r">
+              <a:defRPr sz="1200"/>
+            </a:lvl1pPr>
+          </a:lstStyle>
+          <a:p>
+            <a:fld id="{A4AA1FFD-0ED2-45FB-984B-92ABD63F203B}" type="slidenum">
+              <a:rPr lang="ko-KR" altLang="en-US" smtClean="0"/>
+              <a:t>‹#›</a:t>
+            </a:fld>
+            <a:endParaRPr lang="ko-KR" altLang="en-US"/>
+          </a:p>
+        </p:txBody>
+      </p:sp>
+    </p:spTree>
+    <p:extLst>
+      <p:ext uri="{BB962C8B-B14F-4D97-AF65-F5344CB8AC3E}">
+        <p14:creationId xmlns:p14="http://schemas.microsoft.com/office/powerpoint/2010/main" val="352905666"/>
+      </p:ext>
+    </p:extLst>
+  </p:cSld>
+  <p:clrMap bg1="lt1" tx1="dk1" bg2="lt2" tx2="dk2" accent1="accent1" accent2="accent2" accent3="accent3" accent4="accent4" accent5="accent5" accent6="accent6" hlink="hlink" folHlink="folHlink"/>
+  <p:notesStyle>
+    <a:lvl1pPr marL="0" algn="l" defTabSz="914400" rtl="0" eaLnBrk="1" latinLnBrk="1" hangingPunct="1">
+      <a:defRPr sz="1200" kern="1200">
+        <a:solidFill>
+          <a:schemeClr val="tx1"/>
+        </a:solidFill>
+        <a:latin typeface="+mn-lt"/>
+        <a:ea typeface="+mn-ea"/>
+        <a:cs typeface="+mn-cs"/>
+      </a:defRPr>
+    </a:lvl1pPr>
+    <a:lvl2pPr marL="457200" algn="l" defTabSz="914400" rtl="0" eaLnBrk="1" latinLnBrk="1" hangingPunct="1">
+      <a:defRPr sz="1200" kern="1200">
+        <a:solidFill>
+          <a:schemeClr val="tx1"/>
+        </a:solidFill>
+        <a:latin typeface="+mn-lt"/>
+        <a:ea typeface="+mn-ea"/>
+        <a:cs typeface="+mn-cs"/>
+      </a:defRPr>
+    </a:lvl2pPr>
+    <a:lvl3pPr marL="914400" algn="l" defTabSz="914400" rtl="0" eaLnBrk="1" latinLnBrk="1" hangingPunct="1">
+      <a:defRPr sz="1200" kern="1200">
+        <a:solidFill>
+          <a:schemeClr val="tx1"/>
+        </a:solidFill>
+        <a:latin typeface="+mn-lt"/>
+        <a:ea typeface="+mn-ea"/>
+        <a:cs typeface="+mn-cs"/>
+      </a:defRPr>
+    </a:lvl3pPr>
+    <a:lvl4pPr marL="1371600" algn="l" defTabSz="914400" rtl="0" eaLnBrk="1" latinLnBrk="1" hangingPunct="1">
+      <a:defRPr sz="1200" kern="1200">
+        <a:solidFill>
+          <a:schemeClr val="tx1"/>
+        </a:solidFill>
+        <a:latin typeface="+mn-lt"/>
+        <a:ea typeface="+mn-ea"/>
+        <a:cs typeface="+mn-cs"/>
+      </a:defRPr>
+    </a:lvl4pPr>
+    <a:lvl5pPr marL="1828800" algn="l" defTabSz="914400" rtl="0" eaLnBrk="1" latinLnBrk="1" hangingPunct="1">
+      <a:defRPr sz="1200" kern="1200">
+        <a:solidFill>
+          <a:schemeClr val="tx1"/>
+        </a:solidFill>
+        <a:latin typeface="+mn-lt"/>
+        <a:ea typeface="+mn-ea"/>
+        <a:cs typeface="+mn-cs"/>
+      </a:defRPr>
+    </a:lvl5pPr>
+    <a:lvl6pPr marL="2286000" algn="l" defTabSz="914400" rtl="0" eaLnBrk="1" latinLnBrk="1" hangingPunct="1">
+      <a:defRPr sz="1200" kern="1200">
+        <a:solidFill>
+          <a:schemeClr val="tx1"/>
+        </a:solidFill>
+        <a:latin typeface="+mn-lt"/>
+        <a:ea typeface="+mn-ea"/>
+        <a:cs typeface="+mn-cs"/>
+      </a:defRPr>
+    </a:lvl6pPr>
+    <a:lvl7pPr marL="2743200" algn="l" defTabSz="914400" rtl="0" eaLnBrk="1" latinLnBrk="1" hangingPunct="1">
+      <a:defRPr sz="1200" kern="1200">
+        <a:solidFill>
+          <a:schemeClr val="tx1"/>
+        </a:solidFill>
+        <a:latin typeface="+mn-lt"/>
+        <a:ea typeface="+mn-ea"/>
+        <a:cs typeface="+mn-cs"/>
+      </a:defRPr>
+    </a:lvl7pPr>
+    <a:lvl8pPr marL="3200400" algn="l" defTabSz="914400" rtl="0" eaLnBrk="1" latinLnBrk="1" hangingPunct="1">
+      <a:defRPr sz="1200" kern="1200">
+        <a:solidFill>
+          <a:schemeClr val="tx1"/>
+        </a:solidFill>
+        <a:latin typeface="+mn-lt"/>
+        <a:ea typeface="+mn-ea"/>
+        <a:cs typeface="+mn-cs"/>
+      </a:defRPr>
+    </a:lvl8pPr>
+    <a:lvl9pPr marL="3657600" algn="l" defTabSz="914400" rtl="0" eaLnBrk="1" latinLnBrk="1" hangingPunct="1">
+      <a:defRPr sz="1200" kern="1200">
+        <a:solidFill>
+          <a:schemeClr val="tx1"/>
+        </a:solidFill>
+        <a:latin typeface="+mn-lt"/>
+        <a:ea typeface="+mn-ea"/>
+        <a:cs typeface="+mn-cs"/>
+      </a:defRPr>
+    </a:lvl9pPr>
+  </p:notesStyle>
+</p:notesMaster>
+</file>
+
+<file path=ppt/notesSlides/notesSlide1.xml><?xml version="1.0" encoding="utf-8"?>
+<p:notes xmlns:a="http://schemas.openxmlformats.org/drawingml/2006/main" xmlns:r="http://schemas.openxmlformats.org/officeDocument/2006/relationships" xmlns:p="http://schemas.openxmlformats.org/presentationml/2006/main">
+  <p:cSld>
+    <p:spTree>
+      <p:nvGrpSpPr>
+        <p:cNvPr id="1" name=""/>
+        <p:cNvGrpSpPr/>
+        <p:nvPr/>
+      </p:nvGrpSpPr>
+      <p:grpSpPr>
+        <a:xfrm>
+          <a:off x="0" y="0"/>
+          <a:ext cx="0" cy="0"/>
+          <a:chOff x="0" y="0"/>
+          <a:chExt cx="0" cy="0"/>
+        </a:xfrm>
+      </p:grpSpPr>
+      <p:sp>
+        <p:nvSpPr>
+          <p:cNvPr id="2" name="슬라이드 이미지 개체 틀 1"/>
+          <p:cNvSpPr>
+            <a:spLocks noGrp="1" noRot="1" noChangeAspect="1"/>
+          </p:cNvSpPr>
+          <p:nvPr>
+            <p:ph type="sldImg"/>
+          </p:nvPr>
+        </p:nvSpPr>
+        <p:spPr/>
+      </p:sp>
+      <p:sp>
+        <p:nvSpPr>
+          <p:cNvPr id="3" name="슬라이드 노트 개체 틀 2"/>
+          <p:cNvSpPr>
+            <a:spLocks noGrp="1"/>
+          </p:cNvSpPr>
+          <p:nvPr>
+            <p:ph type="body" idx="1"/>
+          </p:nvPr>
+        </p:nvSpPr>
+        <p:spPr/>
+        <p:txBody>
+          <a:bodyPr/>
+          <a:lstStyle/>
+          <a:p>
+            <a:pPr marL="228600" indent="-228600">
+              <a:buAutoNum type="arabicPeriod"/>
+            </a:pPr>
+            <a:r>
+              <a:rPr lang="ko-KR" altLang="en-US" dirty="0"/>
+              <a:t>이미 커리큘럼상에서 명시 하듯이</a:t>
+            </a:r>
+            <a:r>
+              <a:rPr lang="en-US" altLang="ko-KR" dirty="0"/>
+              <a:t>, </a:t>
+            </a:r>
+            <a:r>
+              <a:rPr lang="ko-KR" altLang="en-US" dirty="0"/>
+              <a:t>딥러닝 기반의 이미지 및 객체 인식 기술 습득이</a:t>
+            </a:r>
+            <a:r>
+              <a:rPr lang="en-US" altLang="ko-KR" dirty="0"/>
+              <a:t>, </a:t>
+            </a:r>
+            <a:r>
+              <a:rPr lang="ko-KR" altLang="en-US" dirty="0"/>
+              <a:t>본 프로젝트의 배경입니다</a:t>
+            </a:r>
+            <a:r>
+              <a:rPr lang="en-US" altLang="ko-KR" dirty="0"/>
+              <a:t>. </a:t>
+            </a:r>
+          </a:p>
+          <a:p>
+            <a:pPr marL="228600" indent="-228600">
+              <a:buAutoNum type="arabicPeriod"/>
+            </a:pPr>
+            <a:r>
+              <a:rPr lang="ko-KR" altLang="en-US" dirty="0"/>
+              <a:t>프로젝트의 목표는 최적의 객체 탐지 모델 선정 </a:t>
+            </a:r>
+            <a:r>
+              <a:rPr lang="en-US" altLang="ko-KR" dirty="0"/>
+              <a:t>(YOLO vs Faster R-CNN) </a:t>
+            </a:r>
+            <a:r>
+              <a:rPr lang="ko-KR" altLang="en-US" dirty="0"/>
+              <a:t>과 데이터 </a:t>
+            </a:r>
+            <a:r>
+              <a:rPr lang="ko-KR" altLang="en-US" dirty="0" err="1"/>
+              <a:t>전처리</a:t>
+            </a:r>
+            <a:r>
+              <a:rPr lang="ko-KR" altLang="en-US" dirty="0"/>
+              <a:t> 및  튜닝을 통한 모델 강건성</a:t>
+            </a:r>
+            <a:r>
+              <a:rPr lang="en-US" altLang="ko-KR" dirty="0"/>
+              <a:t>(Robustness) </a:t>
+            </a:r>
+            <a:r>
+              <a:rPr lang="ko-KR" altLang="en-US" dirty="0"/>
+              <a:t>향상이라는 </a:t>
+            </a:r>
+            <a:r>
+              <a:rPr lang="en-US" altLang="ko-KR" dirty="0"/>
+              <a:t>2</a:t>
+            </a:r>
+            <a:r>
+              <a:rPr lang="ko-KR" altLang="en-US" dirty="0"/>
+              <a:t>가지를 삼았습니다</a:t>
+            </a:r>
+            <a:r>
+              <a:rPr lang="en-US" altLang="ko-KR" dirty="0"/>
+              <a:t>.</a:t>
+            </a:r>
+          </a:p>
+          <a:p>
+            <a:pPr marL="0" indent="0">
+              <a:buNone/>
+            </a:pPr>
+            <a:r>
+              <a:rPr lang="ko-KR" altLang="en-US" dirty="0"/>
+              <a:t>이를 위해서 </a:t>
+            </a:r>
+            <a:r>
+              <a:rPr lang="en-US" altLang="ko-KR" dirty="0"/>
+              <a:t>baseline </a:t>
+            </a:r>
+            <a:r>
+              <a:rPr lang="ko-KR" altLang="en-US" dirty="0"/>
+              <a:t>지표 확인과</a:t>
+            </a:r>
+            <a:r>
+              <a:rPr lang="en-US" altLang="ko-KR" dirty="0"/>
+              <a:t>, </a:t>
+            </a:r>
+            <a:r>
+              <a:rPr lang="ko-KR" altLang="en-US" dirty="0"/>
+              <a:t>데이터셋 정의</a:t>
+            </a:r>
+            <a:r>
+              <a:rPr lang="en-US" altLang="ko-KR" dirty="0"/>
+              <a:t>,  </a:t>
+            </a:r>
+            <a:r>
+              <a:rPr lang="ko-KR" altLang="en-US" dirty="0"/>
+              <a:t>데이터 분석과 </a:t>
+            </a:r>
+            <a:r>
+              <a:rPr lang="ko-KR" altLang="en-US" dirty="0" err="1"/>
+              <a:t>전처리</a:t>
+            </a:r>
+            <a:r>
+              <a:rPr lang="en-US" altLang="ko-KR" dirty="0"/>
+              <a:t>, </a:t>
+            </a:r>
+            <a:r>
+              <a:rPr lang="ko-KR" altLang="en-US" dirty="0"/>
+              <a:t>그리고 모델 튜닝과 배포 연습 </a:t>
+            </a:r>
+            <a:r>
+              <a:rPr lang="en-US" altLang="ko-KR" dirty="0"/>
+              <a:t>(</a:t>
+            </a:r>
+            <a:r>
+              <a:rPr lang="ko-KR" altLang="en-US" dirty="0"/>
+              <a:t>시연</a:t>
+            </a:r>
+            <a:r>
+              <a:rPr lang="en-US" altLang="ko-KR" dirty="0"/>
+              <a:t>) </a:t>
+            </a:r>
+            <a:r>
+              <a:rPr lang="ko-KR" altLang="en-US" dirty="0"/>
+              <a:t>까지를 팀내 과제로 선정 했습니다</a:t>
+            </a:r>
+            <a:r>
+              <a:rPr lang="en-US" altLang="ko-KR" dirty="0"/>
+              <a:t>.</a:t>
+            </a:r>
+          </a:p>
+          <a:p>
+            <a:pPr marL="228600" indent="-228600">
+              <a:buAutoNum type="arabicPeriod" startAt="3"/>
+            </a:pPr>
+            <a:r>
+              <a:rPr lang="ko-KR" altLang="en-US" dirty="0"/>
+              <a:t>본 프로젝트를 통해서 실무적 지식을 배우고</a:t>
+            </a:r>
+            <a:r>
+              <a:rPr lang="en-US" altLang="ko-KR" dirty="0"/>
+              <a:t>,  </a:t>
+            </a:r>
+            <a:r>
+              <a:rPr lang="ko-KR" altLang="en-US" dirty="0"/>
+              <a:t> 교과서적인 </a:t>
+            </a:r>
+            <a:r>
+              <a:rPr lang="en-US" altLang="ko-KR" dirty="0"/>
+              <a:t>procedure </a:t>
+            </a:r>
+            <a:r>
+              <a:rPr lang="ko-KR" altLang="en-US" dirty="0"/>
+              <a:t>보다는 프로젝트를 통한 다양한 기술 습득을 기대 함</a:t>
+            </a:r>
+            <a:r>
+              <a:rPr lang="en-US" altLang="ko-KR" dirty="0"/>
+              <a:t>.</a:t>
+            </a:r>
+          </a:p>
+          <a:p>
+            <a:pPr marL="0" indent="0">
+              <a:buNone/>
+            </a:pPr>
+            <a:r>
+              <a:rPr lang="ko-KR" altLang="en-US" dirty="0"/>
+              <a:t>팀내 </a:t>
+            </a:r>
+            <a:r>
+              <a:rPr lang="en-US" altLang="ko-KR" dirty="0"/>
+              <a:t>collaboration</a:t>
+            </a:r>
+            <a:r>
+              <a:rPr lang="ko-KR" altLang="en-US" dirty="0"/>
+              <a:t> 관련 </a:t>
+            </a:r>
+            <a:r>
+              <a:rPr lang="en-US" altLang="ko-KR" dirty="0"/>
+              <a:t>tool</a:t>
+            </a:r>
+            <a:r>
+              <a:rPr lang="ko-KR" altLang="en-US" dirty="0"/>
+              <a:t>과 소프트 스킬을 익힐 수 있고</a:t>
+            </a:r>
+            <a:r>
+              <a:rPr lang="en-US" altLang="ko-KR" dirty="0"/>
+              <a:t>, </a:t>
+            </a:r>
+            <a:r>
+              <a:rPr lang="ko-KR" altLang="en-US" dirty="0"/>
+              <a:t>또한 여타 관련 기술을 배울 것으로 기대  </a:t>
+            </a:r>
+            <a:r>
+              <a:rPr lang="en-US" altLang="ko-KR" dirty="0"/>
+              <a:t>(</a:t>
+            </a:r>
+            <a:r>
+              <a:rPr lang="ko-KR" altLang="en-US" dirty="0"/>
+              <a:t>실제로 </a:t>
+            </a:r>
+            <a:r>
+              <a:rPr lang="en-US" altLang="ko-KR" dirty="0" err="1"/>
+              <a:t>github</a:t>
+            </a:r>
+            <a:r>
+              <a:rPr lang="ko-KR" altLang="en-US" dirty="0"/>
+              <a:t>와 </a:t>
+            </a:r>
+            <a:r>
+              <a:rPr lang="en-US" altLang="ko-KR" dirty="0" err="1"/>
+              <a:t>streamlit</a:t>
+            </a:r>
+            <a:r>
+              <a:rPr lang="ko-KR" altLang="en-US" dirty="0"/>
+              <a:t>의 연동</a:t>
+            </a:r>
+            <a:r>
+              <a:rPr lang="en-US" altLang="ko-KR" dirty="0"/>
+              <a:t>, </a:t>
+            </a:r>
+            <a:r>
+              <a:rPr lang="ko-KR" altLang="en-US" dirty="0" err="1"/>
+              <a:t>코랩에서</a:t>
+            </a:r>
+            <a:r>
+              <a:rPr lang="ko-KR" altLang="en-US" dirty="0"/>
+              <a:t> </a:t>
+            </a:r>
+            <a:r>
+              <a:rPr lang="en-US" altLang="ko-KR" dirty="0" err="1"/>
+              <a:t>streamlit</a:t>
+            </a:r>
+            <a:r>
+              <a:rPr lang="ko-KR" altLang="en-US" dirty="0"/>
+              <a:t>을 구동 할 수 </a:t>
+            </a:r>
+            <a:r>
+              <a:rPr lang="ko-KR" altLang="en-US" dirty="0" err="1"/>
+              <a:t>있게금</a:t>
+            </a:r>
+            <a:r>
+              <a:rPr lang="ko-KR" altLang="en-US" dirty="0"/>
+              <a:t> 해주는 </a:t>
+            </a:r>
+            <a:r>
+              <a:rPr lang="en-US" altLang="ko-KR" dirty="0" err="1"/>
+              <a:t>ngrok</a:t>
+            </a:r>
+            <a:r>
+              <a:rPr lang="ko-KR" altLang="en-US" dirty="0"/>
+              <a:t>등 부수적으로  기술까지 습득 </a:t>
+            </a:r>
+            <a:r>
+              <a:rPr lang="ko-KR" altLang="en-US" dirty="0" err="1"/>
+              <a:t>했슴</a:t>
+            </a:r>
+            <a:r>
+              <a:rPr lang="en-US" altLang="ko-KR" dirty="0"/>
+              <a:t>)</a:t>
+            </a:r>
+          </a:p>
+          <a:p>
+            <a:pPr marL="0" indent="0">
+              <a:buNone/>
+            </a:pPr>
+            <a:endParaRPr lang="en-US" altLang="ko-KR" dirty="0"/>
+          </a:p>
+          <a:p>
+            <a:pPr marL="228600" indent="-228600">
+              <a:buAutoNum type="arabicPeriod"/>
+            </a:pPr>
+            <a:endParaRPr lang="ko-KR" altLang="en-US" dirty="0"/>
+          </a:p>
+        </p:txBody>
+      </p:sp>
+      <p:sp>
+        <p:nvSpPr>
+          <p:cNvPr id="4" name="슬라이드 번호 개체 틀 3"/>
+          <p:cNvSpPr>
+            <a:spLocks noGrp="1"/>
+          </p:cNvSpPr>
+          <p:nvPr>
+            <p:ph type="sldNum" sz="quarter" idx="5"/>
+          </p:nvPr>
+        </p:nvSpPr>
+        <p:spPr/>
+        <p:txBody>
+          <a:bodyPr/>
+          <a:lstStyle/>
+          <a:p>
+            <a:fld id="{A4AA1FFD-0ED2-45FB-984B-92ABD63F203B}" type="slidenum">
+              <a:rPr lang="ko-KR" altLang="en-US" smtClean="0"/>
+              <a:t>3</a:t>
+            </a:fld>
+            <a:endParaRPr lang="ko-KR" altLang="en-US"/>
+          </a:p>
+        </p:txBody>
+      </p:sp>
+    </p:spTree>
+    <p:extLst>
+      <p:ext uri="{BB962C8B-B14F-4D97-AF65-F5344CB8AC3E}">
+        <p14:creationId xmlns:p14="http://schemas.microsoft.com/office/powerpoint/2010/main" val="2837017027"/>
+      </p:ext>
+    </p:extLst>
+  </p:cSld>
+  <p:clrMapOvr>
+    <a:masterClrMapping/>
+  </p:clrMapOvr>
+</p:notes>
+</file>
+
+<file path=ppt/notesSlides/notesSlide2.xml><?xml version="1.0" encoding="utf-8"?>
+<p:notes xmlns:a="http://schemas.openxmlformats.org/drawingml/2006/main" xmlns:r="http://schemas.openxmlformats.org/officeDocument/2006/relationships" xmlns:p="http://schemas.openxmlformats.org/presentationml/2006/main">
+  <p:cSld>
+    <p:spTree>
+      <p:nvGrpSpPr>
+        <p:cNvPr id="1" name=""/>
+        <p:cNvGrpSpPr/>
+        <p:nvPr/>
+      </p:nvGrpSpPr>
+      <p:grpSpPr>
+        <a:xfrm>
+          <a:off x="0" y="0"/>
+          <a:ext cx="0" cy="0"/>
+          <a:chOff x="0" y="0"/>
+          <a:chExt cx="0" cy="0"/>
+        </a:xfrm>
+      </p:grpSpPr>
+      <p:sp>
+        <p:nvSpPr>
+          <p:cNvPr id="2" name="슬라이드 이미지 개체 틀 1"/>
+          <p:cNvSpPr>
+            <a:spLocks noGrp="1" noRot="1" noChangeAspect="1"/>
+          </p:cNvSpPr>
+          <p:nvPr>
+            <p:ph type="sldImg"/>
+          </p:nvPr>
+        </p:nvSpPr>
+        <p:spPr/>
+      </p:sp>
+      <p:sp>
+        <p:nvSpPr>
+          <p:cNvPr id="3" name="슬라이드 노트 개체 틀 2"/>
+          <p:cNvSpPr>
+            <a:spLocks noGrp="1"/>
+          </p:cNvSpPr>
+          <p:nvPr>
+            <p:ph type="body" idx="1"/>
+          </p:nvPr>
+        </p:nvSpPr>
+        <p:spPr/>
+        <p:txBody>
+          <a:bodyPr/>
+          <a:lstStyle/>
+          <a:p>
+            <a:pPr marL="228600" indent="-228600">
+              <a:buAutoNum type="arabicPeriod"/>
+            </a:pPr>
+            <a:r>
+              <a:rPr lang="ko-KR" altLang="en-US" dirty="0"/>
+              <a:t>데이터셋은 초기 분석을 통한 </a:t>
+            </a:r>
+            <a:r>
+              <a:rPr lang="en-US" altLang="ko-KR" dirty="0"/>
+              <a:t>3</a:t>
+            </a:r>
+            <a:r>
+              <a:rPr lang="ko-KR" altLang="en-US" dirty="0"/>
+              <a:t>개의 분류</a:t>
+            </a:r>
+            <a:r>
+              <a:rPr lang="en-US" altLang="ko-KR" dirty="0"/>
+              <a:t>, </a:t>
+            </a:r>
+            <a:r>
+              <a:rPr lang="ko-KR" altLang="en-US" dirty="0"/>
+              <a:t>데이터셋으로 나누어서 정의</a:t>
+            </a:r>
+            <a:r>
+              <a:rPr lang="en-US" altLang="ko-KR" dirty="0"/>
+              <a:t>. (</a:t>
+            </a:r>
+            <a:r>
+              <a:rPr lang="ko-KR" altLang="en-US" dirty="0"/>
+              <a:t>팀원 모두가 같은 데이터셋</a:t>
+            </a:r>
+            <a:r>
+              <a:rPr lang="en-US" altLang="ko-KR" dirty="0"/>
+              <a:t>, </a:t>
+            </a:r>
+            <a:r>
+              <a:rPr lang="ko-KR" altLang="en-US" dirty="0"/>
+              <a:t>같은 디렉토리 구조 공유</a:t>
+            </a:r>
+            <a:r>
+              <a:rPr lang="en-US" altLang="ko-KR" dirty="0"/>
+              <a:t>)</a:t>
+            </a:r>
+          </a:p>
+          <a:p>
+            <a:pPr marL="228600" indent="-228600">
+              <a:buAutoNum type="arabicPeriod"/>
+            </a:pPr>
+            <a:r>
+              <a:rPr lang="ko-KR" altLang="en-US" dirty="0"/>
+              <a:t>인프라</a:t>
+            </a:r>
+            <a:r>
+              <a:rPr lang="en-US" altLang="ko-KR" dirty="0"/>
+              <a:t>, </a:t>
+            </a:r>
+            <a:r>
+              <a:rPr lang="ko-KR" altLang="en-US" dirty="0"/>
+              <a:t>개발 환경은 </a:t>
+            </a:r>
+            <a:r>
+              <a:rPr lang="en-US" altLang="ko-KR" dirty="0"/>
+              <a:t>GPU </a:t>
+            </a:r>
+            <a:r>
+              <a:rPr lang="ko-KR" altLang="en-US" dirty="0"/>
+              <a:t>자원 이유로 </a:t>
+            </a:r>
+            <a:r>
+              <a:rPr lang="ko-KR" altLang="en-US" dirty="0" err="1"/>
+              <a:t>코랩으로</a:t>
+            </a:r>
+            <a:r>
+              <a:rPr lang="ko-KR" altLang="en-US" dirty="0"/>
+              <a:t> 통일</a:t>
+            </a:r>
+            <a:r>
+              <a:rPr lang="en-US" altLang="ko-KR" dirty="0"/>
+              <a:t>,  </a:t>
+            </a:r>
+            <a:r>
+              <a:rPr lang="ko-KR" altLang="en-US" dirty="0"/>
+              <a:t>코딩은 별도로 하더라도 실행은 </a:t>
+            </a:r>
+            <a:r>
+              <a:rPr lang="ko-KR" altLang="en-US" dirty="0" err="1"/>
+              <a:t>코랩</a:t>
+            </a:r>
+            <a:r>
+              <a:rPr lang="ko-KR" altLang="en-US" dirty="0"/>
+              <a:t> 환경으로 통일</a:t>
+            </a:r>
+            <a:r>
+              <a:rPr lang="en-US" altLang="ko-KR" dirty="0"/>
+              <a:t>.</a:t>
+            </a:r>
+          </a:p>
+          <a:p>
+            <a:pPr marL="228600" indent="-228600">
+              <a:buAutoNum type="arabicPeriod"/>
+            </a:pPr>
+            <a:r>
+              <a:rPr lang="ko-KR" altLang="en-US" dirty="0"/>
+              <a:t>핵심 파이프라인은  데이터 </a:t>
+            </a:r>
+            <a:r>
+              <a:rPr lang="ko-KR" altLang="en-US" dirty="0" err="1"/>
+              <a:t>전처리</a:t>
+            </a:r>
+            <a:r>
+              <a:rPr lang="ko-KR" altLang="en-US" dirty="0"/>
+              <a:t> 부터 모델 학습 및 </a:t>
+            </a:r>
+            <a:r>
+              <a:rPr lang="en-US" altLang="ko-KR" dirty="0"/>
+              <a:t>COCO </a:t>
+            </a:r>
+            <a:r>
+              <a:rPr lang="ko-KR" altLang="en-US" dirty="0"/>
+              <a:t>평가 함수를 통한 평가지표 산출까지 한 개의 코드로 수행</a:t>
+            </a:r>
+            <a:r>
+              <a:rPr lang="en-US" altLang="ko-KR" dirty="0"/>
+              <a:t>.</a:t>
+            </a:r>
+          </a:p>
+          <a:p>
+            <a:r>
+              <a:rPr lang="en-US" altLang="ko-KR" dirty="0"/>
+              <a:t>EDA</a:t>
+            </a:r>
+            <a:r>
+              <a:rPr lang="ko-KR" altLang="en-US" dirty="0"/>
+              <a:t>는 별도 코드</a:t>
+            </a:r>
+            <a:r>
+              <a:rPr lang="en-US" altLang="ko-KR" dirty="0"/>
+              <a:t>,</a:t>
+            </a:r>
+          </a:p>
+          <a:p>
+            <a:r>
+              <a:rPr lang="en-US" altLang="ko-KR" dirty="0" err="1"/>
+              <a:t>Streamlit</a:t>
+            </a:r>
+            <a:r>
+              <a:rPr lang="ko-KR" altLang="en-US" dirty="0"/>
+              <a:t> 서비스는 별도 코드</a:t>
+            </a:r>
+            <a:r>
+              <a:rPr lang="en-US" altLang="ko-KR" dirty="0"/>
+              <a:t>.</a:t>
+            </a:r>
+          </a:p>
+          <a:p>
+            <a:r>
+              <a:rPr lang="ko-KR" altLang="en-US" dirty="0"/>
+              <a:t>이외는 핵심 파이프라인 한 개 코드</a:t>
+            </a:r>
+            <a:r>
+              <a:rPr lang="en-US" altLang="ko-KR" dirty="0"/>
+              <a:t>. </a:t>
+            </a:r>
+          </a:p>
+          <a:p>
+            <a:endParaRPr lang="en-US" altLang="ko-KR" dirty="0"/>
+          </a:p>
+          <a:p>
+            <a:r>
+              <a:rPr lang="en-US" altLang="ko-KR" dirty="0"/>
+              <a:t>4. </a:t>
+            </a:r>
+            <a:r>
+              <a:rPr lang="ko-KR" altLang="en-US" dirty="0"/>
+              <a:t>평가 시스템이란</a:t>
+            </a:r>
+            <a:r>
+              <a:rPr lang="en-US" altLang="ko-KR" dirty="0"/>
+              <a:t>,  </a:t>
+            </a:r>
+            <a:r>
+              <a:rPr lang="ko-KR" altLang="en-US" dirty="0"/>
+              <a:t>학습된 모델을 </a:t>
+            </a:r>
+            <a:r>
+              <a:rPr lang="ko-KR" altLang="en-US" dirty="0" err="1"/>
+              <a:t>로드하여</a:t>
+            </a:r>
+            <a:r>
+              <a:rPr lang="en-US" altLang="ko-KR" dirty="0"/>
+              <a:t>, </a:t>
+            </a:r>
+            <a:r>
+              <a:rPr lang="ko-KR" altLang="en-US" dirty="0" err="1"/>
+              <a:t>코드잇제공</a:t>
+            </a:r>
+            <a:r>
+              <a:rPr lang="ko-KR" altLang="en-US" dirty="0"/>
+              <a:t> </a:t>
+            </a:r>
+            <a:r>
+              <a:rPr lang="ko-KR" altLang="en-US" dirty="0" err="1"/>
+              <a:t>테스트이미지로</a:t>
+            </a:r>
+            <a:r>
+              <a:rPr lang="ko-KR" altLang="en-US" dirty="0"/>
+              <a:t> 검증을 하며</a:t>
+            </a:r>
+            <a:r>
+              <a:rPr lang="en-US" altLang="ko-KR" dirty="0"/>
+              <a:t>, </a:t>
+            </a:r>
+            <a:r>
+              <a:rPr lang="ko-KR" altLang="en-US" dirty="0"/>
+              <a:t>또한 그 결과를 </a:t>
+            </a:r>
+            <a:r>
+              <a:rPr lang="ko-KR" altLang="en-US" dirty="0" err="1"/>
+              <a:t>캐글에</a:t>
+            </a:r>
+            <a:r>
+              <a:rPr lang="ko-KR" altLang="en-US" dirty="0"/>
+              <a:t> 제출 하기 위한 파일 생성 까지를 수행</a:t>
+            </a:r>
+            <a:r>
+              <a:rPr lang="en-US" altLang="ko-KR" dirty="0"/>
+              <a:t>.</a:t>
+            </a:r>
+          </a:p>
+          <a:p>
+            <a:r>
+              <a:rPr lang="en-US" altLang="ko-KR" dirty="0"/>
+              <a:t>5. Web UI</a:t>
+            </a:r>
+            <a:r>
+              <a:rPr lang="ko-KR" altLang="en-US" dirty="0"/>
+              <a:t>는 </a:t>
+            </a:r>
+            <a:r>
+              <a:rPr lang="en-US" altLang="ko-KR" dirty="0" err="1"/>
+              <a:t>Github</a:t>
+            </a:r>
+            <a:r>
+              <a:rPr lang="ko-KR" altLang="en-US" dirty="0"/>
+              <a:t>에서 </a:t>
+            </a:r>
+            <a:r>
+              <a:rPr lang="en-US" altLang="ko-KR" dirty="0" err="1"/>
+              <a:t>streamli</a:t>
+            </a:r>
+            <a:r>
+              <a:rPr lang="ko-KR" altLang="en-US" dirty="0"/>
+              <a:t>을 연동하여</a:t>
+            </a:r>
+            <a:r>
+              <a:rPr lang="en-US" altLang="ko-KR" dirty="0"/>
+              <a:t>, (</a:t>
+            </a:r>
+            <a:r>
+              <a:rPr lang="ko-KR" altLang="en-US" dirty="0"/>
+              <a:t>지금 보고 계시는 이 화면</a:t>
+            </a:r>
+            <a:r>
+              <a:rPr lang="en-US" altLang="ko-KR" dirty="0"/>
+              <a:t>) </a:t>
+            </a:r>
+            <a:r>
+              <a:rPr lang="ko-KR" altLang="en-US" dirty="0"/>
+              <a:t>발표 및 시연을 위한 코드</a:t>
+            </a:r>
+            <a:r>
+              <a:rPr lang="en-US" altLang="ko-KR" dirty="0"/>
+              <a:t>.</a:t>
+            </a:r>
+          </a:p>
+          <a:p>
+            <a:endParaRPr lang="en-US" altLang="ko-KR" dirty="0"/>
+          </a:p>
+          <a:p>
+            <a:endParaRPr lang="ko-KR" altLang="en-US" dirty="0"/>
+          </a:p>
+        </p:txBody>
+      </p:sp>
+      <p:sp>
+        <p:nvSpPr>
+          <p:cNvPr id="4" name="슬라이드 번호 개체 틀 3"/>
+          <p:cNvSpPr>
+            <a:spLocks noGrp="1"/>
+          </p:cNvSpPr>
+          <p:nvPr>
+            <p:ph type="sldNum" sz="quarter" idx="5"/>
+          </p:nvPr>
+        </p:nvSpPr>
+        <p:spPr/>
+        <p:txBody>
+          <a:bodyPr/>
+          <a:lstStyle/>
+          <a:p>
+            <a:fld id="{A4AA1FFD-0ED2-45FB-984B-92ABD63F203B}" type="slidenum">
+              <a:rPr lang="ko-KR" altLang="en-US" smtClean="0"/>
+              <a:t>4</a:t>
+            </a:fld>
+            <a:endParaRPr lang="ko-KR" altLang="en-US"/>
+          </a:p>
+        </p:txBody>
+      </p:sp>
+    </p:spTree>
+    <p:extLst>
+      <p:ext uri="{BB962C8B-B14F-4D97-AF65-F5344CB8AC3E}">
+        <p14:creationId xmlns:p14="http://schemas.microsoft.com/office/powerpoint/2010/main" val="3021315857"/>
+      </p:ext>
+    </p:extLst>
+  </p:cSld>
+  <p:clrMapOvr>
+    <a:masterClrMapping/>
+  </p:clrMapOvr>
+</p:notes>
+</file>
+
+<file path=ppt/notesSlides/notesSlide3.xml><?xml version="1.0" encoding="utf-8"?>
+<p:notes xmlns:a="http://schemas.openxmlformats.org/drawingml/2006/main" xmlns:r="http://schemas.openxmlformats.org/officeDocument/2006/relationships" xmlns:p="http://schemas.openxmlformats.org/presentationml/2006/main">
+  <p:cSld>
+    <p:spTree>
+      <p:nvGrpSpPr>
+        <p:cNvPr id="1" name=""/>
+        <p:cNvGrpSpPr/>
+        <p:nvPr/>
+      </p:nvGrpSpPr>
+      <p:grpSpPr>
+        <a:xfrm>
+          <a:off x="0" y="0"/>
+          <a:ext cx="0" cy="0"/>
+          <a:chOff x="0" y="0"/>
+          <a:chExt cx="0" cy="0"/>
+        </a:xfrm>
+      </p:grpSpPr>
+      <p:sp>
+        <p:nvSpPr>
+          <p:cNvPr id="2" name="슬라이드 이미지 개체 틀 1"/>
+          <p:cNvSpPr>
+            <a:spLocks noGrp="1" noRot="1" noChangeAspect="1"/>
+          </p:cNvSpPr>
+          <p:nvPr>
+            <p:ph type="sldImg"/>
+          </p:nvPr>
+        </p:nvSpPr>
+        <p:spPr/>
+      </p:sp>
+      <p:sp>
+        <p:nvSpPr>
+          <p:cNvPr id="3" name="슬라이드 노트 개체 틀 2"/>
+          <p:cNvSpPr>
+            <a:spLocks noGrp="1"/>
+          </p:cNvSpPr>
+          <p:nvPr>
+            <p:ph type="body" idx="1"/>
+          </p:nvPr>
+        </p:nvSpPr>
+        <p:spPr/>
+        <p:txBody>
+          <a:bodyPr/>
+          <a:lstStyle/>
+          <a:p>
+            <a:r>
+              <a:rPr lang="ko-KR" altLang="en-US" b="1" dirty="0"/>
+              <a:t>프로젝트의 기능적 측면을 말씀드리자면</a:t>
+            </a:r>
+            <a:r>
+              <a:rPr lang="en-US" altLang="ko-KR" b="1" dirty="0"/>
+              <a:t>, </a:t>
+            </a:r>
+            <a:r>
+              <a:rPr lang="ko-KR" altLang="en-US" b="1" dirty="0"/>
+              <a:t>우선 </a:t>
+            </a:r>
+            <a:r>
+              <a:rPr lang="en-US" altLang="ko-KR" b="1" dirty="0"/>
+              <a:t>EDA</a:t>
+            </a:r>
+            <a:r>
+              <a:rPr lang="ko-KR" altLang="en-US" b="1" dirty="0"/>
+              <a:t>를 수행하여 데이터 자체의 품질을 향상 시킴</a:t>
+            </a:r>
+            <a:r>
+              <a:rPr lang="en-US" altLang="ko-KR" b="1" dirty="0"/>
+              <a:t>. (</a:t>
+            </a:r>
+            <a:r>
+              <a:rPr lang="ko-KR" altLang="en-US" b="1" dirty="0" err="1"/>
+              <a:t>결측치</a:t>
+            </a:r>
+            <a:r>
+              <a:rPr lang="en-US" altLang="ko-KR" b="1" dirty="0"/>
+              <a:t>, </a:t>
+            </a:r>
+            <a:r>
+              <a:rPr lang="ko-KR" altLang="en-US" b="1" dirty="0"/>
+              <a:t>오류 데이터 등</a:t>
+            </a:r>
+            <a:r>
+              <a:rPr lang="en-US" altLang="ko-KR" b="1" dirty="0"/>
+              <a:t>) – EDA </a:t>
+            </a:r>
+            <a:r>
+              <a:rPr lang="ko-KR" altLang="en-US" b="1" dirty="0"/>
+              <a:t>시연을 통하여</a:t>
+            </a:r>
+            <a:r>
+              <a:rPr lang="en-US" altLang="ko-KR" b="1" dirty="0"/>
+              <a:t>, </a:t>
+            </a:r>
+            <a:r>
+              <a:rPr lang="ko-KR" altLang="en-US" b="1" dirty="0"/>
+              <a:t>어떻게 데이터 품질을 향상 시켰는지 보여 </a:t>
+            </a:r>
+            <a:r>
+              <a:rPr lang="ko-KR" altLang="en-US" b="1" dirty="0" err="1"/>
+              <a:t>드리겠슴</a:t>
+            </a:r>
+            <a:r>
+              <a:rPr lang="en-US" altLang="ko-KR" b="1" dirty="0"/>
+              <a:t>.</a:t>
+            </a:r>
+          </a:p>
+          <a:p>
+            <a:r>
+              <a:rPr lang="ko-KR" altLang="en-US" b="1" dirty="0"/>
+              <a:t>객체인식</a:t>
+            </a:r>
+            <a:r>
+              <a:rPr lang="en-US" altLang="ko-KR" b="1" dirty="0"/>
+              <a:t>, </a:t>
+            </a:r>
+            <a:r>
+              <a:rPr lang="ko-KR" altLang="en-US" b="1" dirty="0" err="1"/>
+              <a:t>경구용알약의</a:t>
+            </a:r>
+            <a:r>
+              <a:rPr lang="ko-KR" altLang="en-US" b="1" dirty="0"/>
+              <a:t> 탐지 및 인식 </a:t>
+            </a:r>
+            <a:r>
+              <a:rPr lang="en-US" altLang="ko-KR" b="1" dirty="0"/>
+              <a:t>(</a:t>
+            </a:r>
+            <a:r>
+              <a:rPr lang="ko-KR" altLang="en-US" b="1" dirty="0"/>
+              <a:t>데이터 </a:t>
+            </a:r>
+            <a:r>
+              <a:rPr lang="ko-KR" altLang="en-US" b="1" dirty="0" err="1"/>
+              <a:t>전처리</a:t>
+            </a:r>
+            <a:r>
+              <a:rPr lang="ko-KR" altLang="en-US" b="1" dirty="0"/>
+              <a:t> 및 모델 학습을 통하여</a:t>
+            </a:r>
+            <a:r>
+              <a:rPr lang="en-US" altLang="ko-KR" b="1" dirty="0"/>
+              <a:t>). </a:t>
+            </a:r>
+            <a:r>
+              <a:rPr lang="ko-KR" altLang="en-US" b="1" dirty="0"/>
+              <a:t>그 다음은 자동화된 평가 </a:t>
+            </a:r>
+            <a:r>
+              <a:rPr lang="en-US" altLang="ko-KR" b="1" dirty="0"/>
+              <a:t>(COCO</a:t>
+            </a:r>
+            <a:r>
+              <a:rPr lang="ko-KR" altLang="en-US" b="1" dirty="0"/>
+              <a:t>평가지표 생성 및 </a:t>
+            </a:r>
+            <a:r>
+              <a:rPr lang="ko-KR" altLang="en-US" b="1" dirty="0" err="1"/>
+              <a:t>캐글</a:t>
+            </a:r>
+            <a:r>
+              <a:rPr lang="ko-KR" altLang="en-US" b="1" dirty="0"/>
+              <a:t> 제출용 파일 생성</a:t>
+            </a:r>
+            <a:r>
+              <a:rPr lang="en-US" altLang="ko-KR" b="1" dirty="0"/>
+              <a:t>)</a:t>
+            </a:r>
+          </a:p>
+          <a:p>
+            <a:endParaRPr lang="en-US" altLang="ko-KR" b="1" dirty="0"/>
+          </a:p>
+          <a:p>
+            <a:r>
+              <a:rPr lang="ko-KR" altLang="en-US" b="1" dirty="0"/>
+              <a:t>또한 부수적 이지만  </a:t>
+            </a:r>
+            <a:r>
+              <a:rPr lang="en-US" altLang="ko-KR" b="1" dirty="0" err="1"/>
+              <a:t>chatgpt</a:t>
+            </a:r>
+            <a:r>
+              <a:rPr lang="en-US" altLang="ko-KR" b="1" dirty="0"/>
+              <a:t> API</a:t>
+            </a:r>
+            <a:r>
+              <a:rPr lang="ko-KR" altLang="en-US" b="1" dirty="0"/>
+              <a:t>를 이용한 프롬프트 엔지니어링이 있습니다</a:t>
+            </a:r>
+            <a:r>
+              <a:rPr lang="en-US" altLang="ko-KR" b="1" dirty="0"/>
+              <a:t>.</a:t>
+            </a:r>
+          </a:p>
+          <a:p>
+            <a:endParaRPr lang="en-US" altLang="ko-KR" b="1" dirty="0"/>
+          </a:p>
+          <a:p>
+            <a:r>
+              <a:rPr lang="ko-KR" altLang="en-US" b="1" dirty="0"/>
+              <a:t>마지막으로 지금 보고 계시는 이화면을 위한 시연을 위한 </a:t>
+            </a:r>
+            <a:r>
+              <a:rPr lang="en-US" altLang="ko-KR" b="1" dirty="0" err="1"/>
+              <a:t>Streamlit</a:t>
+            </a:r>
+            <a:r>
+              <a:rPr lang="en-US" altLang="ko-KR" b="1" dirty="0"/>
+              <a:t> </a:t>
+            </a:r>
+            <a:r>
+              <a:rPr lang="ko-KR" altLang="en-US" b="1" dirty="0"/>
+              <a:t>서비스 기능 까지 입니다</a:t>
+            </a:r>
+            <a:r>
+              <a:rPr lang="en-US" altLang="ko-KR" b="1" dirty="0"/>
+              <a:t>.  </a:t>
+            </a:r>
+            <a:r>
+              <a:rPr lang="ko-KR" altLang="en-US" b="1" dirty="0"/>
+              <a:t>이렇게 </a:t>
+            </a:r>
+            <a:r>
+              <a:rPr lang="en-US" altLang="ko-KR" b="1" dirty="0"/>
+              <a:t>5</a:t>
+            </a:r>
+            <a:r>
+              <a:rPr lang="ko-KR" altLang="en-US" b="1" dirty="0"/>
+              <a:t>가지 기능을 구현 목표로 프로젝트를 진행 </a:t>
+            </a:r>
+            <a:r>
+              <a:rPr lang="ko-KR" altLang="en-US" b="1" dirty="0" err="1"/>
+              <a:t>하였슴</a:t>
+            </a:r>
+            <a:r>
+              <a:rPr lang="en-US" altLang="ko-KR" b="1" dirty="0"/>
+              <a:t>.</a:t>
+            </a:r>
+          </a:p>
+          <a:p>
+            <a:endParaRPr lang="en-US" altLang="ko-KR" b="1" dirty="0"/>
+          </a:p>
+          <a:p>
+            <a:endParaRPr lang="en-US" altLang="ko-KR" b="1" dirty="0"/>
+          </a:p>
+          <a:p>
+            <a:endParaRPr lang="en-US" altLang="ko-KR" b="1" dirty="0"/>
+          </a:p>
+          <a:p>
+            <a:r>
+              <a:rPr lang="en-US" altLang="ko-KR" b="1" dirty="0" err="1"/>
+              <a:t>mAP</a:t>
+            </a:r>
+            <a:r>
+              <a:rPr lang="en-US" altLang="ko-KR" b="1" dirty="0"/>
+              <a:t>@[0.74:0.95]:</a:t>
+            </a:r>
+            <a:r>
+              <a:rPr lang="ko-KR" altLang="en-US" dirty="0"/>
+              <a:t> 겹치는 면적이 최소 </a:t>
+            </a:r>
+            <a:r>
+              <a:rPr lang="en-US" altLang="ko-KR" dirty="0"/>
+              <a:t>75%</a:t>
+            </a:r>
+            <a:r>
+              <a:rPr lang="ko-KR" altLang="en-US" dirty="0"/>
+              <a:t>에서 최대 </a:t>
+            </a:r>
+            <a:r>
+              <a:rPr lang="en-US" altLang="ko-KR" dirty="0"/>
+              <a:t>95%, </a:t>
+            </a:r>
+            <a:r>
+              <a:rPr lang="ko-KR" altLang="en-US" dirty="0"/>
+              <a:t>**</a:t>
+            </a:r>
+            <a:r>
+              <a:rPr lang="en-US" altLang="ko-KR" dirty="0"/>
+              <a:t>"</a:t>
+            </a:r>
+            <a:r>
+              <a:rPr lang="ko-KR" altLang="en-US" dirty="0"/>
+              <a:t>모델이 예측한 박스</a:t>
+            </a:r>
+            <a:r>
+              <a:rPr lang="en-US" altLang="ko-KR" dirty="0"/>
+              <a:t>"**</a:t>
+            </a:r>
+            <a:r>
+              <a:rPr lang="ko-KR" altLang="en-US" dirty="0"/>
+              <a:t>와 **</a:t>
+            </a:r>
+            <a:r>
+              <a:rPr lang="en-US" altLang="ko-KR" dirty="0"/>
+              <a:t>"</a:t>
+            </a:r>
+            <a:r>
+              <a:rPr lang="ko-KR" altLang="en-US" dirty="0"/>
+              <a:t>실제 정답</a:t>
+            </a:r>
+            <a:r>
+              <a:rPr lang="en-US" altLang="ko-KR" dirty="0"/>
+              <a:t>(Ground Truth) </a:t>
+            </a:r>
+            <a:r>
+              <a:rPr lang="ko-KR" altLang="en-US" dirty="0"/>
+              <a:t>박스</a:t>
+            </a:r>
+            <a:r>
+              <a:rPr lang="en-US" altLang="ko-KR" dirty="0"/>
+              <a:t>"**</a:t>
+            </a:r>
+            <a:r>
+              <a:rPr lang="ko-KR" altLang="en-US" dirty="0"/>
+              <a:t>가 얼마나 겹치는지</a:t>
+            </a:r>
+          </a:p>
+        </p:txBody>
+      </p:sp>
+      <p:sp>
+        <p:nvSpPr>
+          <p:cNvPr id="4" name="슬라이드 번호 개체 틀 3"/>
+          <p:cNvSpPr>
+            <a:spLocks noGrp="1"/>
+          </p:cNvSpPr>
+          <p:nvPr>
+            <p:ph type="sldNum" sz="quarter" idx="5"/>
+          </p:nvPr>
+        </p:nvSpPr>
+        <p:spPr/>
+        <p:txBody>
+          <a:bodyPr/>
+          <a:lstStyle/>
+          <a:p>
+            <a:fld id="{A4AA1FFD-0ED2-45FB-984B-92ABD63F203B}" type="slidenum">
+              <a:rPr lang="ko-KR" altLang="en-US" smtClean="0"/>
+              <a:t>5</a:t>
+            </a:fld>
+            <a:endParaRPr lang="ko-KR" altLang="en-US"/>
+          </a:p>
+        </p:txBody>
+      </p:sp>
+    </p:spTree>
+    <p:extLst>
+      <p:ext uri="{BB962C8B-B14F-4D97-AF65-F5344CB8AC3E}">
+        <p14:creationId xmlns:p14="http://schemas.microsoft.com/office/powerpoint/2010/main" val="2381322393"/>
+      </p:ext>
+    </p:extLst>
+  </p:cSld>
+  <p:clrMapOvr>
+    <a:masterClrMapping/>
+  </p:clrMapOvr>
+</p:notes>
 </file>
 
 <file path=ppt/slideLayouts/slideLayout1.xml><?xml version="1.0" encoding="utf-8"?>
@@ -4538,7 +6091,7 @@
         <p:spPr>
           <a:xfrm>
             <a:off x="2716622" y="3469910"/>
-            <a:ext cx="8441093" cy="830997"/>
+            <a:ext cx="7704353" cy="830997"/>
           </a:xfrm>
           <a:prstGeom prst="rect">
             <a:avLst/>
@@ -4586,76 +6139,13 @@
           </a:p>
           <a:p>
             <a:r>
-              <a:rPr lang="en-US" altLang="ko-KR" sz="2400" spc="-300" dirty="0">
-                <a:solidFill>
-                  <a:schemeClr val="bg1"/>
-                </a:solidFill>
-                <a:latin typeface="+mn-ea"/>
-              </a:rPr>
-              <a:t>: </a:t>
-            </a:r>
-            <a:r>
               <a:rPr lang="ko-KR" altLang="en-US" sz="2400" spc="-300" dirty="0">
                 <a:solidFill>
                   <a:schemeClr val="bg1"/>
                 </a:solidFill>
                 <a:latin typeface="+mn-ea"/>
               </a:rPr>
-              <a:t>학습을 기반하여</a:t>
-            </a:r>
-            <a:r>
-              <a:rPr lang="en-US" altLang="ko-KR" sz="2400" spc="-300" dirty="0">
-                <a:solidFill>
-                  <a:schemeClr val="bg1"/>
-                </a:solidFill>
-                <a:latin typeface="+mn-ea"/>
-              </a:rPr>
-              <a:t>,</a:t>
-            </a:r>
-            <a:r>
-              <a:rPr lang="ko-KR" altLang="en-US" sz="2400" spc="-300" dirty="0">
-                <a:solidFill>
-                  <a:schemeClr val="bg1"/>
-                </a:solidFill>
-                <a:latin typeface="+mn-ea"/>
-              </a:rPr>
-              <a:t> </a:t>
-            </a:r>
-            <a:r>
-              <a:rPr lang="en-US" altLang="ko-KR" sz="2400" spc="-300" dirty="0">
-                <a:solidFill>
-                  <a:schemeClr val="bg1"/>
-                </a:solidFill>
-                <a:latin typeface="+mn-ea"/>
-              </a:rPr>
-              <a:t>YOLO</a:t>
-            </a:r>
-            <a:r>
-              <a:rPr lang="ko-KR" altLang="en-US" sz="2400" spc="-300" dirty="0">
-                <a:solidFill>
-                  <a:schemeClr val="bg1"/>
-                </a:solidFill>
-                <a:latin typeface="+mn-ea"/>
-              </a:rPr>
-              <a:t>모델을  활용한 약물 탐지 시스템 구축</a:t>
-            </a:r>
-            <a:r>
-              <a:rPr lang="en-US" altLang="ko-KR" sz="2400" spc="-300" dirty="0">
-                <a:solidFill>
-                  <a:schemeClr val="bg1"/>
-                </a:solidFill>
-                <a:latin typeface="+mn-ea"/>
-              </a:rPr>
-              <a:t>, Git </a:t>
-            </a:r>
-            <a:r>
-              <a:rPr lang="ko-KR" altLang="en-US" sz="2400" spc="-300" dirty="0">
-                <a:solidFill>
-                  <a:schemeClr val="bg1"/>
-                </a:solidFill>
-                <a:latin typeface="+mn-ea"/>
-              </a:rPr>
-              <a:t>협업 경험</a:t>
+              <a:t>미션에 부합 하는  최적의 모델 선정 및   파이프라인  개발  경험  축적   </a:t>
             </a:r>
           </a:p>
         </p:txBody>
@@ -4834,7 +6324,7 @@
         <p:spPr>
           <a:xfrm>
             <a:off x="2716622" y="4791829"/>
-            <a:ext cx="8672567" cy="830997"/>
+            <a:ext cx="8425550" cy="769441"/>
           </a:xfrm>
           <a:prstGeom prst="rect">
             <a:avLst/>
@@ -4844,7 +6334,7 @@
           </a:solidFill>
         </p:spPr>
         <p:txBody>
-          <a:bodyPr wrap="none" rtlCol="0">
+          <a:bodyPr wrap="square" rtlCol="0">
             <a:spAutoFit/>
           </a:bodyPr>
           <a:lstStyle/>
@@ -4859,7 +6349,7 @@
                 </a:solidFill>
                 <a:latin typeface="+mn-ea"/>
               </a:rPr>
-              <a:t>기대 효과</a:t>
+              <a:t>프로젝트  후 기대  효과</a:t>
             </a:r>
             <a:endParaRPr lang="en-US" altLang="ko-KR" sz="2400" b="1" spc="-300" dirty="0">
               <a:solidFill>
@@ -4873,7 +6363,7 @@
           </a:p>
           <a:p>
             <a:r>
-              <a:rPr lang="en-US" altLang="ko-KR" sz="2400" spc="-300" dirty="0">
+              <a:rPr lang="ko-KR" altLang="en-US" sz="2000" spc="-300" dirty="0">
                 <a:solidFill>
                   <a:schemeClr val="tx1">
                     <a:lumMod val="75000"/>
@@ -4882,10 +6372,10 @@
                 </a:solidFill>
                 <a:latin typeface="+mn-ea"/>
               </a:rPr>
-              <a:t>: </a:t>
-            </a:r>
-            <a:r>
-              <a:rPr lang="ko-KR" altLang="en-US" sz="2400" spc="-300" dirty="0">
+              <a:t>실무 경험   축적  및  수업  이외   지식  습득</a:t>
+            </a:r>
+            <a:r>
+              <a:rPr lang="en-US" altLang="ko-KR" sz="2000" spc="-300" dirty="0">
                 <a:solidFill>
                   <a:schemeClr val="tx1">
                     <a:lumMod val="75000"/>
@@ -4894,19 +6384,10 @@
                 </a:solidFill>
                 <a:latin typeface="+mn-ea"/>
               </a:rPr>
-              <a:t>의약품 식별 자동화를 </a:t>
-            </a:r>
-            <a:r>
-              <a:rPr lang="ko-KR" altLang="en-US" sz="2400" spc="-300" dirty="0">
-                <a:solidFill>
-                  <a:srgbClr val="6C6969"/>
-                </a:solidFill>
-                <a:latin typeface="+mn-ea"/>
-              </a:rPr>
-              <a:t>통해 약</a:t>
-            </a:r>
-            <a:r>
-              <a:rPr lang="ko-KR" altLang="en-US" sz="2400" spc="-300" dirty="0">
+              <a:t>, </a:t>
+            </a:r>
+            <a:r>
+              <a:rPr lang="ko-KR" altLang="en-US" sz="2000" spc="-300" dirty="0">
                 <a:solidFill>
                   <a:schemeClr val="tx1">
                     <a:lumMod val="75000"/>
@@ -4915,9 +6396,57 @@
                 </a:solidFill>
                 <a:latin typeface="+mn-ea"/>
               </a:rPr>
-              <a:t>물 상호 작용 및 주의사항을  맞춤형으로 제공</a:t>
-            </a:r>
-            <a:endParaRPr lang="en-US" altLang="ko-KR" sz="2400" spc="-300" dirty="0">
+              <a:t>분석 기술 </a:t>
+            </a:r>
+            <a:r>
+              <a:rPr lang="en-US" altLang="ko-KR" sz="2000" spc="-300" dirty="0">
+                <a:solidFill>
+                  <a:schemeClr val="tx1">
+                    <a:lumMod val="75000"/>
+                    <a:lumOff val="25000"/>
+                  </a:schemeClr>
+                </a:solidFill>
+                <a:latin typeface="+mn-ea"/>
+              </a:rPr>
+              <a:t>,</a:t>
+            </a:r>
+            <a:r>
+              <a:rPr lang="ko-KR" altLang="en-US" sz="2000" spc="-300" dirty="0">
+                <a:solidFill>
+                  <a:schemeClr val="tx1">
+                    <a:lumMod val="75000"/>
+                    <a:lumOff val="25000"/>
+                  </a:schemeClr>
+                </a:solidFill>
+                <a:latin typeface="+mn-ea"/>
+              </a:rPr>
+              <a:t>협업 기술  향상</a:t>
+            </a:r>
+            <a:r>
+              <a:rPr lang="en-US" altLang="ko-KR" sz="2000" spc="-300" dirty="0">
+                <a:solidFill>
+                  <a:schemeClr val="tx1">
+                    <a:lumMod val="75000"/>
+                    <a:lumOff val="25000"/>
+                  </a:schemeClr>
+                </a:solidFill>
+                <a:latin typeface="+mn-ea"/>
+              </a:rPr>
+              <a:t>, </a:t>
+            </a:r>
+            <a:r>
+              <a:rPr lang="ko-KR" altLang="en-US" sz="2000" spc="-300" dirty="0">
+                <a:solidFill>
+                  <a:schemeClr val="tx1">
+                    <a:lumMod val="75000"/>
+                    <a:lumOff val="25000"/>
+                  </a:schemeClr>
+                </a:solidFill>
+                <a:latin typeface="+mn-ea"/>
+              </a:rPr>
+              <a:t>및   기타 소요 기술  습득</a:t>
+            </a:r>
+            <a:endParaRPr lang="en-US" altLang="ko-KR" sz="2000" spc="-300" dirty="0">
               <a:solidFill>
                 <a:schemeClr val="tx1">
                   <a:lumMod val="75000"/>
@@ -4960,1845 +6489,6 @@
     <p:bg>
       <p:bgPr>
         <a:solidFill>
-          <a:srgbClr val="E4E3E1"/>
-        </a:solidFill>
-        <a:effectLst/>
-      </p:bgPr>
-    </p:bg>
-    <p:spTree>
-      <p:nvGrpSpPr>
-        <p:cNvPr id="1" name=""/>
-        <p:cNvGrpSpPr/>
-        <p:nvPr/>
-      </p:nvGrpSpPr>
-      <p:grpSpPr>
-        <a:xfrm>
-          <a:off x="0" y="0"/>
-          <a:ext cx="0" cy="0"/>
-          <a:chOff x="0" y="0"/>
-          <a:chExt cx="0" cy="0"/>
-        </a:xfrm>
-      </p:grpSpPr>
-      <p:cxnSp>
-        <p:nvCxnSpPr>
-          <p:cNvPr id="42" name="직선 연결선 41">
-            <a:extLst>
-              <a:ext uri="{FF2B5EF4-FFF2-40B4-BE49-F238E27FC236}">
-                <a16:creationId xmlns:a16="http://schemas.microsoft.com/office/drawing/2014/main" id="{49017637-A38F-21D0-CE12-8F5AA113B485}"/>
-              </a:ext>
-            </a:extLst>
-          </p:cNvPr>
-          <p:cNvCxnSpPr>
-            <a:cxnSpLocks/>
-            <a:stCxn id="10" idx="6"/>
-          </p:cNvCxnSpPr>
-          <p:nvPr/>
-        </p:nvCxnSpPr>
-        <p:spPr>
-          <a:xfrm flipH="1">
-            <a:off x="6087011" y="3302680"/>
-            <a:ext cx="2874193" cy="695181"/>
-          </a:xfrm>
-          <a:prstGeom prst="line">
-            <a:avLst/>
-          </a:prstGeom>
-          <a:ln>
-            <a:solidFill>
-              <a:schemeClr val="tx2">
-                <a:lumMod val="60000"/>
-                <a:lumOff val="40000"/>
-              </a:schemeClr>
-            </a:solidFill>
-            <a:prstDash val="dash"/>
-          </a:ln>
-        </p:spPr>
-        <p:style>
-          <a:lnRef idx="1">
-            <a:schemeClr val="accent1"/>
-          </a:lnRef>
-          <a:fillRef idx="0">
-            <a:schemeClr val="accent1"/>
-          </a:fillRef>
-          <a:effectRef idx="0">
-            <a:schemeClr val="accent1"/>
-          </a:effectRef>
-          <a:fontRef idx="minor">
-            <a:schemeClr val="tx1"/>
-          </a:fontRef>
-        </p:style>
-      </p:cxnSp>
-      <p:cxnSp>
-        <p:nvCxnSpPr>
-          <p:cNvPr id="40" name="직선 연결선 39">
-            <a:extLst>
-              <a:ext uri="{FF2B5EF4-FFF2-40B4-BE49-F238E27FC236}">
-                <a16:creationId xmlns:a16="http://schemas.microsoft.com/office/drawing/2014/main" id="{C415FBA7-D211-66BB-51C3-8C9AD289DC14}"/>
-              </a:ext>
-            </a:extLst>
-          </p:cNvPr>
-          <p:cNvCxnSpPr>
-            <a:cxnSpLocks/>
-          </p:cNvCxnSpPr>
-          <p:nvPr/>
-        </p:nvCxnSpPr>
-        <p:spPr>
-          <a:xfrm flipH="1" flipV="1">
-            <a:off x="6080413" y="4007922"/>
-            <a:ext cx="1886203" cy="2227420"/>
-          </a:xfrm>
-          <a:prstGeom prst="line">
-            <a:avLst/>
-          </a:prstGeom>
-          <a:ln>
-            <a:solidFill>
-              <a:schemeClr val="tx2">
-                <a:lumMod val="60000"/>
-                <a:lumOff val="40000"/>
-              </a:schemeClr>
-            </a:solidFill>
-            <a:prstDash val="dash"/>
-          </a:ln>
-        </p:spPr>
-        <p:style>
-          <a:lnRef idx="1">
-            <a:schemeClr val="accent1"/>
-          </a:lnRef>
-          <a:fillRef idx="0">
-            <a:schemeClr val="accent1"/>
-          </a:fillRef>
-          <a:effectRef idx="0">
-            <a:schemeClr val="accent1"/>
-          </a:effectRef>
-          <a:fontRef idx="minor">
-            <a:schemeClr val="tx1"/>
-          </a:fontRef>
-        </p:style>
-      </p:cxnSp>
-      <p:cxnSp>
-        <p:nvCxnSpPr>
-          <p:cNvPr id="36" name="직선 연결선 35">
-            <a:extLst>
-              <a:ext uri="{FF2B5EF4-FFF2-40B4-BE49-F238E27FC236}">
-                <a16:creationId xmlns:a16="http://schemas.microsoft.com/office/drawing/2014/main" id="{6BE153EE-CB90-54FF-2BED-CED7384882FC}"/>
-              </a:ext>
-            </a:extLst>
-          </p:cNvPr>
-          <p:cNvCxnSpPr>
-            <a:cxnSpLocks/>
-            <a:endCxn id="21" idx="3"/>
-          </p:cNvCxnSpPr>
-          <p:nvPr/>
-        </p:nvCxnSpPr>
-        <p:spPr>
-          <a:xfrm flipH="1">
-            <a:off x="4092200" y="3997861"/>
-            <a:ext cx="1988213" cy="2172481"/>
-          </a:xfrm>
-          <a:prstGeom prst="line">
-            <a:avLst/>
-          </a:prstGeom>
-          <a:ln>
-            <a:solidFill>
-              <a:schemeClr val="tx2">
-                <a:lumMod val="60000"/>
-                <a:lumOff val="40000"/>
-              </a:schemeClr>
-            </a:solidFill>
-            <a:prstDash val="dash"/>
-          </a:ln>
-        </p:spPr>
-        <p:style>
-          <a:lnRef idx="1">
-            <a:schemeClr val="accent1"/>
-          </a:lnRef>
-          <a:fillRef idx="0">
-            <a:schemeClr val="accent1"/>
-          </a:fillRef>
-          <a:effectRef idx="0">
-            <a:schemeClr val="accent1"/>
-          </a:effectRef>
-          <a:fontRef idx="minor">
-            <a:schemeClr val="tx1"/>
-          </a:fontRef>
-        </p:style>
-      </p:cxnSp>
-      <p:sp>
-        <p:nvSpPr>
-          <p:cNvPr id="5" name="TextBox 4">
-            <a:extLst>
-              <a:ext uri="{FF2B5EF4-FFF2-40B4-BE49-F238E27FC236}">
-                <a16:creationId xmlns:a16="http://schemas.microsoft.com/office/drawing/2014/main" id="{B0BF8F17-9E56-462D-B8ED-980C1047873B}"/>
-              </a:ext>
-            </a:extLst>
-          </p:cNvPr>
-          <p:cNvSpPr txBox="1"/>
-          <p:nvPr/>
-        </p:nvSpPr>
-        <p:spPr>
-          <a:xfrm>
-            <a:off x="1676400" y="330200"/>
-            <a:ext cx="10102446" cy="584775"/>
-          </a:xfrm>
-          <a:prstGeom prst="rect">
-            <a:avLst/>
-          </a:prstGeom>
-          <a:noFill/>
-        </p:spPr>
-        <p:txBody>
-          <a:bodyPr wrap="none" rtlCol="0">
-            <a:spAutoFit/>
-          </a:bodyPr>
-          <a:lstStyle/>
-          <a:p>
-            <a:r>
-              <a:rPr lang="ko-KR" altLang="en-US" sz="3200" dirty="0">
-                <a:latin typeface="Noto Sans KR Black" panose="020B0200000000000000" pitchFamily="50" charset="-127"/>
-                <a:ea typeface="Noto Sans KR Black" panose="020B0200000000000000" pitchFamily="50" charset="-127"/>
-              </a:rPr>
-              <a:t>핵심 기능 및 아키텍처 </a:t>
-            </a:r>
-            <a:r>
-              <a:rPr lang="en-US" altLang="ko-KR" sz="3200" dirty="0">
-                <a:latin typeface="Noto Sans KR Black" panose="020B0200000000000000" pitchFamily="50" charset="-127"/>
-                <a:ea typeface="Noto Sans KR Black" panose="020B0200000000000000" pitchFamily="50" charset="-127"/>
-              </a:rPr>
-              <a:t>(Key Features &amp; Architecture)</a:t>
-            </a:r>
-            <a:endParaRPr lang="ko-KR" altLang="en-US" sz="3200" dirty="0">
-              <a:latin typeface="Noto Sans KR Black" panose="020B0200000000000000" pitchFamily="50" charset="-127"/>
-              <a:ea typeface="Noto Sans KR Black" panose="020B0200000000000000" pitchFamily="50" charset="-127"/>
-            </a:endParaRPr>
-          </a:p>
-        </p:txBody>
-      </p:sp>
-      <p:cxnSp>
-        <p:nvCxnSpPr>
-          <p:cNvPr id="17" name="직선 연결선 16">
-            <a:extLst>
-              <a:ext uri="{FF2B5EF4-FFF2-40B4-BE49-F238E27FC236}">
-                <a16:creationId xmlns:a16="http://schemas.microsoft.com/office/drawing/2014/main" id="{4639B0FA-CD0A-4165-A00B-863C15E63D9A}"/>
-              </a:ext>
-            </a:extLst>
-          </p:cNvPr>
-          <p:cNvCxnSpPr>
-            <a:cxnSpLocks/>
-          </p:cNvCxnSpPr>
-          <p:nvPr/>
-        </p:nvCxnSpPr>
-        <p:spPr>
-          <a:xfrm>
-            <a:off x="6080413" y="2759483"/>
-            <a:ext cx="0" cy="1228317"/>
-          </a:xfrm>
-          <a:prstGeom prst="line">
-            <a:avLst/>
-          </a:prstGeom>
-          <a:ln>
-            <a:solidFill>
-              <a:schemeClr val="tx2">
-                <a:lumMod val="60000"/>
-                <a:lumOff val="40000"/>
-              </a:schemeClr>
-            </a:solidFill>
-            <a:prstDash val="dash"/>
-          </a:ln>
-        </p:spPr>
-        <p:style>
-          <a:lnRef idx="1">
-            <a:schemeClr val="accent1"/>
-          </a:lnRef>
-          <a:fillRef idx="0">
-            <a:schemeClr val="accent1"/>
-          </a:fillRef>
-          <a:effectRef idx="0">
-            <a:schemeClr val="accent1"/>
-          </a:effectRef>
-          <a:fontRef idx="minor">
-            <a:schemeClr val="tx1"/>
-          </a:fontRef>
-        </p:style>
-      </p:cxnSp>
-      <p:sp>
-        <p:nvSpPr>
-          <p:cNvPr id="21" name="타원 20">
-            <a:extLst>
-              <a:ext uri="{FF2B5EF4-FFF2-40B4-BE49-F238E27FC236}">
-                <a16:creationId xmlns:a16="http://schemas.microsoft.com/office/drawing/2014/main" id="{BFEFF22A-BF61-4A4B-A2D1-5335C6116504}"/>
-              </a:ext>
-            </a:extLst>
-          </p:cNvPr>
-          <p:cNvSpPr/>
-          <p:nvPr/>
-        </p:nvSpPr>
-        <p:spPr>
-          <a:xfrm>
-            <a:off x="3834635" y="4669141"/>
-            <a:ext cx="1758766" cy="1758766"/>
-          </a:xfrm>
-          <a:prstGeom prst="ellipse">
-            <a:avLst/>
-          </a:prstGeom>
-          <a:solidFill>
-            <a:srgbClr val="BD814F"/>
-          </a:solidFill>
-          <a:ln>
-            <a:noFill/>
-          </a:ln>
-        </p:spPr>
-        <p:style>
-          <a:lnRef idx="0">
-            <a:scrgbClr r="0" g="0" b="0"/>
-          </a:lnRef>
-          <a:fillRef idx="0">
-            <a:scrgbClr r="0" g="0" b="0"/>
-          </a:fillRef>
-          <a:effectRef idx="0">
-            <a:scrgbClr r="0" g="0" b="0"/>
-          </a:effectRef>
-          <a:fontRef idx="minor">
-            <a:schemeClr val="lt1"/>
-          </a:fontRef>
-        </p:style>
-        <p:txBody>
-          <a:bodyPr rtlCol="0" anchor="ctr"/>
-          <a:lstStyle/>
-          <a:p>
-            <a:pPr algn="ctr"/>
-            <a:r>
-              <a:rPr lang="en-US" altLang="ko-KR" sz="1600" dirty="0" err="1">
-                <a:solidFill>
-                  <a:schemeClr val="accent3">
-                    <a:lumMod val="40000"/>
-                    <a:lumOff val="60000"/>
-                  </a:schemeClr>
-                </a:solidFill>
-                <a:latin typeface="Noto Serif KR Black" panose="02020200000000000000" pitchFamily="18" charset="-127"/>
-                <a:ea typeface="Noto Serif KR Black" panose="02020200000000000000" pitchFamily="18" charset="-127"/>
-              </a:rPr>
-              <a:t>Streamlit</a:t>
-            </a:r>
-            <a:endParaRPr lang="en-US" altLang="ko-KR" sz="1600" dirty="0">
-              <a:solidFill>
-                <a:schemeClr val="accent3">
-                  <a:lumMod val="40000"/>
-                  <a:lumOff val="60000"/>
-                </a:schemeClr>
-              </a:solidFill>
-              <a:latin typeface="Noto Serif KR Black" panose="02020200000000000000" pitchFamily="18" charset="-127"/>
-              <a:ea typeface="Noto Serif KR Black" panose="02020200000000000000" pitchFamily="18" charset="-127"/>
-            </a:endParaRPr>
-          </a:p>
-          <a:p>
-            <a:pPr algn="ctr"/>
-            <a:r>
-              <a:rPr lang="ko-KR" altLang="en-US" dirty="0">
-                <a:solidFill>
-                  <a:schemeClr val="accent3">
-                    <a:lumMod val="40000"/>
-                    <a:lumOff val="60000"/>
-                  </a:schemeClr>
-                </a:solidFill>
-                <a:latin typeface="Noto Serif KR Black" panose="02020200000000000000" pitchFamily="18" charset="-127"/>
-                <a:ea typeface="Noto Serif KR Black" panose="02020200000000000000" pitchFamily="18" charset="-127"/>
-              </a:rPr>
-              <a:t>웹 애플리케이션</a:t>
-            </a:r>
-            <a:endParaRPr lang="ko-KR" altLang="en-US" dirty="0">
-              <a:solidFill>
-                <a:schemeClr val="accent3">
-                  <a:lumMod val="40000"/>
-                  <a:lumOff val="60000"/>
-                </a:schemeClr>
-              </a:solidFill>
-            </a:endParaRPr>
-          </a:p>
-        </p:txBody>
-      </p:sp>
-      <p:sp>
-        <p:nvSpPr>
-          <p:cNvPr id="22" name="타원 21">
-            <a:extLst>
-              <a:ext uri="{FF2B5EF4-FFF2-40B4-BE49-F238E27FC236}">
-                <a16:creationId xmlns:a16="http://schemas.microsoft.com/office/drawing/2014/main" id="{A98E62F9-FAF0-4F53-9004-1565CC2EAD15}"/>
-              </a:ext>
-            </a:extLst>
-          </p:cNvPr>
-          <p:cNvSpPr/>
-          <p:nvPr/>
-        </p:nvSpPr>
-        <p:spPr>
-          <a:xfrm>
-            <a:off x="5201030" y="1000717"/>
-            <a:ext cx="1758766" cy="1758766"/>
-          </a:xfrm>
-          <a:prstGeom prst="ellipse">
-            <a:avLst/>
-          </a:prstGeom>
-          <a:solidFill>
-            <a:srgbClr val="5F5F5F"/>
-          </a:solidFill>
-          <a:ln>
-            <a:noFill/>
-          </a:ln>
-        </p:spPr>
-        <p:style>
-          <a:lnRef idx="2">
-            <a:schemeClr val="accent1">
-              <a:shade val="50000"/>
-            </a:schemeClr>
-          </a:lnRef>
-          <a:fillRef idx="1">
-            <a:schemeClr val="accent1"/>
-          </a:fillRef>
-          <a:effectRef idx="0">
-            <a:schemeClr val="accent1"/>
-          </a:effectRef>
-          <a:fontRef idx="minor">
-            <a:schemeClr val="lt1"/>
-          </a:fontRef>
-        </p:style>
-        <p:txBody>
-          <a:bodyPr rtlCol="0" anchor="ctr"/>
-          <a:lstStyle/>
-          <a:p>
-            <a:pPr algn="ctr"/>
-            <a:r>
-              <a:rPr lang="ko-KR" altLang="en-US" sz="2000" dirty="0">
-                <a:solidFill>
-                  <a:schemeClr val="bg1">
-                    <a:lumMod val="95000"/>
-                  </a:schemeClr>
-                </a:solidFill>
-                <a:latin typeface="Noto Serif KR Black" panose="02020200000000000000" pitchFamily="18" charset="-127"/>
-                <a:ea typeface="Noto Serif KR Black" panose="02020200000000000000" pitchFamily="18" charset="-127"/>
-              </a:rPr>
-              <a:t>약물</a:t>
-            </a:r>
-            <a:endParaRPr lang="en-US" altLang="ko-KR" sz="2000" dirty="0">
-              <a:solidFill>
-                <a:schemeClr val="bg1">
-                  <a:lumMod val="95000"/>
-                </a:schemeClr>
-              </a:solidFill>
-              <a:latin typeface="Noto Serif KR Black" panose="02020200000000000000" pitchFamily="18" charset="-127"/>
-              <a:ea typeface="Noto Serif KR Black" panose="02020200000000000000" pitchFamily="18" charset="-127"/>
-            </a:endParaRPr>
-          </a:p>
-          <a:p>
-            <a:pPr algn="ctr"/>
-            <a:r>
-              <a:rPr lang="ko-KR" altLang="en-US" sz="2000" dirty="0">
-                <a:solidFill>
-                  <a:schemeClr val="bg1">
-                    <a:lumMod val="95000"/>
-                  </a:schemeClr>
-                </a:solidFill>
-                <a:latin typeface="Noto Serif KR Black" panose="02020200000000000000" pitchFamily="18" charset="-127"/>
-                <a:ea typeface="Noto Serif KR Black" panose="02020200000000000000" pitchFamily="18" charset="-127"/>
-              </a:rPr>
-              <a:t>탐지</a:t>
-            </a:r>
-            <a:endParaRPr lang="en-US" altLang="ko-KR" sz="2000" dirty="0">
-              <a:solidFill>
-                <a:schemeClr val="bg1">
-                  <a:lumMod val="95000"/>
-                </a:schemeClr>
-              </a:solidFill>
-              <a:latin typeface="Noto Serif KR Black" panose="02020200000000000000" pitchFamily="18" charset="-127"/>
-              <a:ea typeface="Noto Serif KR Black" panose="02020200000000000000" pitchFamily="18" charset="-127"/>
-            </a:endParaRPr>
-          </a:p>
-          <a:p>
-            <a:pPr algn="ctr"/>
-            <a:r>
-              <a:rPr lang="ko-KR" altLang="en-US" sz="2000" dirty="0">
-                <a:solidFill>
-                  <a:schemeClr val="bg1">
-                    <a:lumMod val="95000"/>
-                  </a:schemeClr>
-                </a:solidFill>
-                <a:latin typeface="Noto Serif KR Black" panose="02020200000000000000" pitchFamily="18" charset="-127"/>
-                <a:ea typeface="Noto Serif KR Black" panose="02020200000000000000" pitchFamily="18" charset="-127"/>
-              </a:rPr>
-              <a:t>기능</a:t>
-            </a:r>
-          </a:p>
-        </p:txBody>
-      </p:sp>
-      <p:sp>
-        <p:nvSpPr>
-          <p:cNvPr id="23" name="타원 22">
-            <a:extLst>
-              <a:ext uri="{FF2B5EF4-FFF2-40B4-BE49-F238E27FC236}">
-                <a16:creationId xmlns:a16="http://schemas.microsoft.com/office/drawing/2014/main" id="{09F5AAC3-9360-4876-A207-D33BD9520125}"/>
-              </a:ext>
-            </a:extLst>
-          </p:cNvPr>
-          <p:cNvSpPr/>
-          <p:nvPr/>
-        </p:nvSpPr>
-        <p:spPr>
-          <a:xfrm>
-            <a:off x="6413915" y="4732396"/>
-            <a:ext cx="1758766" cy="1758766"/>
-          </a:xfrm>
-          <a:prstGeom prst="ellipse">
-            <a:avLst/>
-          </a:prstGeom>
-          <a:solidFill>
-            <a:srgbClr val="D0A582"/>
-          </a:solidFill>
-          <a:ln>
-            <a:noFill/>
-          </a:ln>
-        </p:spPr>
-        <p:style>
-          <a:lnRef idx="2">
-            <a:schemeClr val="accent1">
-              <a:shade val="50000"/>
-            </a:schemeClr>
-          </a:lnRef>
-          <a:fillRef idx="1">
-            <a:schemeClr val="accent1"/>
-          </a:fillRef>
-          <a:effectRef idx="0">
-            <a:schemeClr val="accent1"/>
-          </a:effectRef>
-          <a:fontRef idx="minor">
-            <a:schemeClr val="lt1"/>
-          </a:fontRef>
-        </p:style>
-        <p:txBody>
-          <a:bodyPr rtlCol="0" anchor="ctr"/>
-          <a:lstStyle/>
-          <a:p>
-            <a:pPr algn="ctr"/>
-            <a:r>
-              <a:rPr lang="ko-KR" altLang="en-US" dirty="0">
-                <a:solidFill>
-                  <a:schemeClr val="accent2">
-                    <a:lumMod val="75000"/>
-                  </a:schemeClr>
-                </a:solidFill>
-                <a:latin typeface="Noto Serif KR Black" panose="02020200000000000000" pitchFamily="18" charset="-127"/>
-                <a:ea typeface="Noto Serif KR Black" panose="02020200000000000000" pitchFamily="18" charset="-127"/>
-              </a:rPr>
-              <a:t>데이터</a:t>
-            </a:r>
-            <a:endParaRPr lang="en-US" altLang="ko-KR" dirty="0">
-              <a:solidFill>
-                <a:schemeClr val="accent2">
-                  <a:lumMod val="75000"/>
-                </a:schemeClr>
-              </a:solidFill>
-              <a:latin typeface="Noto Serif KR Black" panose="02020200000000000000" pitchFamily="18" charset="-127"/>
-              <a:ea typeface="Noto Serif KR Black" panose="02020200000000000000" pitchFamily="18" charset="-127"/>
-            </a:endParaRPr>
-          </a:p>
-          <a:p>
-            <a:pPr algn="ctr"/>
-            <a:r>
-              <a:rPr lang="ko-KR" altLang="en-US" dirty="0">
-                <a:solidFill>
-                  <a:schemeClr val="accent2">
-                    <a:lumMod val="75000"/>
-                  </a:schemeClr>
-                </a:solidFill>
-                <a:latin typeface="Noto Serif KR Black" panose="02020200000000000000" pitchFamily="18" charset="-127"/>
-                <a:ea typeface="Noto Serif KR Black" panose="02020200000000000000" pitchFamily="18" charset="-127"/>
-              </a:rPr>
-              <a:t>분석</a:t>
-            </a:r>
-            <a:endParaRPr lang="en-US" altLang="ko-KR" dirty="0">
-              <a:solidFill>
-                <a:schemeClr val="accent2">
-                  <a:lumMod val="75000"/>
-                </a:schemeClr>
-              </a:solidFill>
-              <a:latin typeface="Noto Serif KR Black" panose="02020200000000000000" pitchFamily="18" charset="-127"/>
-              <a:ea typeface="Noto Serif KR Black" panose="02020200000000000000" pitchFamily="18" charset="-127"/>
-            </a:endParaRPr>
-          </a:p>
-          <a:p>
-            <a:pPr algn="ctr"/>
-            <a:r>
-              <a:rPr lang="en-US" altLang="ko-KR" dirty="0">
-                <a:solidFill>
-                  <a:schemeClr val="accent2">
-                    <a:lumMod val="75000"/>
-                  </a:schemeClr>
-                </a:solidFill>
-                <a:latin typeface="Noto Serif KR Black" panose="02020200000000000000" pitchFamily="18" charset="-127"/>
-                <a:ea typeface="Noto Serif KR Black" panose="02020200000000000000" pitchFamily="18" charset="-127"/>
-              </a:rPr>
-              <a:t>(EDA)</a:t>
-            </a:r>
-            <a:endParaRPr lang="ko-KR" altLang="en-US" dirty="0">
-              <a:solidFill>
-                <a:schemeClr val="accent2">
-                  <a:lumMod val="75000"/>
-                </a:schemeClr>
-              </a:solidFill>
-            </a:endParaRPr>
-          </a:p>
-        </p:txBody>
-      </p:sp>
-      <p:grpSp>
-        <p:nvGrpSpPr>
-          <p:cNvPr id="27" name="그룹 26">
-            <a:extLst>
-              <a:ext uri="{FF2B5EF4-FFF2-40B4-BE49-F238E27FC236}">
-                <a16:creationId xmlns:a16="http://schemas.microsoft.com/office/drawing/2014/main" id="{E7FDAE60-25D7-49E4-ABB4-96D73C6F33CF}"/>
-              </a:ext>
-            </a:extLst>
-          </p:cNvPr>
-          <p:cNvGrpSpPr/>
-          <p:nvPr/>
-        </p:nvGrpSpPr>
-        <p:grpSpPr>
-          <a:xfrm>
-            <a:off x="251060" y="1109873"/>
-            <a:ext cx="2795744" cy="1689535"/>
-            <a:chOff x="237769" y="4249825"/>
-            <a:chExt cx="2858426" cy="1614944"/>
-          </a:xfrm>
-        </p:grpSpPr>
-        <p:sp>
-          <p:nvSpPr>
-            <p:cNvPr id="28" name="TextBox 27">
-              <a:extLst>
-                <a:ext uri="{FF2B5EF4-FFF2-40B4-BE49-F238E27FC236}">
-                  <a16:creationId xmlns:a16="http://schemas.microsoft.com/office/drawing/2014/main" id="{C61D078D-E0B3-454F-AA4F-9C1EA0E80010}"/>
-                </a:ext>
-              </a:extLst>
-            </p:cNvPr>
-            <p:cNvSpPr txBox="1"/>
-            <p:nvPr/>
-          </p:nvSpPr>
-          <p:spPr>
-            <a:xfrm>
-              <a:off x="237769" y="4952785"/>
-              <a:ext cx="2858426" cy="911984"/>
-            </a:xfrm>
-            <a:prstGeom prst="rect">
-              <a:avLst/>
-            </a:prstGeom>
-            <a:noFill/>
-          </p:spPr>
-          <p:txBody>
-            <a:bodyPr wrap="square" rtlCol="0">
-              <a:spAutoFit/>
-            </a:bodyPr>
-            <a:lstStyle/>
-            <a:p>
-              <a:pPr algn="just"/>
-              <a:r>
-                <a:rPr lang="en-US" altLang="ko-KR" sz="1400" dirty="0"/>
-                <a:t>- YOLOv8n </a:t>
-              </a:r>
-              <a:r>
-                <a:rPr lang="ko-KR" altLang="en-US" sz="1400" dirty="0"/>
-                <a:t>을 활용한 약물 객체 탐지</a:t>
-              </a:r>
-              <a:endParaRPr lang="en-US" altLang="ko-KR" sz="1400" dirty="0"/>
-            </a:p>
-            <a:p>
-              <a:pPr algn="just"/>
-              <a:r>
-                <a:rPr lang="en-US" altLang="ko-KR" sz="1400" dirty="0"/>
-                <a:t>- </a:t>
-              </a:r>
-              <a:r>
-                <a:rPr lang="ko-KR" altLang="en-US" sz="1400" dirty="0"/>
-                <a:t>신뢰도 기반 </a:t>
-              </a:r>
-              <a:r>
-                <a:rPr lang="ko-KR" altLang="en-US" sz="1400" dirty="0" err="1"/>
-                <a:t>바운딩</a:t>
-              </a:r>
-              <a:r>
-                <a:rPr lang="ko-KR" altLang="en-US" sz="1400" dirty="0"/>
-                <a:t> 박스 및 생성 클래스 분류</a:t>
-              </a:r>
-            </a:p>
-          </p:txBody>
-        </p:sp>
-        <p:sp>
-          <p:nvSpPr>
-            <p:cNvPr id="29" name="TextBox 28">
-              <a:extLst>
-                <a:ext uri="{FF2B5EF4-FFF2-40B4-BE49-F238E27FC236}">
-                  <a16:creationId xmlns:a16="http://schemas.microsoft.com/office/drawing/2014/main" id="{BF3C959F-7B29-4F1E-94FE-C32622F1B681}"/>
-                </a:ext>
-              </a:extLst>
-            </p:cNvPr>
-            <p:cNvSpPr txBox="1"/>
-            <p:nvPr/>
-          </p:nvSpPr>
-          <p:spPr>
-            <a:xfrm>
-              <a:off x="473761" y="4249825"/>
-              <a:ext cx="2340739" cy="676634"/>
-            </a:xfrm>
-            <a:prstGeom prst="rect">
-              <a:avLst/>
-            </a:prstGeom>
-            <a:noFill/>
-            <a:ln>
-              <a:solidFill>
-                <a:schemeClr val="tx2">
-                  <a:lumMod val="60000"/>
-                  <a:lumOff val="40000"/>
-                </a:schemeClr>
-              </a:solidFill>
-            </a:ln>
-          </p:spPr>
-          <p:txBody>
-            <a:bodyPr wrap="none" rtlCol="0">
-              <a:spAutoFit/>
-            </a:bodyPr>
-            <a:lstStyle/>
-            <a:p>
-              <a:pPr algn="ctr"/>
-              <a:r>
-                <a:rPr lang="ko-KR" altLang="en-US" sz="2000" spc="-150" dirty="0">
-                  <a:solidFill>
-                    <a:schemeClr val="tx1">
-                      <a:lumMod val="75000"/>
-                      <a:lumOff val="25000"/>
-                    </a:schemeClr>
-                  </a:solidFill>
-                  <a:ea typeface="+mj-ea"/>
-                </a:rPr>
-                <a:t>약물 탐지 기능</a:t>
-              </a:r>
-              <a:endParaRPr lang="en-US" altLang="ko-KR" sz="2000" spc="-150" dirty="0">
-                <a:solidFill>
-                  <a:schemeClr val="tx1">
-                    <a:lumMod val="75000"/>
-                    <a:lumOff val="25000"/>
-                  </a:schemeClr>
-                </a:solidFill>
-                <a:ea typeface="+mj-ea"/>
-              </a:endParaRPr>
-            </a:p>
-            <a:p>
-              <a:pPr algn="ctr"/>
-              <a:r>
-                <a:rPr lang="en-US" altLang="ko-KR" sz="2000" spc="-150" dirty="0">
-                  <a:solidFill>
-                    <a:schemeClr val="tx1">
-                      <a:lumMod val="75000"/>
-                      <a:lumOff val="25000"/>
-                    </a:schemeClr>
-                  </a:solidFill>
-                  <a:ea typeface="+mj-ea"/>
-                </a:rPr>
-                <a:t>(Object Detection)</a:t>
-              </a:r>
-            </a:p>
-          </p:txBody>
-        </p:sp>
-      </p:grpSp>
-      <p:cxnSp>
-        <p:nvCxnSpPr>
-          <p:cNvPr id="2" name="직선 연결선 1">
-            <a:extLst>
-              <a:ext uri="{FF2B5EF4-FFF2-40B4-BE49-F238E27FC236}">
-                <a16:creationId xmlns:a16="http://schemas.microsoft.com/office/drawing/2014/main" id="{7007EA15-B6BE-7C6E-6460-6C171FDCC746}"/>
-              </a:ext>
-            </a:extLst>
-          </p:cNvPr>
-          <p:cNvCxnSpPr>
-            <a:cxnSpLocks/>
-            <a:endCxn id="7" idx="2"/>
-          </p:cNvCxnSpPr>
-          <p:nvPr/>
-        </p:nvCxnSpPr>
-        <p:spPr>
-          <a:xfrm flipH="1" flipV="1">
-            <a:off x="3096623" y="3277766"/>
-            <a:ext cx="2983790" cy="720095"/>
-          </a:xfrm>
-          <a:prstGeom prst="line">
-            <a:avLst/>
-          </a:prstGeom>
-          <a:ln>
-            <a:solidFill>
-              <a:schemeClr val="tx2">
-                <a:lumMod val="60000"/>
-                <a:lumOff val="40000"/>
-              </a:schemeClr>
-            </a:solidFill>
-            <a:prstDash val="dash"/>
-          </a:ln>
-        </p:spPr>
-        <p:style>
-          <a:lnRef idx="1">
-            <a:schemeClr val="accent1"/>
-          </a:lnRef>
-          <a:fillRef idx="0">
-            <a:schemeClr val="accent1"/>
-          </a:fillRef>
-          <a:effectRef idx="0">
-            <a:schemeClr val="accent1"/>
-          </a:effectRef>
-          <a:fontRef idx="minor">
-            <a:schemeClr val="tx1"/>
-          </a:fontRef>
-        </p:style>
-      </p:cxnSp>
-      <p:sp>
-        <p:nvSpPr>
-          <p:cNvPr id="7" name="타원 6">
-            <a:extLst>
-              <a:ext uri="{FF2B5EF4-FFF2-40B4-BE49-F238E27FC236}">
-                <a16:creationId xmlns:a16="http://schemas.microsoft.com/office/drawing/2014/main" id="{A1606E89-2E31-8892-822B-8C68780C2360}"/>
-              </a:ext>
-            </a:extLst>
-          </p:cNvPr>
-          <p:cNvSpPr/>
-          <p:nvPr/>
-        </p:nvSpPr>
-        <p:spPr>
-          <a:xfrm>
-            <a:off x="3096623" y="2398383"/>
-            <a:ext cx="1758766" cy="1758766"/>
-          </a:xfrm>
-          <a:prstGeom prst="ellipse">
-            <a:avLst/>
-          </a:prstGeom>
-          <a:solidFill>
-            <a:srgbClr val="704A2A"/>
-          </a:solidFill>
-          <a:ln>
-            <a:noFill/>
-          </a:ln>
-        </p:spPr>
-        <p:style>
-          <a:lnRef idx="2">
-            <a:schemeClr val="accent1">
-              <a:shade val="50000"/>
-            </a:schemeClr>
-          </a:lnRef>
-          <a:fillRef idx="1">
-            <a:schemeClr val="accent1"/>
-          </a:fillRef>
-          <a:effectRef idx="0">
-            <a:schemeClr val="accent1"/>
-          </a:effectRef>
-          <a:fontRef idx="minor">
-            <a:schemeClr val="lt1"/>
-          </a:fontRef>
-        </p:style>
-        <p:txBody>
-          <a:bodyPr rtlCol="0" anchor="ctr"/>
-          <a:lstStyle/>
-          <a:p>
-            <a:pPr algn="ctr"/>
-            <a:r>
-              <a:rPr lang="en-US" altLang="ko-KR" dirty="0">
-                <a:solidFill>
-                  <a:schemeClr val="bg1">
-                    <a:lumMod val="85000"/>
-                  </a:schemeClr>
-                </a:solidFill>
-                <a:latin typeface="Noto Serif KR Black" panose="02020200000000000000" pitchFamily="18" charset="-127"/>
-                <a:ea typeface="Noto Serif KR Black" panose="02020200000000000000" pitchFamily="18" charset="-127"/>
-              </a:rPr>
-              <a:t>GPT</a:t>
-            </a:r>
-          </a:p>
-          <a:p>
-            <a:pPr algn="ctr"/>
-            <a:r>
-              <a:rPr lang="ko-KR" altLang="en-US" dirty="0">
-                <a:solidFill>
-                  <a:schemeClr val="bg1">
-                    <a:lumMod val="85000"/>
-                  </a:schemeClr>
-                </a:solidFill>
-                <a:latin typeface="Noto Serif KR Black" panose="02020200000000000000" pitchFamily="18" charset="-127"/>
-                <a:ea typeface="Noto Serif KR Black" panose="02020200000000000000" pitchFamily="18" charset="-127"/>
-              </a:rPr>
-              <a:t>프롬프트</a:t>
-            </a:r>
-            <a:endParaRPr lang="en-US" altLang="ko-KR" dirty="0">
-              <a:solidFill>
-                <a:schemeClr val="bg1">
-                  <a:lumMod val="85000"/>
-                </a:schemeClr>
-              </a:solidFill>
-              <a:latin typeface="Noto Serif KR Black" panose="02020200000000000000" pitchFamily="18" charset="-127"/>
-              <a:ea typeface="Noto Serif KR Black" panose="02020200000000000000" pitchFamily="18" charset="-127"/>
-            </a:endParaRPr>
-          </a:p>
-          <a:p>
-            <a:pPr algn="ctr"/>
-            <a:r>
-              <a:rPr lang="ko-KR" altLang="en-US" sz="1600" dirty="0">
-                <a:solidFill>
-                  <a:schemeClr val="bg1">
-                    <a:lumMod val="85000"/>
-                  </a:schemeClr>
-                </a:solidFill>
-                <a:latin typeface="Noto Serif KR Black" panose="02020200000000000000" pitchFamily="18" charset="-127"/>
-                <a:ea typeface="Noto Serif KR Black" panose="02020200000000000000" pitchFamily="18" charset="-127"/>
-              </a:rPr>
-              <a:t>엔지니어링</a:t>
-            </a:r>
-            <a:endParaRPr lang="en-US" altLang="ko-KR" sz="1600" dirty="0">
-              <a:solidFill>
-                <a:schemeClr val="bg1">
-                  <a:lumMod val="85000"/>
-                </a:schemeClr>
-              </a:solidFill>
-              <a:latin typeface="Noto Serif KR Black" panose="02020200000000000000" pitchFamily="18" charset="-127"/>
-              <a:ea typeface="Noto Serif KR Black" panose="02020200000000000000" pitchFamily="18" charset="-127"/>
-            </a:endParaRPr>
-          </a:p>
-        </p:txBody>
-      </p:sp>
-      <p:sp>
-        <p:nvSpPr>
-          <p:cNvPr id="10" name="타원 9">
-            <a:extLst>
-              <a:ext uri="{FF2B5EF4-FFF2-40B4-BE49-F238E27FC236}">
-                <a16:creationId xmlns:a16="http://schemas.microsoft.com/office/drawing/2014/main" id="{F0B5EB50-8B36-3F40-B638-F70A5B61ABE0}"/>
-              </a:ext>
-            </a:extLst>
-          </p:cNvPr>
-          <p:cNvSpPr/>
-          <p:nvPr/>
-        </p:nvSpPr>
-        <p:spPr>
-          <a:xfrm>
-            <a:off x="7202438" y="2423297"/>
-            <a:ext cx="1758766" cy="1758766"/>
-          </a:xfrm>
-          <a:prstGeom prst="ellipse">
-            <a:avLst/>
-          </a:prstGeom>
-          <a:solidFill>
-            <a:srgbClr val="DFD8C7"/>
-          </a:solidFill>
-          <a:ln>
-            <a:noFill/>
-          </a:ln>
-        </p:spPr>
-        <p:style>
-          <a:lnRef idx="2">
-            <a:schemeClr val="accent1">
-              <a:shade val="50000"/>
-            </a:schemeClr>
-          </a:lnRef>
-          <a:fillRef idx="1">
-            <a:schemeClr val="accent1"/>
-          </a:fillRef>
-          <a:effectRef idx="0">
-            <a:schemeClr val="accent1"/>
-          </a:effectRef>
-          <a:fontRef idx="minor">
-            <a:schemeClr val="lt1"/>
-          </a:fontRef>
-        </p:style>
-        <p:txBody>
-          <a:bodyPr rtlCol="0" anchor="ctr"/>
-          <a:lstStyle/>
-          <a:p>
-            <a:pPr algn="ctr"/>
-            <a:r>
-              <a:rPr lang="ko-KR" altLang="en-US" dirty="0">
-                <a:solidFill>
-                  <a:schemeClr val="tx2">
-                    <a:lumMod val="75000"/>
-                  </a:schemeClr>
-                </a:solidFill>
-                <a:latin typeface="Noto Serif KR Black" panose="02020200000000000000" pitchFamily="18" charset="-127"/>
-                <a:ea typeface="Noto Serif KR Black" panose="02020200000000000000" pitchFamily="18" charset="-127"/>
-              </a:rPr>
-              <a:t>자동화</a:t>
-            </a:r>
-            <a:endParaRPr lang="en-US" altLang="ko-KR" dirty="0">
-              <a:solidFill>
-                <a:schemeClr val="tx2">
-                  <a:lumMod val="75000"/>
-                </a:schemeClr>
-              </a:solidFill>
-              <a:latin typeface="Noto Serif KR Black" panose="02020200000000000000" pitchFamily="18" charset="-127"/>
-              <a:ea typeface="Noto Serif KR Black" panose="02020200000000000000" pitchFamily="18" charset="-127"/>
-            </a:endParaRPr>
-          </a:p>
-          <a:p>
-            <a:pPr algn="ctr"/>
-            <a:r>
-              <a:rPr lang="ko-KR" altLang="en-US" dirty="0">
-                <a:solidFill>
-                  <a:schemeClr val="tx2">
-                    <a:lumMod val="75000"/>
-                  </a:schemeClr>
-                </a:solidFill>
-                <a:latin typeface="Noto Serif KR Black" panose="02020200000000000000" pitchFamily="18" charset="-127"/>
-                <a:ea typeface="Noto Serif KR Black" panose="02020200000000000000" pitchFamily="18" charset="-127"/>
-              </a:rPr>
-              <a:t>평가</a:t>
-            </a:r>
-            <a:endParaRPr lang="en-US" altLang="ko-KR" dirty="0">
-              <a:solidFill>
-                <a:schemeClr val="tx2">
-                  <a:lumMod val="75000"/>
-                </a:schemeClr>
-              </a:solidFill>
-              <a:latin typeface="Noto Serif KR Black" panose="02020200000000000000" pitchFamily="18" charset="-127"/>
-              <a:ea typeface="Noto Serif KR Black" panose="02020200000000000000" pitchFamily="18" charset="-127"/>
-            </a:endParaRPr>
-          </a:p>
-          <a:p>
-            <a:pPr algn="ctr"/>
-            <a:r>
-              <a:rPr lang="ko-KR" altLang="en-US" dirty="0">
-                <a:solidFill>
-                  <a:schemeClr val="tx2">
-                    <a:lumMod val="75000"/>
-                  </a:schemeClr>
-                </a:solidFill>
-                <a:latin typeface="Noto Serif KR Black" panose="02020200000000000000" pitchFamily="18" charset="-127"/>
-                <a:ea typeface="Noto Serif KR Black" panose="02020200000000000000" pitchFamily="18" charset="-127"/>
-              </a:rPr>
-              <a:t>시스템</a:t>
-            </a:r>
-            <a:endParaRPr lang="ko-KR" altLang="en-US" dirty="0">
-              <a:solidFill>
-                <a:schemeClr val="tx2">
-                  <a:lumMod val="75000"/>
-                </a:schemeClr>
-              </a:solidFill>
-            </a:endParaRPr>
-          </a:p>
-        </p:txBody>
-      </p:sp>
-      <p:grpSp>
-        <p:nvGrpSpPr>
-          <p:cNvPr id="44" name="그룹 43">
-            <a:extLst>
-              <a:ext uri="{FF2B5EF4-FFF2-40B4-BE49-F238E27FC236}">
-                <a16:creationId xmlns:a16="http://schemas.microsoft.com/office/drawing/2014/main" id="{3F05768E-68BC-79A5-47A2-985EAA76E431}"/>
-              </a:ext>
-            </a:extLst>
-          </p:cNvPr>
-          <p:cNvGrpSpPr/>
-          <p:nvPr/>
-        </p:nvGrpSpPr>
-        <p:grpSpPr>
-          <a:xfrm>
-            <a:off x="178347" y="3057166"/>
-            <a:ext cx="3080572" cy="1653439"/>
-            <a:chOff x="159906" y="4249825"/>
-            <a:chExt cx="3149639" cy="1580439"/>
-          </a:xfrm>
-        </p:grpSpPr>
-        <p:sp>
-          <p:nvSpPr>
-            <p:cNvPr id="45" name="TextBox 44">
-              <a:extLst>
-                <a:ext uri="{FF2B5EF4-FFF2-40B4-BE49-F238E27FC236}">
-                  <a16:creationId xmlns:a16="http://schemas.microsoft.com/office/drawing/2014/main" id="{EDC9AA10-4D93-E06E-4431-CF59CBE3A97B}"/>
-                </a:ext>
-              </a:extLst>
-            </p:cNvPr>
-            <p:cNvSpPr txBox="1"/>
-            <p:nvPr/>
-          </p:nvSpPr>
-          <p:spPr>
-            <a:xfrm>
-              <a:off x="258857" y="4712349"/>
-              <a:ext cx="3050688" cy="1117915"/>
-            </a:xfrm>
-            <a:prstGeom prst="rect">
-              <a:avLst/>
-            </a:prstGeom>
-            <a:noFill/>
-          </p:spPr>
-          <p:txBody>
-            <a:bodyPr wrap="square" rtlCol="0">
-              <a:spAutoFit/>
-            </a:bodyPr>
-            <a:lstStyle/>
-            <a:p>
-              <a:pPr marL="285750" indent="-285750" algn="just">
-                <a:buFontTx/>
-                <a:buChar char="-"/>
-              </a:pPr>
-              <a:r>
-                <a:rPr lang="ko-KR" altLang="en-US" sz="1400" dirty="0"/>
-                <a:t>약물 정보 설명</a:t>
-              </a:r>
-              <a:endParaRPr lang="en-US" altLang="ko-KR" sz="1400" dirty="0"/>
-            </a:p>
-            <a:p>
-              <a:pPr marL="285750" indent="-285750" algn="just">
-                <a:buFontTx/>
-                <a:buChar char="-"/>
-              </a:pPr>
-              <a:r>
-                <a:rPr lang="ko-KR" altLang="en-US" sz="1400" dirty="0"/>
-                <a:t>사용자 상황에 맞는 </a:t>
-              </a:r>
-              <a:r>
-                <a:rPr lang="en-US" altLang="ko-KR" sz="1400" dirty="0"/>
-                <a:t>1</a:t>
-              </a:r>
-              <a:r>
-                <a:rPr lang="ko-KR" altLang="en-US" sz="1400" dirty="0"/>
-                <a:t>차적 진단 가능</a:t>
-              </a:r>
-              <a:endParaRPr lang="en-US" altLang="ko-KR" sz="1400" dirty="0"/>
-            </a:p>
-            <a:p>
-              <a:pPr algn="just"/>
-              <a:r>
-                <a:rPr lang="en-US" altLang="ko-KR" sz="1400" dirty="0"/>
-                <a:t>(</a:t>
-              </a:r>
-              <a:r>
-                <a:rPr lang="ko-KR" altLang="en-US" sz="1400" dirty="0"/>
-                <a:t>단</a:t>
-              </a:r>
-              <a:r>
-                <a:rPr lang="en-US" altLang="ko-KR" sz="1400" dirty="0"/>
-                <a:t>, </a:t>
-              </a:r>
-              <a:r>
-                <a:rPr lang="ko-KR" altLang="en-US" sz="1400" dirty="0"/>
-                <a:t>의약품은 의료진과의 상담 후 진행</a:t>
-              </a:r>
-              <a:r>
-                <a:rPr lang="en-US" altLang="ko-KR" sz="1400" dirty="0"/>
-                <a:t>)</a:t>
-              </a:r>
-              <a:endParaRPr lang="ko-KR" altLang="en-US" sz="1400" dirty="0"/>
-            </a:p>
-          </p:txBody>
-        </p:sp>
-        <p:sp>
-          <p:nvSpPr>
-            <p:cNvPr id="46" name="TextBox 45">
-              <a:extLst>
-                <a:ext uri="{FF2B5EF4-FFF2-40B4-BE49-F238E27FC236}">
-                  <a16:creationId xmlns:a16="http://schemas.microsoft.com/office/drawing/2014/main" id="{F2380329-F304-FBD5-40B2-7C73692793D2}"/>
-                </a:ext>
-              </a:extLst>
-            </p:cNvPr>
-            <p:cNvSpPr txBox="1"/>
-            <p:nvPr/>
-          </p:nvSpPr>
-          <p:spPr>
-            <a:xfrm>
-              <a:off x="159906" y="4249825"/>
-              <a:ext cx="2968454" cy="382445"/>
-            </a:xfrm>
-            <a:prstGeom prst="rect">
-              <a:avLst/>
-            </a:prstGeom>
-            <a:noFill/>
-            <a:ln>
-              <a:solidFill>
-                <a:schemeClr val="tx2">
-                  <a:lumMod val="60000"/>
-                  <a:lumOff val="40000"/>
-                </a:schemeClr>
-              </a:solidFill>
-            </a:ln>
-          </p:spPr>
-          <p:txBody>
-            <a:bodyPr wrap="none" rtlCol="0">
-              <a:spAutoFit/>
-            </a:bodyPr>
-            <a:lstStyle/>
-            <a:p>
-              <a:pPr algn="ctr"/>
-              <a:r>
-                <a:rPr lang="en-US" altLang="ko-KR" sz="2000" spc="-150" dirty="0">
-                  <a:solidFill>
-                    <a:schemeClr val="tx1">
-                      <a:lumMod val="75000"/>
-                      <a:lumOff val="25000"/>
-                    </a:schemeClr>
-                  </a:solidFill>
-                  <a:ea typeface="+mj-ea"/>
-                </a:rPr>
-                <a:t>GPT </a:t>
-              </a:r>
-              <a:r>
-                <a:rPr lang="ko-KR" altLang="en-US" sz="2000" spc="-150" dirty="0">
-                  <a:solidFill>
-                    <a:schemeClr val="tx1">
-                      <a:lumMod val="75000"/>
-                      <a:lumOff val="25000"/>
-                    </a:schemeClr>
-                  </a:solidFill>
-                  <a:ea typeface="+mj-ea"/>
-                </a:rPr>
-                <a:t>프롬프트 엔지니어링</a:t>
-              </a:r>
-              <a:endParaRPr lang="en-US" altLang="ko-KR" sz="2000" spc="-150" dirty="0">
-                <a:solidFill>
-                  <a:schemeClr val="tx1">
-                    <a:lumMod val="75000"/>
-                    <a:lumOff val="25000"/>
-                  </a:schemeClr>
-                </a:solidFill>
-                <a:ea typeface="+mj-ea"/>
-              </a:endParaRPr>
-            </a:p>
-          </p:txBody>
-        </p:sp>
-      </p:grpSp>
-      <p:grpSp>
-        <p:nvGrpSpPr>
-          <p:cNvPr id="47" name="그룹 46">
-            <a:extLst>
-              <a:ext uri="{FF2B5EF4-FFF2-40B4-BE49-F238E27FC236}">
-                <a16:creationId xmlns:a16="http://schemas.microsoft.com/office/drawing/2014/main" id="{7B821CB1-0E6A-BC68-A08F-EC54EDB9F130}"/>
-              </a:ext>
-            </a:extLst>
-          </p:cNvPr>
-          <p:cNvGrpSpPr/>
-          <p:nvPr/>
-        </p:nvGrpSpPr>
-        <p:grpSpPr>
-          <a:xfrm>
-            <a:off x="251060" y="4968363"/>
-            <a:ext cx="2795745" cy="1439914"/>
-            <a:chOff x="258857" y="4249825"/>
-            <a:chExt cx="2858426" cy="1376342"/>
-          </a:xfrm>
-        </p:grpSpPr>
-        <p:sp>
-          <p:nvSpPr>
-            <p:cNvPr id="48" name="TextBox 47">
-              <a:extLst>
-                <a:ext uri="{FF2B5EF4-FFF2-40B4-BE49-F238E27FC236}">
-                  <a16:creationId xmlns:a16="http://schemas.microsoft.com/office/drawing/2014/main" id="{C31811E0-E159-BBAF-6A3E-448D678259A0}"/>
-                </a:ext>
-              </a:extLst>
-            </p:cNvPr>
-            <p:cNvSpPr txBox="1"/>
-            <p:nvPr/>
-          </p:nvSpPr>
-          <p:spPr>
-            <a:xfrm>
-              <a:off x="258857" y="4714184"/>
-              <a:ext cx="2858426" cy="911983"/>
-            </a:xfrm>
-            <a:prstGeom prst="rect">
-              <a:avLst/>
-            </a:prstGeom>
-            <a:noFill/>
-          </p:spPr>
-          <p:txBody>
-            <a:bodyPr wrap="square" rtlCol="0">
-              <a:spAutoFit/>
-            </a:bodyPr>
-            <a:lstStyle/>
-            <a:p>
-              <a:pPr marL="285750" indent="-285750" algn="just">
-                <a:buFontTx/>
-                <a:buChar char="-"/>
-              </a:pPr>
-              <a:r>
-                <a:rPr lang="en-US" altLang="ko-KR" sz="1400" dirty="0"/>
-                <a:t>Python </a:t>
-              </a:r>
-              <a:r>
-                <a:rPr lang="ko-KR" altLang="en-US" sz="1400" dirty="0"/>
-                <a:t>기반 데이터 중심 웹 애플리케이션</a:t>
-              </a:r>
-              <a:endParaRPr lang="en-US" altLang="ko-KR" sz="1400" dirty="0"/>
-            </a:p>
-            <a:p>
-              <a:pPr marL="285750" indent="-285750" algn="just">
-                <a:buFontTx/>
-                <a:buChar char="-"/>
-              </a:pPr>
-              <a:r>
-                <a:rPr lang="ko-KR" altLang="en-US" sz="1400" dirty="0"/>
-                <a:t>실시간 이미지 업로드 및 예측 결과 시각화</a:t>
-              </a:r>
-              <a:endParaRPr lang="en-US" altLang="ko-KR" sz="1400" dirty="0"/>
-            </a:p>
-          </p:txBody>
-        </p:sp>
-        <p:sp>
-          <p:nvSpPr>
-            <p:cNvPr id="49" name="TextBox 48">
-              <a:extLst>
-                <a:ext uri="{FF2B5EF4-FFF2-40B4-BE49-F238E27FC236}">
-                  <a16:creationId xmlns:a16="http://schemas.microsoft.com/office/drawing/2014/main" id="{CDD7A3CE-C99B-F380-A25D-16EF81CA0683}"/>
-                </a:ext>
-              </a:extLst>
-            </p:cNvPr>
-            <p:cNvSpPr txBox="1"/>
-            <p:nvPr/>
-          </p:nvSpPr>
-          <p:spPr>
-            <a:xfrm>
-              <a:off x="1014617" y="4249825"/>
-              <a:ext cx="1259036" cy="382445"/>
-            </a:xfrm>
-            <a:prstGeom prst="rect">
-              <a:avLst/>
-            </a:prstGeom>
-            <a:noFill/>
-            <a:ln>
-              <a:solidFill>
-                <a:schemeClr val="tx2">
-                  <a:lumMod val="60000"/>
-                  <a:lumOff val="40000"/>
-                </a:schemeClr>
-              </a:solidFill>
-            </a:ln>
-          </p:spPr>
-          <p:txBody>
-            <a:bodyPr wrap="none" rtlCol="0">
-              <a:spAutoFit/>
-            </a:bodyPr>
-            <a:lstStyle/>
-            <a:p>
-              <a:pPr algn="ctr"/>
-              <a:r>
-                <a:rPr lang="en-US" altLang="ko-KR" sz="2000" spc="-150" dirty="0" err="1">
-                  <a:solidFill>
-                    <a:schemeClr val="tx1">
-                      <a:lumMod val="75000"/>
-                      <a:lumOff val="25000"/>
-                    </a:schemeClr>
-                  </a:solidFill>
-                  <a:ea typeface="+mj-ea"/>
-                </a:rPr>
-                <a:t>Streamlit</a:t>
-              </a:r>
-              <a:endParaRPr lang="en-US" altLang="ko-KR" sz="2000" spc="-150" dirty="0">
-                <a:solidFill>
-                  <a:schemeClr val="tx1">
-                    <a:lumMod val="75000"/>
-                    <a:lumOff val="25000"/>
-                  </a:schemeClr>
-                </a:solidFill>
-                <a:ea typeface="+mj-ea"/>
-              </a:endParaRPr>
-            </a:p>
-          </p:txBody>
-        </p:sp>
-      </p:grpSp>
-      <p:grpSp>
-        <p:nvGrpSpPr>
-          <p:cNvPr id="50" name="그룹 49">
-            <a:extLst>
-              <a:ext uri="{FF2B5EF4-FFF2-40B4-BE49-F238E27FC236}">
-                <a16:creationId xmlns:a16="http://schemas.microsoft.com/office/drawing/2014/main" id="{0D6D0B64-F683-BEF4-0450-44DF6D818B97}"/>
-              </a:ext>
-            </a:extLst>
-          </p:cNvPr>
-          <p:cNvGrpSpPr/>
-          <p:nvPr/>
-        </p:nvGrpSpPr>
-        <p:grpSpPr>
-          <a:xfrm>
-            <a:off x="8861212" y="1453135"/>
-            <a:ext cx="3079728" cy="1225064"/>
-            <a:chOff x="258857" y="4249825"/>
-            <a:chExt cx="2858426" cy="1170977"/>
-          </a:xfrm>
-        </p:grpSpPr>
-        <p:sp>
-          <p:nvSpPr>
-            <p:cNvPr id="51" name="TextBox 50">
-              <a:extLst>
-                <a:ext uri="{FF2B5EF4-FFF2-40B4-BE49-F238E27FC236}">
-                  <a16:creationId xmlns:a16="http://schemas.microsoft.com/office/drawing/2014/main" id="{1E6BCF8B-1590-6ED9-D71A-F117FCA97B59}"/>
-                </a:ext>
-              </a:extLst>
-            </p:cNvPr>
-            <p:cNvSpPr txBox="1"/>
-            <p:nvPr/>
-          </p:nvSpPr>
-          <p:spPr>
-            <a:xfrm>
-              <a:off x="258857" y="4714750"/>
-              <a:ext cx="2858426" cy="706052"/>
-            </a:xfrm>
-            <a:prstGeom prst="rect">
-              <a:avLst/>
-            </a:prstGeom>
-            <a:noFill/>
-          </p:spPr>
-          <p:txBody>
-            <a:bodyPr wrap="square" rtlCol="0">
-              <a:spAutoFit/>
-            </a:bodyPr>
-            <a:lstStyle/>
-            <a:p>
-              <a:pPr marL="285750" indent="-285750" algn="just">
-                <a:buFontTx/>
-                <a:buChar char="-"/>
-              </a:pPr>
-              <a:r>
-                <a:rPr lang="ko-KR" altLang="en-US" sz="1400" dirty="0"/>
-                <a:t>이미지</a:t>
-              </a:r>
-              <a:r>
-                <a:rPr lang="en-US" altLang="ko-KR" sz="1400" dirty="0"/>
-                <a:t> : </a:t>
-              </a:r>
-              <a:r>
-                <a:rPr lang="ko-KR" altLang="en-US" sz="1400" dirty="0" err="1"/>
-                <a:t>어노테이션</a:t>
-              </a:r>
-              <a:r>
-                <a:rPr lang="ko-KR" altLang="en-US" sz="1400" dirty="0"/>
-                <a:t> 매핑 분석</a:t>
-              </a:r>
-              <a:endParaRPr lang="en-US" altLang="ko-KR" sz="1400" dirty="0"/>
-            </a:p>
-            <a:p>
-              <a:pPr marL="285750" indent="-285750" algn="just">
-                <a:buFontTx/>
-                <a:buChar char="-"/>
-              </a:pPr>
-              <a:r>
-                <a:rPr lang="ko-KR" altLang="en-US" sz="1400" dirty="0"/>
-                <a:t>전수 식별을 통해 </a:t>
-              </a:r>
-              <a:r>
-                <a:rPr lang="en-US" altLang="ko-KR" sz="1400" dirty="0" err="1"/>
-                <a:t>bbox</a:t>
-              </a:r>
-              <a:r>
-                <a:rPr lang="en-US" altLang="ko-KR" sz="1400" dirty="0"/>
-                <a:t> </a:t>
-              </a:r>
-              <a:r>
-                <a:rPr lang="ko-KR" altLang="en-US" sz="1400" dirty="0"/>
-                <a:t>박스 및 약 이름 확인</a:t>
-              </a:r>
-              <a:r>
-                <a:rPr lang="en-US" altLang="ko-KR" sz="1400" dirty="0"/>
-                <a:t>(</a:t>
-              </a:r>
-              <a:r>
-                <a:rPr lang="ko-KR" altLang="en-US" sz="1400" dirty="0"/>
-                <a:t>약학 정보원</a:t>
-              </a:r>
-              <a:r>
-                <a:rPr lang="en-US" altLang="ko-KR" sz="1400" dirty="0"/>
-                <a:t>)</a:t>
-              </a:r>
-              <a:endParaRPr lang="ko-KR" altLang="en-US" sz="1400" dirty="0"/>
-            </a:p>
-          </p:txBody>
-        </p:sp>
-        <p:sp>
-          <p:nvSpPr>
-            <p:cNvPr id="52" name="TextBox 51">
-              <a:extLst>
-                <a:ext uri="{FF2B5EF4-FFF2-40B4-BE49-F238E27FC236}">
-                  <a16:creationId xmlns:a16="http://schemas.microsoft.com/office/drawing/2014/main" id="{FC85847D-7A37-CC5F-81E0-D1B7D2B2C61D}"/>
-                </a:ext>
-              </a:extLst>
-            </p:cNvPr>
-            <p:cNvSpPr txBox="1"/>
-            <p:nvPr/>
-          </p:nvSpPr>
-          <p:spPr>
-            <a:xfrm>
-              <a:off x="654345" y="4249825"/>
-              <a:ext cx="1979580" cy="382445"/>
-            </a:xfrm>
-            <a:prstGeom prst="rect">
-              <a:avLst/>
-            </a:prstGeom>
-            <a:noFill/>
-            <a:ln>
-              <a:solidFill>
-                <a:schemeClr val="tx2">
-                  <a:lumMod val="60000"/>
-                  <a:lumOff val="40000"/>
-                </a:schemeClr>
-              </a:solidFill>
-            </a:ln>
-          </p:spPr>
-          <p:txBody>
-            <a:bodyPr wrap="none" rtlCol="0">
-              <a:spAutoFit/>
-            </a:bodyPr>
-            <a:lstStyle/>
-            <a:p>
-              <a:pPr algn="ctr"/>
-              <a:r>
-                <a:rPr lang="ko-KR" altLang="en-US" sz="2000" spc="-150" dirty="0">
-                  <a:solidFill>
-                    <a:schemeClr val="tx1">
-                      <a:lumMod val="75000"/>
-                      <a:lumOff val="25000"/>
-                    </a:schemeClr>
-                  </a:solidFill>
-                  <a:ea typeface="+mj-ea"/>
-                </a:rPr>
-                <a:t>데이터 분석 </a:t>
-              </a:r>
-              <a:r>
-                <a:rPr lang="en-US" altLang="ko-KR" sz="2000" spc="-150" dirty="0">
-                  <a:solidFill>
-                    <a:schemeClr val="tx1">
-                      <a:lumMod val="75000"/>
-                      <a:lumOff val="25000"/>
-                    </a:schemeClr>
-                  </a:solidFill>
-                  <a:ea typeface="+mj-ea"/>
-                </a:rPr>
-                <a:t>(EDA)</a:t>
-              </a:r>
-            </a:p>
-          </p:txBody>
-        </p:sp>
-      </p:grpSp>
-      <p:grpSp>
-        <p:nvGrpSpPr>
-          <p:cNvPr id="53" name="그룹 52">
-            <a:extLst>
-              <a:ext uri="{FF2B5EF4-FFF2-40B4-BE49-F238E27FC236}">
-                <a16:creationId xmlns:a16="http://schemas.microsoft.com/office/drawing/2014/main" id="{4300549C-E4D0-42F1-8456-2D5973D6A282}"/>
-              </a:ext>
-            </a:extLst>
-          </p:cNvPr>
-          <p:cNvGrpSpPr/>
-          <p:nvPr/>
-        </p:nvGrpSpPr>
-        <p:grpSpPr>
-          <a:xfrm>
-            <a:off x="8861212" y="3917698"/>
-            <a:ext cx="3079728" cy="1176031"/>
-            <a:chOff x="212454" y="4249825"/>
-            <a:chExt cx="2858426" cy="1124109"/>
-          </a:xfrm>
-        </p:grpSpPr>
-        <p:sp>
-          <p:nvSpPr>
-            <p:cNvPr id="54" name="TextBox 53">
-              <a:extLst>
-                <a:ext uri="{FF2B5EF4-FFF2-40B4-BE49-F238E27FC236}">
-                  <a16:creationId xmlns:a16="http://schemas.microsoft.com/office/drawing/2014/main" id="{E8ED8CCD-D87E-320F-F633-566B456C9AAF}"/>
-                </a:ext>
-              </a:extLst>
-            </p:cNvPr>
-            <p:cNvSpPr txBox="1"/>
-            <p:nvPr/>
-          </p:nvSpPr>
-          <p:spPr>
-            <a:xfrm>
-              <a:off x="212454" y="4667882"/>
-              <a:ext cx="2858426" cy="706052"/>
-            </a:xfrm>
-            <a:prstGeom prst="rect">
-              <a:avLst/>
-            </a:prstGeom>
-            <a:noFill/>
-          </p:spPr>
-          <p:txBody>
-            <a:bodyPr wrap="square" rtlCol="0">
-              <a:spAutoFit/>
-            </a:bodyPr>
-            <a:lstStyle/>
-            <a:p>
-              <a:pPr marL="285750" indent="-285750" algn="just">
-                <a:buFontTx/>
-                <a:buChar char="-"/>
-              </a:pPr>
-              <a:r>
-                <a:rPr lang="en-US" altLang="ko-KR" sz="1400" dirty="0"/>
-                <a:t>Kaggle Submission </a:t>
-              </a:r>
-              <a:r>
-                <a:rPr lang="ko-KR" altLang="en-US" sz="1400" dirty="0"/>
-                <a:t>파일 생성</a:t>
-              </a:r>
-              <a:endParaRPr lang="en-US" altLang="ko-KR" sz="1400" dirty="0"/>
-            </a:p>
-            <a:p>
-              <a:pPr marL="285750" indent="-285750" algn="just">
-                <a:buFontTx/>
-                <a:buChar char="-"/>
-              </a:pPr>
-              <a:r>
-                <a:rPr lang="en-US" altLang="ko-KR" sz="1400" dirty="0" err="1"/>
-                <a:t>mAP</a:t>
-              </a:r>
-              <a:r>
-                <a:rPr lang="en-US" altLang="ko-KR" sz="1400" dirty="0"/>
-                <a:t>@[0.75:0.95] </a:t>
-              </a:r>
-              <a:r>
-                <a:rPr lang="ko-KR" altLang="en-US" sz="1400" dirty="0"/>
-                <a:t>평가 지표</a:t>
-              </a:r>
-              <a:r>
-                <a:rPr lang="en-US" altLang="ko-KR" sz="1400" dirty="0"/>
-                <a:t> </a:t>
-              </a:r>
-              <a:r>
-                <a:rPr lang="ko-KR" altLang="en-US" sz="1400" dirty="0"/>
-                <a:t>계산</a:t>
-              </a:r>
-            </a:p>
-          </p:txBody>
-        </p:sp>
-        <p:sp>
-          <p:nvSpPr>
-            <p:cNvPr id="55" name="TextBox 54">
-              <a:extLst>
-                <a:ext uri="{FF2B5EF4-FFF2-40B4-BE49-F238E27FC236}">
-                  <a16:creationId xmlns:a16="http://schemas.microsoft.com/office/drawing/2014/main" id="{B3D7A32B-E290-1EA7-60BC-E630A4E0F423}"/>
-                </a:ext>
-              </a:extLst>
-            </p:cNvPr>
-            <p:cNvSpPr txBox="1"/>
-            <p:nvPr/>
-          </p:nvSpPr>
-          <p:spPr>
-            <a:xfrm>
-              <a:off x="641946" y="4249825"/>
-              <a:ext cx="2004385" cy="382445"/>
-            </a:xfrm>
-            <a:prstGeom prst="rect">
-              <a:avLst/>
-            </a:prstGeom>
-            <a:noFill/>
-            <a:ln>
-              <a:solidFill>
-                <a:schemeClr val="tx2">
-                  <a:lumMod val="60000"/>
-                  <a:lumOff val="40000"/>
-                </a:schemeClr>
-              </a:solidFill>
-            </a:ln>
-          </p:spPr>
-          <p:txBody>
-            <a:bodyPr wrap="none" rtlCol="0">
-              <a:spAutoFit/>
-            </a:bodyPr>
-            <a:lstStyle/>
-            <a:p>
-              <a:pPr algn="ctr"/>
-              <a:r>
-                <a:rPr lang="ko-KR" altLang="en-US" sz="2000" spc="-150" dirty="0">
-                  <a:solidFill>
-                    <a:schemeClr val="tx1">
-                      <a:lumMod val="75000"/>
-                      <a:lumOff val="25000"/>
-                    </a:schemeClr>
-                  </a:solidFill>
-                  <a:latin typeface="+mj-ea"/>
-                  <a:ea typeface="+mj-ea"/>
-                </a:rPr>
-                <a:t>자동화</a:t>
-              </a:r>
-              <a:r>
-                <a:rPr lang="en-US" altLang="ko-KR" sz="2000" spc="-150" dirty="0">
-                  <a:solidFill>
-                    <a:schemeClr val="tx1">
-                      <a:lumMod val="75000"/>
-                      <a:lumOff val="25000"/>
-                    </a:schemeClr>
-                  </a:solidFill>
-                  <a:latin typeface="+mj-ea"/>
-                  <a:ea typeface="+mj-ea"/>
-                </a:rPr>
-                <a:t> </a:t>
-              </a:r>
-              <a:r>
-                <a:rPr lang="ko-KR" altLang="en-US" sz="2000" spc="-150" dirty="0">
-                  <a:solidFill>
-                    <a:schemeClr val="tx1">
-                      <a:lumMod val="75000"/>
-                      <a:lumOff val="25000"/>
-                    </a:schemeClr>
-                  </a:solidFill>
-                  <a:latin typeface="+mj-ea"/>
-                  <a:ea typeface="+mj-ea"/>
-                </a:rPr>
-                <a:t>평가 시스템</a:t>
-              </a:r>
-              <a:endParaRPr lang="en-US" altLang="ko-KR" sz="2000" spc="-150" dirty="0">
-                <a:solidFill>
-                  <a:schemeClr val="tx1">
-                    <a:lumMod val="75000"/>
-                    <a:lumOff val="25000"/>
-                  </a:schemeClr>
-                </a:solidFill>
-                <a:latin typeface="+mj-ea"/>
-                <a:ea typeface="+mj-ea"/>
-              </a:endParaRPr>
-            </a:p>
-          </p:txBody>
-        </p:sp>
-      </p:grpSp>
-      <p:sp>
-        <p:nvSpPr>
-          <p:cNvPr id="56" name="TextBox 55">
-            <a:extLst>
-              <a:ext uri="{FF2B5EF4-FFF2-40B4-BE49-F238E27FC236}">
-                <a16:creationId xmlns:a16="http://schemas.microsoft.com/office/drawing/2014/main" id="{0D6673E1-2552-D0C8-8777-1246E92991DE}"/>
-              </a:ext>
-            </a:extLst>
-          </p:cNvPr>
-          <p:cNvSpPr txBox="1"/>
-          <p:nvPr/>
-        </p:nvSpPr>
-        <p:spPr>
-          <a:xfrm>
-            <a:off x="583709" y="345588"/>
-            <a:ext cx="885179" cy="369332"/>
-          </a:xfrm>
-          <a:prstGeom prst="rect">
-            <a:avLst/>
-          </a:prstGeom>
-          <a:noFill/>
-        </p:spPr>
-        <p:txBody>
-          <a:bodyPr wrap="none" rtlCol="0">
-            <a:spAutoFit/>
-          </a:bodyPr>
-          <a:lstStyle/>
-          <a:p>
-            <a:r>
-              <a:rPr lang="en-US" altLang="ko-KR" dirty="0">
-                <a:solidFill>
-                  <a:schemeClr val="accent4"/>
-                </a:solidFill>
-              </a:rPr>
-              <a:t>Part 2</a:t>
-            </a:r>
-            <a:endParaRPr lang="ko-KR" altLang="en-US" dirty="0">
-              <a:solidFill>
-                <a:schemeClr val="accent4"/>
-              </a:solidFill>
-            </a:endParaRPr>
-          </a:p>
-        </p:txBody>
-      </p:sp>
-      <p:cxnSp>
-        <p:nvCxnSpPr>
-          <p:cNvPr id="57" name="직선 연결선 56">
-            <a:extLst>
-              <a:ext uri="{FF2B5EF4-FFF2-40B4-BE49-F238E27FC236}">
-                <a16:creationId xmlns:a16="http://schemas.microsoft.com/office/drawing/2014/main" id="{CE6EC796-227C-559F-2A8F-07B193B08CA8}"/>
-              </a:ext>
-            </a:extLst>
-          </p:cNvPr>
-          <p:cNvCxnSpPr>
-            <a:cxnSpLocks/>
-          </p:cNvCxnSpPr>
-          <p:nvPr/>
-        </p:nvCxnSpPr>
-        <p:spPr>
-          <a:xfrm>
-            <a:off x="1587500" y="190500"/>
-            <a:ext cx="1435100" cy="0"/>
-          </a:xfrm>
-          <a:prstGeom prst="line">
-            <a:avLst/>
-          </a:prstGeom>
-          <a:ln w="76200">
-            <a:solidFill>
-              <a:schemeClr val="accent4"/>
-            </a:solidFill>
-          </a:ln>
-        </p:spPr>
-        <p:style>
-          <a:lnRef idx="1">
-            <a:schemeClr val="accent1"/>
-          </a:lnRef>
-          <a:fillRef idx="0">
-            <a:schemeClr val="accent1"/>
-          </a:fillRef>
-          <a:effectRef idx="0">
-            <a:schemeClr val="accent1"/>
-          </a:effectRef>
-          <a:fontRef idx="minor">
-            <a:schemeClr val="tx1"/>
-          </a:fontRef>
-        </p:style>
-      </p:cxnSp>
-      <p:cxnSp>
-        <p:nvCxnSpPr>
-          <p:cNvPr id="60" name="직선 연결선 59">
-            <a:extLst>
-              <a:ext uri="{FF2B5EF4-FFF2-40B4-BE49-F238E27FC236}">
-                <a16:creationId xmlns:a16="http://schemas.microsoft.com/office/drawing/2014/main" id="{2214FCE8-DC9B-EDD3-81EE-96432A1326BD}"/>
-              </a:ext>
-            </a:extLst>
-          </p:cNvPr>
-          <p:cNvCxnSpPr>
-            <a:cxnSpLocks/>
-          </p:cNvCxnSpPr>
-          <p:nvPr/>
-        </p:nvCxnSpPr>
-        <p:spPr>
-          <a:xfrm>
-            <a:off x="152400" y="190500"/>
-            <a:ext cx="12039600" cy="0"/>
-          </a:xfrm>
-          <a:prstGeom prst="line">
-            <a:avLst/>
-          </a:prstGeom>
-        </p:spPr>
-        <p:style>
-          <a:lnRef idx="1">
-            <a:schemeClr val="accent1"/>
-          </a:lnRef>
-          <a:fillRef idx="0">
-            <a:schemeClr val="accent1"/>
-          </a:fillRef>
-          <a:effectRef idx="0">
-            <a:schemeClr val="accent1"/>
-          </a:effectRef>
-          <a:fontRef idx="minor">
-            <a:schemeClr val="tx1"/>
-          </a:fontRef>
-        </p:style>
-      </p:cxnSp>
-    </p:spTree>
-    <p:extLst>
-      <p:ext uri="{BB962C8B-B14F-4D97-AF65-F5344CB8AC3E}">
-        <p14:creationId xmlns:p14="http://schemas.microsoft.com/office/powerpoint/2010/main" val="3816055464"/>
-      </p:ext>
-    </p:extLst>
-  </p:cSld>
-  <p:clrMapOvr>
-    <a:masterClrMapping/>
-  </p:clrMapOvr>
-  <mc:AlternateContent xmlns:mc="http://schemas.openxmlformats.org/markup-compatibility/2006" xmlns:p14="http://schemas.microsoft.com/office/powerpoint/2010/main">
-    <mc:Choice Requires="p14">
-      <p:transition spd="med" p14:dur="700">
-        <p:fade/>
-      </p:transition>
-    </mc:Choice>
-    <mc:Fallback xmlns="">
-      <p:transition spd="med">
-        <p:fade/>
-      </p:transition>
-    </mc:Fallback>
-  </mc:AlternateContent>
-</p:sld>
-</file>
-
-<file path=ppt/slides/slide5.xml><?xml version="1.0" encoding="utf-8"?>
-<p:sld xmlns:a="http://schemas.openxmlformats.org/drawingml/2006/main" xmlns:r="http://schemas.openxmlformats.org/officeDocument/2006/relationships" xmlns:p="http://schemas.openxmlformats.org/presentationml/2006/main">
-  <p:cSld>
-    <p:bg>
-      <p:bgPr>
-        <a:solidFill>
           <a:srgbClr val="C3C1C4"/>
         </a:solidFill>
         <a:effectLst/>
@@ -6833,7 +6523,7 @@
           <p:nvPr/>
         </p:nvPicPr>
         <p:blipFill rotWithShape="1">
-          <a:blip r:embed="rId2" cstate="screen">
+          <a:blip r:embed="rId3" cstate="screen">
             <a:alphaModFix amt="58000"/>
             <a:extLst>
               <a:ext uri="{28A0092B-C50C-407E-A947-70E740481C1C}">
@@ -6870,7 +6560,7 @@
         </p:nvSpPr>
         <p:spPr>
           <a:xfrm>
-            <a:off x="734267" y="989387"/>
+            <a:off x="6735706" y="882571"/>
             <a:ext cx="4940300" cy="1195708"/>
           </a:xfrm>
           <a:custGeom>
@@ -7167,7 +6857,7 @@
         <p:spPr>
           <a:xfrm>
             <a:off x="1676400" y="330200"/>
-            <a:ext cx="10102446" cy="584775"/>
+            <a:ext cx="3809056" cy="584775"/>
           </a:xfrm>
           <a:prstGeom prst="rect">
             <a:avLst/>
@@ -7185,14 +6875,14 @@
                 <a:latin typeface="Noto Sans KR Black" panose="020B0200000000000000" pitchFamily="50" charset="-127"/>
                 <a:ea typeface="Noto Sans KR Black" panose="020B0200000000000000" pitchFamily="50" charset="-127"/>
               </a:rPr>
-              <a:t>핵심 기능 및 아키텍처 </a:t>
+              <a:t>프로젝트 </a:t>
             </a:r>
             <a:r>
               <a:rPr lang="en-US" altLang="ko-KR" sz="3200" dirty="0">
                 <a:latin typeface="Noto Sans KR Black" panose="020B0200000000000000" pitchFamily="50" charset="-127"/>
                 <a:ea typeface="Noto Sans KR Black" panose="020B0200000000000000" pitchFamily="50" charset="-127"/>
               </a:rPr>
-              <a:t>(Key Features &amp; Architecture)</a:t>
+              <a:t>Workflow</a:t>
             </a:r>
             <a:endParaRPr lang="ko-KR" altLang="en-US" sz="3200" dirty="0">
               <a:latin typeface="Noto Sans KR Black" panose="020B0200000000000000" pitchFamily="50" charset="-127"/>
@@ -7215,7 +6905,7 @@
         </p:nvSpPr>
         <p:spPr>
           <a:xfrm>
-            <a:off x="734267" y="1014787"/>
+            <a:off x="6735706" y="907971"/>
             <a:ext cx="4940300" cy="439149"/>
           </a:xfrm>
           <a:custGeom>
@@ -7392,13 +7082,13 @@
           <p:nvPr>
             <p:extLst>
               <p:ext uri="{D42A27DB-BD31-4B8C-83A1-F6EECF244321}">
-                <p14:modId xmlns:p14="http://schemas.microsoft.com/office/powerpoint/2010/main" val="2633823407"/>
+                <p14:modId xmlns:p14="http://schemas.microsoft.com/office/powerpoint/2010/main" val="3058129714"/>
               </p:ext>
             </p:extLst>
           </p:nvPr>
         </p:nvGraphicFramePr>
         <p:xfrm>
-          <a:off x="734267" y="1602865"/>
+          <a:off x="6735706" y="1496049"/>
           <a:ext cx="4940300" cy="518160"/>
         </p:xfrm>
         <a:graphic>
@@ -7545,8 +7235,8 @@
         </p:nvCxnSpPr>
         <p:spPr>
           <a:xfrm>
-            <a:off x="3204417" y="2247899"/>
-            <a:ext cx="0" cy="402774"/>
+            <a:off x="5840730" y="5599775"/>
+            <a:ext cx="709141" cy="0"/>
           </a:xfrm>
           <a:prstGeom prst="straightConnector1">
             <a:avLst/>
@@ -7590,7 +7280,7 @@
         </p:nvSpPr>
         <p:spPr>
           <a:xfrm>
-            <a:off x="734267" y="2744046"/>
+            <a:off x="6735706" y="5015655"/>
             <a:ext cx="4940300" cy="1620161"/>
           </a:xfrm>
           <a:custGeom>
@@ -7761,7 +7451,7 @@
         </p:nvSpPr>
         <p:spPr>
           <a:xfrm>
-            <a:off x="734267" y="2769447"/>
+            <a:off x="6735706" y="5041056"/>
             <a:ext cx="4940300" cy="439149"/>
           </a:xfrm>
           <a:custGeom>
@@ -7910,7 +7600,7 @@
             </a:pPr>
             <a:r>
               <a:rPr lang="ko-KR" altLang="en-US" dirty="0"/>
-              <a:t>핵심 엔진</a:t>
+              <a:t>핵심 파이프라인</a:t>
             </a:r>
             <a:r>
               <a:rPr lang="en-US" altLang="ko-KR" dirty="0"/>
@@ -7934,13 +7624,13 @@
           <p:nvPr>
             <p:extLst>
               <p:ext uri="{D42A27DB-BD31-4B8C-83A1-F6EECF244321}">
-                <p14:modId xmlns:p14="http://schemas.microsoft.com/office/powerpoint/2010/main" val="827382275"/>
+                <p14:modId xmlns:p14="http://schemas.microsoft.com/office/powerpoint/2010/main" val="545875068"/>
               </p:ext>
             </p:extLst>
           </p:nvPr>
         </p:nvGraphicFramePr>
         <p:xfrm>
-          <a:off x="734267" y="3341901"/>
+          <a:off x="6735706" y="5613510"/>
           <a:ext cx="4940300" cy="944880"/>
         </p:xfrm>
         <a:graphic>
@@ -7997,7 +7687,7 @@
                       </a:r>
                       <a:r>
                         <a:rPr lang="ko-KR" altLang="en-US" sz="1400" dirty="0"/>
-                        <a:t> 파이프 라인</a:t>
+                        <a:t> </a:t>
                       </a:r>
                       <a:endParaRPr lang="en-US" altLang="ko-KR" sz="1400" dirty="0"/>
                     </a:p>
@@ -8061,7 +7751,7 @@
         </p:nvSpPr>
         <p:spPr>
           <a:xfrm>
-            <a:off x="6725441" y="1520689"/>
+            <a:off x="701831" y="1246369"/>
             <a:ext cx="4940300" cy="1195708"/>
           </a:xfrm>
           <a:custGeom>
@@ -8232,7 +7922,7 @@
         </p:nvSpPr>
         <p:spPr>
           <a:xfrm>
-            <a:off x="6725441" y="1546089"/>
+            <a:off x="701831" y="1271769"/>
             <a:ext cx="4940300" cy="439149"/>
           </a:xfrm>
           <a:custGeom>
@@ -8381,7 +8071,7 @@
             </a:pPr>
             <a:r>
               <a:rPr lang="ko-KR" altLang="en-US" kern="1200" dirty="0"/>
-              <a:t>데이터 계층</a:t>
+              <a:t>데이터 셋 정의</a:t>
             </a:r>
             <a:endParaRPr lang="en-US" altLang="ko-KR" dirty="0"/>
           </a:p>
@@ -8401,7 +8091,7 @@
         </p:nvSpPr>
         <p:spPr>
           <a:xfrm>
-            <a:off x="734267" y="4824247"/>
+            <a:off x="6735706" y="2556569"/>
             <a:ext cx="4940300" cy="2033753"/>
           </a:xfrm>
           <a:custGeom>
@@ -8572,7 +8262,7 @@
         </p:nvSpPr>
         <p:spPr>
           <a:xfrm>
-            <a:off x="734267" y="4849648"/>
+            <a:off x="6735706" y="2581970"/>
             <a:ext cx="4940300" cy="439149"/>
           </a:xfrm>
           <a:custGeom>
@@ -8745,13 +8435,13 @@
           <p:nvPr>
             <p:extLst>
               <p:ext uri="{D42A27DB-BD31-4B8C-83A1-F6EECF244321}">
-                <p14:modId xmlns:p14="http://schemas.microsoft.com/office/powerpoint/2010/main" val="1681836415"/>
+                <p14:modId xmlns:p14="http://schemas.microsoft.com/office/powerpoint/2010/main" val="3192023685"/>
               </p:ext>
             </p:extLst>
           </p:nvPr>
         </p:nvGraphicFramePr>
         <p:xfrm>
-          <a:off x="734267" y="5422102"/>
+          <a:off x="6735706" y="3154424"/>
           <a:ext cx="4940300" cy="1371600"/>
         </p:xfrm>
         <a:graphic>
@@ -8895,56 +8585,9 @@
           <p:nvPr/>
         </p:nvCxnSpPr>
         <p:spPr>
-          <a:xfrm>
-            <a:off x="3204417" y="4406959"/>
-            <a:ext cx="0" cy="402774"/>
-          </a:xfrm>
-          <a:prstGeom prst="straightConnector1">
-            <a:avLst/>
-          </a:prstGeom>
-          <a:ln w="57150" cap="flat" cmpd="sng" algn="ctr">
-            <a:solidFill>
-              <a:srgbClr val="9F9E9F"/>
-            </a:solidFill>
-            <a:prstDash val="solid"/>
-            <a:round/>
-            <a:headEnd type="none" w="med" len="med"/>
-            <a:tailEnd type="arrow" w="med" len="med"/>
-          </a:ln>
-        </p:spPr>
-        <p:style>
-          <a:lnRef idx="0">
-            <a:scrgbClr r="0" g="0" b="0"/>
-          </a:lnRef>
-          <a:fillRef idx="0">
-            <a:scrgbClr r="0" g="0" b="0"/>
-          </a:fillRef>
-          <a:effectRef idx="0">
-            <a:scrgbClr r="0" g="0" b="0"/>
-          </a:effectRef>
-          <a:fontRef idx="minor">
-            <a:schemeClr val="tx1"/>
-          </a:fontRef>
-        </p:style>
-      </p:cxnSp>
-      <p:cxnSp>
-        <p:nvCxnSpPr>
-          <p:cNvPr id="61" name="직선 화살표 연결선 60">
-            <a:extLst>
-              <a:ext uri="{FF2B5EF4-FFF2-40B4-BE49-F238E27FC236}">
-                <a16:creationId xmlns:a16="http://schemas.microsoft.com/office/drawing/2014/main" id="{9CCF9106-46FF-255A-8145-775A20714FCC}"/>
-              </a:ext>
-            </a:extLst>
-          </p:cNvPr>
-          <p:cNvCxnSpPr>
-            <a:cxnSpLocks/>
-          </p:cNvCxnSpPr>
-          <p:nvPr/>
-        </p:nvCxnSpPr>
-        <p:spPr>
-          <a:xfrm>
-            <a:off x="9195591" y="1051162"/>
-            <a:ext cx="0" cy="402774"/>
+          <a:xfrm flipV="1">
+            <a:off x="9095366" y="4622114"/>
+            <a:ext cx="0" cy="458163"/>
           </a:xfrm>
           <a:prstGeom prst="straightConnector1">
             <a:avLst/>
@@ -8989,13 +8632,13 @@
           <p:nvPr>
             <p:extLst>
               <p:ext uri="{D42A27DB-BD31-4B8C-83A1-F6EECF244321}">
-                <p14:modId xmlns:p14="http://schemas.microsoft.com/office/powerpoint/2010/main" val="1855923918"/>
+                <p14:modId xmlns:p14="http://schemas.microsoft.com/office/powerpoint/2010/main" val="4241289318"/>
               </p:ext>
             </p:extLst>
           </p:nvPr>
         </p:nvGraphicFramePr>
         <p:xfrm>
-          <a:off x="6725441" y="2059649"/>
+          <a:off x="701831" y="1785329"/>
           <a:ext cx="4940300" cy="2813113"/>
         </p:xfrm>
         <a:graphic>
@@ -9094,7 +8737,23 @@
                       </a:r>
                       <a:r>
                         <a:rPr lang="ko-KR" altLang="en-US" sz="1400" dirty="0"/>
-                        <a:t>완전한 이미지</a:t>
+                        <a:t>이미지 </a:t>
+                      </a:r>
+                      <a:r>
+                        <a:rPr lang="en-US" altLang="ko-KR" sz="1400" dirty="0"/>
+                        <a:t>vs</a:t>
+                      </a:r>
+                      <a:r>
+                        <a:rPr lang="ko-KR" altLang="en-US" sz="1400" dirty="0"/>
+                        <a:t> </a:t>
+                      </a:r>
+                      <a:r>
+                        <a:rPr lang="en-US" altLang="ko-KR" sz="1400" dirty="0"/>
+                        <a:t>annotation</a:t>
+                      </a:r>
+                      <a:r>
+                        <a:rPr lang="ko-KR" altLang="en-US" sz="1400" dirty="0"/>
+                        <a:t> 매핑이 된</a:t>
                       </a:r>
                       <a:r>
                         <a:rPr lang="en-US" altLang="ko-KR" sz="1400" dirty="0"/>
@@ -9289,104 +8948,7 @@
                       </a:r>
                       <a:r>
                         <a:rPr lang="ko-KR" altLang="en-US" sz="1400" dirty="0"/>
-                        <a:t>├─ </a:t>
-                      </a:r>
-                      <a:r>
-                        <a:rPr lang="en-US" altLang="ko-KR" sz="1400" dirty="0"/>
-                        <a:t>4.drug_Augmentation/ (100% </a:t>
-                      </a:r>
-                      <a:r>
-                        <a:rPr lang="ko-KR" altLang="en-US" sz="1400" dirty="0"/>
-                        <a:t>데이터</a:t>
-                      </a:r>
-                      <a:r>
-                        <a:rPr lang="en-US" altLang="ko-KR" sz="1400" dirty="0"/>
-                        <a:t>) </a:t>
-                      </a:r>
-                    </a:p>
-                    <a:p>
-                      <a:pPr marL="0" marR="0" lvl="0" indent="0" algn="l" defTabSz="914400" rtl="0" eaLnBrk="1" fontAlgn="auto" latinLnBrk="1" hangingPunct="1">
-                        <a:lnSpc>
-                          <a:spcPct val="100000"/>
-                        </a:lnSpc>
-                        <a:spcBef>
-                          <a:spcPts val="0"/>
-                        </a:spcBef>
-                        <a:spcAft>
-                          <a:spcPts val="0"/>
-                        </a:spcAft>
-                        <a:buClrTx/>
-                        <a:buSzTx/>
-                        <a:buFontTx/>
-                        <a:buNone/>
-                        <a:tabLst/>
-                        <a:defRPr/>
-                      </a:pPr>
-                      <a:r>
-                        <a:rPr lang="ko-KR" altLang="en-US" sz="1400" dirty="0"/>
-                        <a:t>   └──────</a:t>
-                      </a:r>
-                      <a:r>
-                        <a:rPr lang="en-US" altLang="ko-KR" sz="1400" dirty="0"/>
-                        <a:t>(</a:t>
-                      </a:r>
-                      <a:r>
-                        <a:rPr lang="ko-KR" altLang="en-US" sz="1400" dirty="0"/>
-                        <a:t>최종 학습 데이터 이미지</a:t>
-                      </a:r>
-                      <a:r>
-                        <a:rPr lang="en-US" altLang="ko-KR" sz="1400" dirty="0"/>
-                        <a:t>)</a:t>
-                      </a:r>
-                    </a:p>
-                    <a:p>
-                      <a:pPr marL="0" marR="0" lvl="0" indent="0" algn="l" defTabSz="914400" rtl="0" eaLnBrk="1" fontAlgn="auto" latinLnBrk="1" hangingPunct="1">
-                        <a:lnSpc>
-                          <a:spcPct val="100000"/>
-                        </a:lnSpc>
-                        <a:spcBef>
-                          <a:spcPts val="0"/>
-                        </a:spcBef>
-                        <a:spcAft>
-                          <a:spcPts val="0"/>
-                        </a:spcAft>
-                        <a:buClrTx/>
-                        <a:buSzTx/>
-                        <a:buFontTx/>
-                        <a:buNone/>
-                        <a:tabLst/>
-                        <a:defRPr/>
-                      </a:pPr>
-                      <a:r>
-                        <a:rPr lang="en-US" altLang="ko-KR" sz="1400" b="0" dirty="0"/>
-                        <a:t>   │</a:t>
-                      </a:r>
-                    </a:p>
-                    <a:p>
-                      <a:pPr marL="0" marR="0" lvl="0" indent="0" algn="l" defTabSz="914400" rtl="0" eaLnBrk="1" fontAlgn="auto" latinLnBrk="1" hangingPunct="1">
-                        <a:lnSpc>
-                          <a:spcPct val="100000"/>
-                        </a:lnSpc>
-                        <a:spcBef>
-                          <a:spcPts val="0"/>
-                        </a:spcBef>
-                        <a:spcAft>
-                          <a:spcPts val="0"/>
-                        </a:spcAft>
-                        <a:buClrTx/>
-                        <a:buSzTx/>
-                        <a:buFontTx/>
-                        <a:buNone/>
-                        <a:tabLst/>
-                        <a:defRPr/>
-                      </a:pPr>
-                      <a:r>
-                        <a:rPr lang="en-US" altLang="ko-KR" sz="1400" dirty="0"/>
-                        <a:t>   </a:t>
-                      </a:r>
-                      <a:r>
-                        <a:rPr lang="ko-KR" altLang="en-US" sz="1400" dirty="0"/>
-                        <a:t>├─ </a:t>
+                        <a:t>├─  </a:t>
                       </a:r>
                       <a:r>
                         <a:rPr lang="en-US" altLang="ko-KR" sz="1400" dirty="0" err="1"/>
@@ -9417,7 +8979,7 @@
                       </a:pPr>
                       <a:r>
                         <a:rPr lang="ko-KR" altLang="en-US" sz="1400" dirty="0"/>
-                        <a:t>   └──────테스트 이미지 </a:t>
+                        <a:t>                 └────테스트 이미지 </a:t>
                       </a:r>
                       <a:r>
                         <a:rPr lang="en-US" altLang="ko-KR" sz="1400" dirty="0"/>
@@ -9461,7 +9023,7 @@
         </p:nvCxnSpPr>
         <p:spPr>
           <a:xfrm>
-            <a:off x="9195591" y="4963034"/>
+            <a:off x="3171981" y="4688714"/>
             <a:ext cx="0" cy="402774"/>
           </a:xfrm>
           <a:prstGeom prst="straightConnector1">
@@ -9506,7 +9068,7 @@
         </p:nvSpPr>
         <p:spPr>
           <a:xfrm>
-            <a:off x="6725441" y="5420637"/>
+            <a:off x="701831" y="5146317"/>
             <a:ext cx="4940300" cy="1195708"/>
           </a:xfrm>
           <a:custGeom>
@@ -9677,7 +9239,7 @@
         </p:nvSpPr>
         <p:spPr>
           <a:xfrm>
-            <a:off x="6725441" y="5446037"/>
+            <a:off x="701831" y="5171717"/>
             <a:ext cx="4940300" cy="439149"/>
           </a:xfrm>
           <a:custGeom>
@@ -9866,13 +9428,13 @@
           <p:nvPr>
             <p:extLst>
               <p:ext uri="{D42A27DB-BD31-4B8C-83A1-F6EECF244321}">
-                <p14:modId xmlns:p14="http://schemas.microsoft.com/office/powerpoint/2010/main" val="4216118014"/>
+                <p14:modId xmlns:p14="http://schemas.microsoft.com/office/powerpoint/2010/main" val="3976004357"/>
               </p:ext>
             </p:extLst>
           </p:nvPr>
         </p:nvGraphicFramePr>
         <p:xfrm>
-          <a:off x="6725441" y="6034115"/>
+          <a:off x="701831" y="5759795"/>
           <a:ext cx="4940300" cy="518160"/>
         </p:xfrm>
         <a:graphic>
@@ -9966,7 +9528,7 @@
                       <a:pPr algn="ctr" latinLnBrk="1"/>
                       <a:r>
                         <a:rPr lang="en-US" altLang="ko-KR" sz="1400" dirty="0"/>
-                        <a:t>L4 GPU</a:t>
+                        <a:t>T4 GPU</a:t>
                       </a:r>
                       <a:endParaRPr lang="ko-KR" altLang="en-US" sz="1400" dirty="0"/>
                     </a:p>
@@ -9983,6 +9545,53 @@
           </a:graphicData>
         </a:graphic>
       </p:graphicFrame>
+      <p:cxnSp>
+        <p:nvCxnSpPr>
+          <p:cNvPr id="6" name="직선 화살표 연결선 5">
+            <a:extLst>
+              <a:ext uri="{FF2B5EF4-FFF2-40B4-BE49-F238E27FC236}">
+                <a16:creationId xmlns:a16="http://schemas.microsoft.com/office/drawing/2014/main" id="{5810B05E-1C32-D837-A126-F83613AD8460}"/>
+              </a:ext>
+            </a:extLst>
+          </p:cNvPr>
+          <p:cNvCxnSpPr>
+            <a:cxnSpLocks/>
+          </p:cNvCxnSpPr>
+          <p:nvPr/>
+        </p:nvCxnSpPr>
+        <p:spPr>
+          <a:xfrm flipV="1">
+            <a:off x="8984876" y="2066657"/>
+            <a:ext cx="0" cy="458163"/>
+          </a:xfrm>
+          <a:prstGeom prst="straightConnector1">
+            <a:avLst/>
+          </a:prstGeom>
+          <a:ln w="57150" cap="flat" cmpd="sng" algn="ctr">
+            <a:solidFill>
+              <a:srgbClr val="9F9E9F"/>
+            </a:solidFill>
+            <a:prstDash val="solid"/>
+            <a:round/>
+            <a:headEnd type="none" w="med" len="med"/>
+            <a:tailEnd type="arrow" w="med" len="med"/>
+          </a:ln>
+        </p:spPr>
+        <p:style>
+          <a:lnRef idx="0">
+            <a:scrgbClr r="0" g="0" b="0"/>
+          </a:lnRef>
+          <a:fillRef idx="0">
+            <a:scrgbClr r="0" g="0" b="0"/>
+          </a:fillRef>
+          <a:effectRef idx="0">
+            <a:scrgbClr r="0" g="0" b="0"/>
+          </a:effectRef>
+          <a:fontRef idx="minor">
+            <a:schemeClr val="tx1"/>
+          </a:fontRef>
+        </p:style>
+      </p:cxnSp>
     </p:spTree>
     <p:extLst>
       <p:ext uri="{BB962C8B-B14F-4D97-AF65-F5344CB8AC3E}">
@@ -10008,26 +9617,20 @@
 </p:sld>
 </file>
 
-<file path=ppt/slides/slide6.xml><?xml version="1.0" encoding="utf-8"?>
+<file path=ppt/slides/slide5.xml><?xml version="1.0" encoding="utf-8"?>
 <p:sld xmlns:a="http://schemas.openxmlformats.org/drawingml/2006/main" xmlns:r="http://schemas.openxmlformats.org/officeDocument/2006/relationships" xmlns:p="http://schemas.openxmlformats.org/presentationml/2006/main">
   <p:cSld>
     <p:bg>
       <p:bgPr>
         <a:solidFill>
-          <a:srgbClr val="E2E2E2"/>
+          <a:srgbClr val="E4E3E1"/>
         </a:solidFill>
         <a:effectLst/>
       </p:bgPr>
     </p:bg>
     <p:spTree>
       <p:nvGrpSpPr>
-        <p:cNvPr id="1" name="">
-          <a:extLst>
-            <a:ext uri="{FF2B5EF4-FFF2-40B4-BE49-F238E27FC236}">
-              <a16:creationId xmlns:a16="http://schemas.microsoft.com/office/drawing/2014/main" id="{31D63F21-C543-3AC4-9AD4-7B4DD19161CD}"/>
-            </a:ext>
-          </a:extLst>
-        </p:cNvPr>
+        <p:cNvPr id="1" name=""/>
         <p:cNvGrpSpPr/>
         <p:nvPr/>
       </p:nvGrpSpPr>
@@ -10039,12 +9642,250 @@
           <a:chExt cx="0" cy="0"/>
         </a:xfrm>
       </p:grpSpPr>
+      <p:cxnSp>
+        <p:nvCxnSpPr>
+          <p:cNvPr id="42" name="직선 연결선 41">
+            <a:extLst>
+              <a:ext uri="{FF2B5EF4-FFF2-40B4-BE49-F238E27FC236}">
+                <a16:creationId xmlns:a16="http://schemas.microsoft.com/office/drawing/2014/main" id="{49017637-A38F-21D0-CE12-8F5AA113B485}"/>
+              </a:ext>
+            </a:extLst>
+          </p:cNvPr>
+          <p:cNvCxnSpPr>
+            <a:cxnSpLocks/>
+          </p:cNvCxnSpPr>
+          <p:nvPr/>
+        </p:nvCxnSpPr>
+        <p:spPr>
+          <a:xfrm flipH="1">
+            <a:off x="6027715" y="3290730"/>
+            <a:ext cx="2874193" cy="695181"/>
+          </a:xfrm>
+          <a:prstGeom prst="line">
+            <a:avLst/>
+          </a:prstGeom>
+          <a:ln>
+            <a:solidFill>
+              <a:schemeClr val="tx2">
+                <a:lumMod val="60000"/>
+                <a:lumOff val="40000"/>
+              </a:schemeClr>
+            </a:solidFill>
+            <a:prstDash val="dash"/>
+          </a:ln>
+        </p:spPr>
+        <p:style>
+          <a:lnRef idx="1">
+            <a:schemeClr val="accent1"/>
+          </a:lnRef>
+          <a:fillRef idx="0">
+            <a:schemeClr val="accent1"/>
+          </a:fillRef>
+          <a:effectRef idx="0">
+            <a:schemeClr val="accent1"/>
+          </a:effectRef>
+          <a:fontRef idx="minor">
+            <a:schemeClr val="tx1"/>
+          </a:fontRef>
+        </p:style>
+      </p:cxnSp>
+      <p:cxnSp>
+        <p:nvCxnSpPr>
+          <p:cNvPr id="40" name="직선 연결선 39">
+            <a:extLst>
+              <a:ext uri="{FF2B5EF4-FFF2-40B4-BE49-F238E27FC236}">
+                <a16:creationId xmlns:a16="http://schemas.microsoft.com/office/drawing/2014/main" id="{C415FBA7-D211-66BB-51C3-8C9AD289DC14}"/>
+              </a:ext>
+            </a:extLst>
+          </p:cNvPr>
+          <p:cNvCxnSpPr>
+            <a:cxnSpLocks/>
+          </p:cNvCxnSpPr>
+          <p:nvPr/>
+        </p:nvCxnSpPr>
+        <p:spPr>
+          <a:xfrm flipH="1" flipV="1">
+            <a:off x="6080413" y="4007922"/>
+            <a:ext cx="1354207" cy="1300723"/>
+          </a:xfrm>
+          <a:prstGeom prst="line">
+            <a:avLst/>
+          </a:prstGeom>
+          <a:ln>
+            <a:solidFill>
+              <a:schemeClr val="tx2">
+                <a:lumMod val="60000"/>
+                <a:lumOff val="40000"/>
+              </a:schemeClr>
+            </a:solidFill>
+            <a:prstDash val="dash"/>
+          </a:ln>
+        </p:spPr>
+        <p:style>
+          <a:lnRef idx="1">
+            <a:schemeClr val="accent1"/>
+          </a:lnRef>
+          <a:fillRef idx="0">
+            <a:schemeClr val="accent1"/>
+          </a:fillRef>
+          <a:effectRef idx="0">
+            <a:schemeClr val="accent1"/>
+          </a:effectRef>
+          <a:fontRef idx="minor">
+            <a:schemeClr val="tx1"/>
+          </a:fontRef>
+        </p:style>
+      </p:cxnSp>
+      <p:cxnSp>
+        <p:nvCxnSpPr>
+          <p:cNvPr id="36" name="직선 연결선 35">
+            <a:extLst>
+              <a:ext uri="{FF2B5EF4-FFF2-40B4-BE49-F238E27FC236}">
+                <a16:creationId xmlns:a16="http://schemas.microsoft.com/office/drawing/2014/main" id="{6BE153EE-CB90-54FF-2BED-CED7384882FC}"/>
+              </a:ext>
+            </a:extLst>
+          </p:cNvPr>
+          <p:cNvCxnSpPr>
+            <a:cxnSpLocks/>
+            <a:endCxn id="21" idx="3"/>
+          </p:cNvCxnSpPr>
+          <p:nvPr/>
+        </p:nvCxnSpPr>
+        <p:spPr>
+          <a:xfrm flipH="1">
+            <a:off x="4092200" y="3997861"/>
+            <a:ext cx="1988213" cy="2172481"/>
+          </a:xfrm>
+          <a:prstGeom prst="line">
+            <a:avLst/>
+          </a:prstGeom>
+          <a:ln>
+            <a:solidFill>
+              <a:schemeClr val="tx2">
+                <a:lumMod val="60000"/>
+                <a:lumOff val="40000"/>
+              </a:schemeClr>
+            </a:solidFill>
+            <a:prstDash val="dash"/>
+          </a:ln>
+        </p:spPr>
+        <p:style>
+          <a:lnRef idx="1">
+            <a:schemeClr val="accent1"/>
+          </a:lnRef>
+          <a:fillRef idx="0">
+            <a:schemeClr val="accent1"/>
+          </a:fillRef>
+          <a:effectRef idx="0">
+            <a:schemeClr val="accent1"/>
+          </a:effectRef>
+          <a:fontRef idx="minor">
+            <a:schemeClr val="tx1"/>
+          </a:fontRef>
+        </p:style>
+      </p:cxnSp>
       <p:sp>
         <p:nvSpPr>
-          <p:cNvPr id="4" name="직사각형 3">
-            <a:extLst>
-              <a:ext uri="{FF2B5EF4-FFF2-40B4-BE49-F238E27FC236}">
-                <a16:creationId xmlns:a16="http://schemas.microsoft.com/office/drawing/2014/main" id="{1BCF2939-7696-59F4-ABA4-B5767A0CC23D}"/>
+          <p:cNvPr id="5" name="TextBox 4">
+            <a:extLst>
+              <a:ext uri="{FF2B5EF4-FFF2-40B4-BE49-F238E27FC236}">
+                <a16:creationId xmlns:a16="http://schemas.microsoft.com/office/drawing/2014/main" id="{B0BF8F17-9E56-462D-B8ED-980C1047873B}"/>
+              </a:ext>
+            </a:extLst>
+          </p:cNvPr>
+          <p:cNvSpPr txBox="1"/>
+          <p:nvPr/>
+        </p:nvSpPr>
+        <p:spPr>
+          <a:xfrm>
+            <a:off x="1676400" y="330200"/>
+            <a:ext cx="10102446" cy="584775"/>
+          </a:xfrm>
+          <a:prstGeom prst="rect">
+            <a:avLst/>
+          </a:prstGeom>
+          <a:noFill/>
+        </p:spPr>
+        <p:txBody>
+          <a:bodyPr wrap="none" rtlCol="0">
+            <a:spAutoFit/>
+          </a:bodyPr>
+          <a:lstStyle/>
+          <a:p>
+            <a:r>
+              <a:rPr lang="ko-KR" altLang="en-US" sz="3200" dirty="0">
+                <a:latin typeface="Noto Sans KR Black" panose="020B0200000000000000" pitchFamily="50" charset="-127"/>
+                <a:ea typeface="Noto Sans KR Black" panose="020B0200000000000000" pitchFamily="50" charset="-127"/>
+              </a:rPr>
+              <a:t>핵심 기능 및 아키텍처 </a:t>
+            </a:r>
+            <a:r>
+              <a:rPr lang="en-US" altLang="ko-KR" sz="3200" dirty="0">
+                <a:latin typeface="Noto Sans KR Black" panose="020B0200000000000000" pitchFamily="50" charset="-127"/>
+                <a:ea typeface="Noto Sans KR Black" panose="020B0200000000000000" pitchFamily="50" charset="-127"/>
+              </a:rPr>
+              <a:t>(Key Features &amp; Architecture)</a:t>
+            </a:r>
+            <a:endParaRPr lang="ko-KR" altLang="en-US" sz="3200" dirty="0">
+              <a:latin typeface="Noto Sans KR Black" panose="020B0200000000000000" pitchFamily="50" charset="-127"/>
+              <a:ea typeface="Noto Sans KR Black" panose="020B0200000000000000" pitchFamily="50" charset="-127"/>
+            </a:endParaRPr>
+          </a:p>
+        </p:txBody>
+      </p:sp>
+      <p:cxnSp>
+        <p:nvCxnSpPr>
+          <p:cNvPr id="17" name="직선 연결선 16">
+            <a:extLst>
+              <a:ext uri="{FF2B5EF4-FFF2-40B4-BE49-F238E27FC236}">
+                <a16:creationId xmlns:a16="http://schemas.microsoft.com/office/drawing/2014/main" id="{4639B0FA-CD0A-4165-A00B-863C15E63D9A}"/>
+              </a:ext>
+            </a:extLst>
+          </p:cNvPr>
+          <p:cNvCxnSpPr>
+            <a:cxnSpLocks/>
+          </p:cNvCxnSpPr>
+          <p:nvPr/>
+        </p:nvCxnSpPr>
+        <p:spPr>
+          <a:xfrm>
+            <a:off x="6080413" y="2759483"/>
+            <a:ext cx="0" cy="1228317"/>
+          </a:xfrm>
+          <a:prstGeom prst="line">
+            <a:avLst/>
+          </a:prstGeom>
+          <a:ln>
+            <a:solidFill>
+              <a:schemeClr val="tx2">
+                <a:lumMod val="60000"/>
+                <a:lumOff val="40000"/>
+              </a:schemeClr>
+            </a:solidFill>
+            <a:prstDash val="dash"/>
+          </a:ln>
+        </p:spPr>
+        <p:style>
+          <a:lnRef idx="1">
+            <a:schemeClr val="accent1"/>
+          </a:lnRef>
+          <a:fillRef idx="0">
+            <a:schemeClr val="accent1"/>
+          </a:fillRef>
+          <a:effectRef idx="0">
+            <a:schemeClr val="accent1"/>
+          </a:effectRef>
+          <a:fontRef idx="minor">
+            <a:schemeClr val="tx1"/>
+          </a:fontRef>
+        </p:style>
+      </p:cxnSp>
+      <p:sp>
+        <p:nvSpPr>
+          <p:cNvPr id="21" name="타원 20">
+            <a:extLst>
+              <a:ext uri="{FF2B5EF4-FFF2-40B4-BE49-F238E27FC236}">
+                <a16:creationId xmlns:a16="http://schemas.microsoft.com/office/drawing/2014/main" id="{BFEFF22A-BF61-4A4B-A2D1-5335C6116504}"/>
               </a:ext>
             </a:extLst>
           </p:cNvPr>
@@ -10053,10 +9894,651 @@
         </p:nvSpPr>
         <p:spPr>
           <a:xfrm>
-            <a:off x="734267" y="1014787"/>
-            <a:ext cx="9247933" cy="5411722"/>
+            <a:off x="3834635" y="4669141"/>
+            <a:ext cx="1758766" cy="1758766"/>
           </a:xfrm>
-          <a:prstGeom prst="rect">
+          <a:prstGeom prst="ellipse">
+            <a:avLst/>
+          </a:prstGeom>
+          <a:solidFill>
+            <a:srgbClr val="BD814F"/>
+          </a:solidFill>
+          <a:ln>
+            <a:noFill/>
+          </a:ln>
+        </p:spPr>
+        <p:style>
+          <a:lnRef idx="0">
+            <a:scrgbClr r="0" g="0" b="0"/>
+          </a:lnRef>
+          <a:fillRef idx="0">
+            <a:scrgbClr r="0" g="0" b="0"/>
+          </a:fillRef>
+          <a:effectRef idx="0">
+            <a:scrgbClr r="0" g="0" b="0"/>
+          </a:effectRef>
+          <a:fontRef idx="minor">
+            <a:schemeClr val="lt1"/>
+          </a:fontRef>
+        </p:style>
+        <p:txBody>
+          <a:bodyPr rtlCol="0" anchor="ctr"/>
+          <a:lstStyle/>
+          <a:p>
+            <a:pPr algn="ctr"/>
+            <a:r>
+              <a:rPr lang="en-US" altLang="ko-KR" sz="1600" dirty="0" err="1">
+                <a:solidFill>
+                  <a:schemeClr val="accent3">
+                    <a:lumMod val="40000"/>
+                    <a:lumOff val="60000"/>
+                  </a:schemeClr>
+                </a:solidFill>
+                <a:latin typeface="Noto Serif KR Black" panose="02020200000000000000" pitchFamily="18" charset="-127"/>
+                <a:ea typeface="Noto Serif KR Black" panose="02020200000000000000" pitchFamily="18" charset="-127"/>
+              </a:rPr>
+              <a:t>Streamlit</a:t>
+            </a:r>
+            <a:endParaRPr lang="en-US" altLang="ko-KR" sz="1600" dirty="0">
+              <a:solidFill>
+                <a:schemeClr val="accent3">
+                  <a:lumMod val="40000"/>
+                  <a:lumOff val="60000"/>
+                </a:schemeClr>
+              </a:solidFill>
+              <a:latin typeface="Noto Serif KR Black" panose="02020200000000000000" pitchFamily="18" charset="-127"/>
+              <a:ea typeface="Noto Serif KR Black" panose="02020200000000000000" pitchFamily="18" charset="-127"/>
+            </a:endParaRPr>
+          </a:p>
+          <a:p>
+            <a:pPr algn="ctr"/>
+            <a:r>
+              <a:rPr lang="ko-KR" altLang="en-US" dirty="0">
+                <a:solidFill>
+                  <a:schemeClr val="accent3">
+                    <a:lumMod val="40000"/>
+                    <a:lumOff val="60000"/>
+                  </a:schemeClr>
+                </a:solidFill>
+                <a:latin typeface="Noto Serif KR Black" panose="02020200000000000000" pitchFamily="18" charset="-127"/>
+                <a:ea typeface="Noto Serif KR Black" panose="02020200000000000000" pitchFamily="18" charset="-127"/>
+              </a:rPr>
+              <a:t>웹 애플리케이션</a:t>
+            </a:r>
+            <a:endParaRPr lang="ko-KR" altLang="en-US" dirty="0">
+              <a:solidFill>
+                <a:schemeClr val="accent3">
+                  <a:lumMod val="40000"/>
+                  <a:lumOff val="60000"/>
+                </a:schemeClr>
+              </a:solidFill>
+            </a:endParaRPr>
+          </a:p>
+        </p:txBody>
+      </p:sp>
+      <p:sp>
+        <p:nvSpPr>
+          <p:cNvPr id="22" name="타원 21">
+            <a:extLst>
+              <a:ext uri="{FF2B5EF4-FFF2-40B4-BE49-F238E27FC236}">
+                <a16:creationId xmlns:a16="http://schemas.microsoft.com/office/drawing/2014/main" id="{A98E62F9-FAF0-4F53-9004-1565CC2EAD15}"/>
+              </a:ext>
+            </a:extLst>
+          </p:cNvPr>
+          <p:cNvSpPr/>
+          <p:nvPr/>
+        </p:nvSpPr>
+        <p:spPr>
+          <a:xfrm>
+            <a:off x="5201030" y="1000717"/>
+            <a:ext cx="1758766" cy="1758766"/>
+          </a:xfrm>
+          <a:prstGeom prst="ellipse">
+            <a:avLst/>
+          </a:prstGeom>
+          <a:solidFill>
+            <a:srgbClr val="5F5F5F"/>
+          </a:solidFill>
+          <a:ln>
+            <a:noFill/>
+          </a:ln>
+        </p:spPr>
+        <p:style>
+          <a:lnRef idx="2">
+            <a:schemeClr val="accent1">
+              <a:shade val="50000"/>
+            </a:schemeClr>
+          </a:lnRef>
+          <a:fillRef idx="1">
+            <a:schemeClr val="accent1"/>
+          </a:fillRef>
+          <a:effectRef idx="0">
+            <a:schemeClr val="accent1"/>
+          </a:effectRef>
+          <a:fontRef idx="minor">
+            <a:schemeClr val="lt1"/>
+          </a:fontRef>
+        </p:style>
+        <p:txBody>
+          <a:bodyPr rtlCol="0" anchor="ctr"/>
+          <a:lstStyle/>
+          <a:p>
+            <a:pPr algn="ctr"/>
+            <a:r>
+              <a:rPr lang="ko-KR" altLang="en-US" sz="2000" dirty="0">
+                <a:solidFill>
+                  <a:schemeClr val="bg1">
+                    <a:lumMod val="95000"/>
+                  </a:schemeClr>
+                </a:solidFill>
+                <a:latin typeface="Noto Serif KR Black" panose="02020200000000000000" pitchFamily="18" charset="-127"/>
+                <a:ea typeface="Noto Serif KR Black" panose="02020200000000000000" pitchFamily="18" charset="-127"/>
+              </a:rPr>
+              <a:t>약물</a:t>
+            </a:r>
+            <a:endParaRPr lang="en-US" altLang="ko-KR" sz="2000" dirty="0">
+              <a:solidFill>
+                <a:schemeClr val="bg1">
+                  <a:lumMod val="95000"/>
+                </a:schemeClr>
+              </a:solidFill>
+              <a:latin typeface="Noto Serif KR Black" panose="02020200000000000000" pitchFamily="18" charset="-127"/>
+              <a:ea typeface="Noto Serif KR Black" panose="02020200000000000000" pitchFamily="18" charset="-127"/>
+            </a:endParaRPr>
+          </a:p>
+          <a:p>
+            <a:pPr algn="ctr"/>
+            <a:r>
+              <a:rPr lang="ko-KR" altLang="en-US" sz="2000" dirty="0">
+                <a:solidFill>
+                  <a:schemeClr val="bg1">
+                    <a:lumMod val="95000"/>
+                  </a:schemeClr>
+                </a:solidFill>
+                <a:latin typeface="Noto Serif KR Black" panose="02020200000000000000" pitchFamily="18" charset="-127"/>
+                <a:ea typeface="Noto Serif KR Black" panose="02020200000000000000" pitchFamily="18" charset="-127"/>
+              </a:rPr>
+              <a:t>탐지</a:t>
+            </a:r>
+            <a:endParaRPr lang="en-US" altLang="ko-KR" sz="2000" dirty="0">
+              <a:solidFill>
+                <a:schemeClr val="bg1">
+                  <a:lumMod val="95000"/>
+                </a:schemeClr>
+              </a:solidFill>
+              <a:latin typeface="Noto Serif KR Black" panose="02020200000000000000" pitchFamily="18" charset="-127"/>
+              <a:ea typeface="Noto Serif KR Black" panose="02020200000000000000" pitchFamily="18" charset="-127"/>
+            </a:endParaRPr>
+          </a:p>
+          <a:p>
+            <a:pPr algn="ctr"/>
+            <a:r>
+              <a:rPr lang="ko-KR" altLang="en-US" sz="2000" dirty="0">
+                <a:solidFill>
+                  <a:schemeClr val="bg1">
+                    <a:lumMod val="95000"/>
+                  </a:schemeClr>
+                </a:solidFill>
+                <a:latin typeface="Noto Serif KR Black" panose="02020200000000000000" pitchFamily="18" charset="-127"/>
+                <a:ea typeface="Noto Serif KR Black" panose="02020200000000000000" pitchFamily="18" charset="-127"/>
+              </a:rPr>
+              <a:t>기능</a:t>
+            </a:r>
+          </a:p>
+        </p:txBody>
+      </p:sp>
+      <p:sp>
+        <p:nvSpPr>
+          <p:cNvPr id="23" name="타원 22">
+            <a:extLst>
+              <a:ext uri="{FF2B5EF4-FFF2-40B4-BE49-F238E27FC236}">
+                <a16:creationId xmlns:a16="http://schemas.microsoft.com/office/drawing/2014/main" id="{09F5AAC3-9360-4876-A207-D33BD9520125}"/>
+              </a:ext>
+            </a:extLst>
+          </p:cNvPr>
+          <p:cNvSpPr/>
+          <p:nvPr/>
+        </p:nvSpPr>
+        <p:spPr>
+          <a:xfrm>
+            <a:off x="7434620" y="2232427"/>
+            <a:ext cx="1758766" cy="1758766"/>
+          </a:xfrm>
+          <a:prstGeom prst="ellipse">
+            <a:avLst/>
+          </a:prstGeom>
+          <a:solidFill>
+            <a:srgbClr val="D0A582"/>
+          </a:solidFill>
+          <a:ln>
+            <a:noFill/>
+          </a:ln>
+        </p:spPr>
+        <p:style>
+          <a:lnRef idx="2">
+            <a:schemeClr val="accent1">
+              <a:shade val="50000"/>
+            </a:schemeClr>
+          </a:lnRef>
+          <a:fillRef idx="1">
+            <a:schemeClr val="accent1"/>
+          </a:fillRef>
+          <a:effectRef idx="0">
+            <a:schemeClr val="accent1"/>
+          </a:effectRef>
+          <a:fontRef idx="minor">
+            <a:schemeClr val="lt1"/>
+          </a:fontRef>
+        </p:style>
+        <p:txBody>
+          <a:bodyPr rtlCol="0" anchor="ctr"/>
+          <a:lstStyle/>
+          <a:p>
+            <a:pPr algn="ctr"/>
+            <a:r>
+              <a:rPr lang="ko-KR" altLang="en-US" dirty="0">
+                <a:solidFill>
+                  <a:schemeClr val="accent2">
+                    <a:lumMod val="75000"/>
+                  </a:schemeClr>
+                </a:solidFill>
+                <a:latin typeface="Noto Serif KR Black" panose="02020200000000000000" pitchFamily="18" charset="-127"/>
+                <a:ea typeface="Noto Serif KR Black" panose="02020200000000000000" pitchFamily="18" charset="-127"/>
+              </a:rPr>
+              <a:t>데이터</a:t>
+            </a:r>
+            <a:endParaRPr lang="en-US" altLang="ko-KR" dirty="0">
+              <a:solidFill>
+                <a:schemeClr val="accent2">
+                  <a:lumMod val="75000"/>
+                </a:schemeClr>
+              </a:solidFill>
+              <a:latin typeface="Noto Serif KR Black" panose="02020200000000000000" pitchFamily="18" charset="-127"/>
+              <a:ea typeface="Noto Serif KR Black" panose="02020200000000000000" pitchFamily="18" charset="-127"/>
+            </a:endParaRPr>
+          </a:p>
+          <a:p>
+            <a:pPr algn="ctr"/>
+            <a:r>
+              <a:rPr lang="ko-KR" altLang="en-US" dirty="0">
+                <a:solidFill>
+                  <a:schemeClr val="accent2">
+                    <a:lumMod val="75000"/>
+                  </a:schemeClr>
+                </a:solidFill>
+                <a:latin typeface="Noto Serif KR Black" panose="02020200000000000000" pitchFamily="18" charset="-127"/>
+                <a:ea typeface="Noto Serif KR Black" panose="02020200000000000000" pitchFamily="18" charset="-127"/>
+              </a:rPr>
+              <a:t>분석</a:t>
+            </a:r>
+            <a:endParaRPr lang="en-US" altLang="ko-KR" dirty="0">
+              <a:solidFill>
+                <a:schemeClr val="accent2">
+                  <a:lumMod val="75000"/>
+                </a:schemeClr>
+              </a:solidFill>
+              <a:latin typeface="Noto Serif KR Black" panose="02020200000000000000" pitchFamily="18" charset="-127"/>
+              <a:ea typeface="Noto Serif KR Black" panose="02020200000000000000" pitchFamily="18" charset="-127"/>
+            </a:endParaRPr>
+          </a:p>
+          <a:p>
+            <a:pPr algn="ctr"/>
+            <a:r>
+              <a:rPr lang="en-US" altLang="ko-KR" dirty="0">
+                <a:solidFill>
+                  <a:schemeClr val="accent2">
+                    <a:lumMod val="75000"/>
+                  </a:schemeClr>
+                </a:solidFill>
+                <a:latin typeface="Noto Serif KR Black" panose="02020200000000000000" pitchFamily="18" charset="-127"/>
+                <a:ea typeface="Noto Serif KR Black" panose="02020200000000000000" pitchFamily="18" charset="-127"/>
+              </a:rPr>
+              <a:t>(EDA)</a:t>
+            </a:r>
+            <a:endParaRPr lang="ko-KR" altLang="en-US" dirty="0">
+              <a:solidFill>
+                <a:schemeClr val="accent2">
+                  <a:lumMod val="75000"/>
+                </a:schemeClr>
+              </a:solidFill>
+            </a:endParaRPr>
+          </a:p>
+        </p:txBody>
+      </p:sp>
+      <p:grpSp>
+        <p:nvGrpSpPr>
+          <p:cNvPr id="27" name="그룹 26">
+            <a:extLst>
+              <a:ext uri="{FF2B5EF4-FFF2-40B4-BE49-F238E27FC236}">
+                <a16:creationId xmlns:a16="http://schemas.microsoft.com/office/drawing/2014/main" id="{E7FDAE60-25D7-49E4-ABB4-96D73C6F33CF}"/>
+              </a:ext>
+            </a:extLst>
+          </p:cNvPr>
+          <p:cNvGrpSpPr/>
+          <p:nvPr/>
+        </p:nvGrpSpPr>
+        <p:grpSpPr>
+          <a:xfrm>
+            <a:off x="251060" y="1109873"/>
+            <a:ext cx="2795744" cy="1689535"/>
+            <a:chOff x="237769" y="4249825"/>
+            <a:chExt cx="2858426" cy="1614944"/>
+          </a:xfrm>
+        </p:grpSpPr>
+        <p:sp>
+          <p:nvSpPr>
+            <p:cNvPr id="28" name="TextBox 27">
+              <a:extLst>
+                <a:ext uri="{FF2B5EF4-FFF2-40B4-BE49-F238E27FC236}">
+                  <a16:creationId xmlns:a16="http://schemas.microsoft.com/office/drawing/2014/main" id="{C61D078D-E0B3-454F-AA4F-9C1EA0E80010}"/>
+                </a:ext>
+              </a:extLst>
+            </p:cNvPr>
+            <p:cNvSpPr txBox="1"/>
+            <p:nvPr/>
+          </p:nvSpPr>
+          <p:spPr>
+            <a:xfrm>
+              <a:off x="237769" y="4952785"/>
+              <a:ext cx="2858426" cy="911984"/>
+            </a:xfrm>
+            <a:prstGeom prst="rect">
+              <a:avLst/>
+            </a:prstGeom>
+            <a:noFill/>
+          </p:spPr>
+          <p:txBody>
+            <a:bodyPr wrap="square" rtlCol="0">
+              <a:spAutoFit/>
+            </a:bodyPr>
+            <a:lstStyle/>
+            <a:p>
+              <a:pPr algn="just"/>
+              <a:r>
+                <a:rPr lang="en-US" altLang="ko-KR" sz="1400" dirty="0"/>
+                <a:t>- YOLOv8n </a:t>
+              </a:r>
+              <a:r>
+                <a:rPr lang="ko-KR" altLang="en-US" sz="1400" dirty="0"/>
+                <a:t>을 활용한 약물 객체 탐지</a:t>
+              </a:r>
+              <a:endParaRPr lang="en-US" altLang="ko-KR" sz="1400" dirty="0"/>
+            </a:p>
+            <a:p>
+              <a:pPr algn="just"/>
+              <a:r>
+                <a:rPr lang="en-US" altLang="ko-KR" sz="1400" dirty="0"/>
+                <a:t>- </a:t>
+              </a:r>
+              <a:r>
+                <a:rPr lang="ko-KR" altLang="en-US" sz="1400" dirty="0"/>
+                <a:t>신뢰도 기반 </a:t>
+              </a:r>
+              <a:r>
+                <a:rPr lang="ko-KR" altLang="en-US" sz="1400" dirty="0" err="1"/>
+                <a:t>바운딩</a:t>
+              </a:r>
+              <a:r>
+                <a:rPr lang="ko-KR" altLang="en-US" sz="1400" dirty="0"/>
+                <a:t> 박스 및 생성 클래스 분류</a:t>
+              </a:r>
+            </a:p>
+          </p:txBody>
+        </p:sp>
+        <p:sp>
+          <p:nvSpPr>
+            <p:cNvPr id="29" name="TextBox 28">
+              <a:extLst>
+                <a:ext uri="{FF2B5EF4-FFF2-40B4-BE49-F238E27FC236}">
+                  <a16:creationId xmlns:a16="http://schemas.microsoft.com/office/drawing/2014/main" id="{BF3C959F-7B29-4F1E-94FE-C32622F1B681}"/>
+                </a:ext>
+              </a:extLst>
+            </p:cNvPr>
+            <p:cNvSpPr txBox="1"/>
+            <p:nvPr/>
+          </p:nvSpPr>
+          <p:spPr>
+            <a:xfrm>
+              <a:off x="473761" y="4249825"/>
+              <a:ext cx="2340739" cy="676634"/>
+            </a:xfrm>
+            <a:prstGeom prst="rect">
+              <a:avLst/>
+            </a:prstGeom>
+            <a:noFill/>
+            <a:ln>
+              <a:solidFill>
+                <a:schemeClr val="tx2">
+                  <a:lumMod val="60000"/>
+                  <a:lumOff val="40000"/>
+                </a:schemeClr>
+              </a:solidFill>
+            </a:ln>
+          </p:spPr>
+          <p:txBody>
+            <a:bodyPr wrap="none" rtlCol="0">
+              <a:spAutoFit/>
+            </a:bodyPr>
+            <a:lstStyle/>
+            <a:p>
+              <a:pPr algn="ctr"/>
+              <a:r>
+                <a:rPr lang="ko-KR" altLang="en-US" sz="2000" spc="-150" dirty="0">
+                  <a:solidFill>
+                    <a:schemeClr val="tx1">
+                      <a:lumMod val="75000"/>
+                      <a:lumOff val="25000"/>
+                    </a:schemeClr>
+                  </a:solidFill>
+                  <a:ea typeface="+mj-ea"/>
+                </a:rPr>
+                <a:t>약물 탐지 기능</a:t>
+              </a:r>
+              <a:endParaRPr lang="en-US" altLang="ko-KR" sz="2000" spc="-150" dirty="0">
+                <a:solidFill>
+                  <a:schemeClr val="tx1">
+                    <a:lumMod val="75000"/>
+                    <a:lumOff val="25000"/>
+                  </a:schemeClr>
+                </a:solidFill>
+                <a:ea typeface="+mj-ea"/>
+              </a:endParaRPr>
+            </a:p>
+            <a:p>
+              <a:pPr algn="ctr"/>
+              <a:r>
+                <a:rPr lang="en-US" altLang="ko-KR" sz="2000" spc="-150" dirty="0">
+                  <a:solidFill>
+                    <a:schemeClr val="tx1">
+                      <a:lumMod val="75000"/>
+                      <a:lumOff val="25000"/>
+                    </a:schemeClr>
+                  </a:solidFill>
+                  <a:ea typeface="+mj-ea"/>
+                </a:rPr>
+                <a:t>(Object Detection)</a:t>
+              </a:r>
+            </a:p>
+          </p:txBody>
+        </p:sp>
+      </p:grpSp>
+      <p:cxnSp>
+        <p:nvCxnSpPr>
+          <p:cNvPr id="2" name="직선 연결선 1">
+            <a:extLst>
+              <a:ext uri="{FF2B5EF4-FFF2-40B4-BE49-F238E27FC236}">
+                <a16:creationId xmlns:a16="http://schemas.microsoft.com/office/drawing/2014/main" id="{7007EA15-B6BE-7C6E-6460-6C171FDCC746}"/>
+              </a:ext>
+            </a:extLst>
+          </p:cNvPr>
+          <p:cNvCxnSpPr>
+            <a:cxnSpLocks/>
+            <a:endCxn id="7" idx="2"/>
+          </p:cNvCxnSpPr>
+          <p:nvPr/>
+        </p:nvCxnSpPr>
+        <p:spPr>
+          <a:xfrm flipH="1" flipV="1">
+            <a:off x="3096623" y="3277766"/>
+            <a:ext cx="2983790" cy="720095"/>
+          </a:xfrm>
+          <a:prstGeom prst="line">
+            <a:avLst/>
+          </a:prstGeom>
+          <a:ln>
+            <a:solidFill>
+              <a:schemeClr val="tx2">
+                <a:lumMod val="60000"/>
+                <a:lumOff val="40000"/>
+              </a:schemeClr>
+            </a:solidFill>
+            <a:prstDash val="dash"/>
+          </a:ln>
+        </p:spPr>
+        <p:style>
+          <a:lnRef idx="1">
+            <a:schemeClr val="accent1"/>
+          </a:lnRef>
+          <a:fillRef idx="0">
+            <a:schemeClr val="accent1"/>
+          </a:fillRef>
+          <a:effectRef idx="0">
+            <a:schemeClr val="accent1"/>
+          </a:effectRef>
+          <a:fontRef idx="minor">
+            <a:schemeClr val="tx1"/>
+          </a:fontRef>
+        </p:style>
+      </p:cxnSp>
+      <p:sp>
+        <p:nvSpPr>
+          <p:cNvPr id="7" name="타원 6">
+            <a:extLst>
+              <a:ext uri="{FF2B5EF4-FFF2-40B4-BE49-F238E27FC236}">
+                <a16:creationId xmlns:a16="http://schemas.microsoft.com/office/drawing/2014/main" id="{A1606E89-2E31-8892-822B-8C68780C2360}"/>
+              </a:ext>
+            </a:extLst>
+          </p:cNvPr>
+          <p:cNvSpPr/>
+          <p:nvPr/>
+        </p:nvSpPr>
+        <p:spPr>
+          <a:xfrm>
+            <a:off x="3096623" y="2398383"/>
+            <a:ext cx="1758766" cy="1758766"/>
+          </a:xfrm>
+          <a:prstGeom prst="ellipse">
+            <a:avLst/>
+          </a:prstGeom>
+          <a:solidFill>
+            <a:srgbClr val="704A2A"/>
+          </a:solidFill>
+          <a:ln>
+            <a:noFill/>
+          </a:ln>
+        </p:spPr>
+        <p:style>
+          <a:lnRef idx="2">
+            <a:schemeClr val="accent1">
+              <a:shade val="50000"/>
+            </a:schemeClr>
+          </a:lnRef>
+          <a:fillRef idx="1">
+            <a:schemeClr val="accent1"/>
+          </a:fillRef>
+          <a:effectRef idx="0">
+            <a:schemeClr val="accent1"/>
+          </a:effectRef>
+          <a:fontRef idx="minor">
+            <a:schemeClr val="lt1"/>
+          </a:fontRef>
+        </p:style>
+        <p:txBody>
+          <a:bodyPr rtlCol="0" anchor="ctr"/>
+          <a:lstStyle/>
+          <a:p>
+            <a:pPr algn="ctr"/>
+            <a:r>
+              <a:rPr lang="en-US" altLang="ko-KR" dirty="0">
+                <a:solidFill>
+                  <a:schemeClr val="bg1">
+                    <a:lumMod val="85000"/>
+                  </a:schemeClr>
+                </a:solidFill>
+                <a:latin typeface="Noto Serif KR Black" panose="02020200000000000000" pitchFamily="18" charset="-127"/>
+                <a:ea typeface="Noto Serif KR Black" panose="02020200000000000000" pitchFamily="18" charset="-127"/>
+              </a:rPr>
+              <a:t>GPT</a:t>
+            </a:r>
+          </a:p>
+          <a:p>
+            <a:pPr algn="ctr"/>
+            <a:r>
+              <a:rPr lang="ko-KR" altLang="en-US" dirty="0">
+                <a:solidFill>
+                  <a:schemeClr val="bg1">
+                    <a:lumMod val="85000"/>
+                  </a:schemeClr>
+                </a:solidFill>
+                <a:latin typeface="Noto Serif KR Black" panose="02020200000000000000" pitchFamily="18" charset="-127"/>
+                <a:ea typeface="Noto Serif KR Black" panose="02020200000000000000" pitchFamily="18" charset="-127"/>
+              </a:rPr>
+              <a:t>프롬프트</a:t>
+            </a:r>
+            <a:endParaRPr lang="en-US" altLang="ko-KR" dirty="0">
+              <a:solidFill>
+                <a:schemeClr val="bg1">
+                  <a:lumMod val="85000"/>
+                </a:schemeClr>
+              </a:solidFill>
+              <a:latin typeface="Noto Serif KR Black" panose="02020200000000000000" pitchFamily="18" charset="-127"/>
+              <a:ea typeface="Noto Serif KR Black" panose="02020200000000000000" pitchFamily="18" charset="-127"/>
+            </a:endParaRPr>
+          </a:p>
+          <a:p>
+            <a:pPr algn="ctr"/>
+            <a:r>
+              <a:rPr lang="ko-KR" altLang="en-US" sz="1600" dirty="0">
+                <a:solidFill>
+                  <a:schemeClr val="bg1">
+                    <a:lumMod val="85000"/>
+                  </a:schemeClr>
+                </a:solidFill>
+                <a:latin typeface="Noto Serif KR Black" panose="02020200000000000000" pitchFamily="18" charset="-127"/>
+                <a:ea typeface="Noto Serif KR Black" panose="02020200000000000000" pitchFamily="18" charset="-127"/>
+              </a:rPr>
+              <a:t>엔지니어링</a:t>
+            </a:r>
+            <a:endParaRPr lang="en-US" altLang="ko-KR" sz="1600" dirty="0">
+              <a:solidFill>
+                <a:schemeClr val="bg1">
+                  <a:lumMod val="85000"/>
+                </a:schemeClr>
+              </a:solidFill>
+              <a:latin typeface="Noto Serif KR Black" panose="02020200000000000000" pitchFamily="18" charset="-127"/>
+              <a:ea typeface="Noto Serif KR Black" panose="02020200000000000000" pitchFamily="18" charset="-127"/>
+            </a:endParaRPr>
+          </a:p>
+        </p:txBody>
+      </p:sp>
+      <p:sp>
+        <p:nvSpPr>
+          <p:cNvPr id="10" name="타원 9">
+            <a:extLst>
+              <a:ext uri="{FF2B5EF4-FFF2-40B4-BE49-F238E27FC236}">
+                <a16:creationId xmlns:a16="http://schemas.microsoft.com/office/drawing/2014/main" id="{F0B5EB50-8B36-3F40-B638-F70A5B61ABE0}"/>
+              </a:ext>
+            </a:extLst>
+          </p:cNvPr>
+          <p:cNvSpPr/>
+          <p:nvPr/>
+        </p:nvSpPr>
+        <p:spPr>
+          <a:xfrm>
+            <a:off x="6788838" y="4412977"/>
+            <a:ext cx="1758766" cy="1758766"/>
+          </a:xfrm>
+          <a:prstGeom prst="ellipse">
             <a:avLst/>
           </a:prstGeom>
           <a:solidFill>
@@ -10086,595 +10568,712 @@
           <a:bodyPr rtlCol="0" anchor="ctr"/>
           <a:lstStyle/>
           <a:p>
-            <a:r>
-              <a:rPr lang="ko-KR" altLang="en-US" sz="1600" dirty="0">
+            <a:pPr algn="ctr"/>
+            <a:r>
+              <a:rPr lang="ko-KR" altLang="en-US" dirty="0">
                 <a:solidFill>
-                  <a:srgbClr val="6C6969"/>
+                  <a:schemeClr val="tx2">
+                    <a:lumMod val="75000"/>
+                  </a:schemeClr>
                 </a:solidFill>
+                <a:latin typeface="Noto Serif KR Black" panose="02020200000000000000" pitchFamily="18" charset="-127"/>
+                <a:ea typeface="Noto Serif KR Black" panose="02020200000000000000" pitchFamily="18" charset="-127"/>
               </a:rPr>
-              <a:t> </a:t>
-            </a:r>
-            <a:r>
-              <a:rPr lang="en-US" altLang="ko-KR" sz="1600" dirty="0" err="1">
+              <a:t>자동화</a:t>
+            </a:r>
+            <a:endParaRPr lang="en-US" altLang="ko-KR" dirty="0">
+              <a:solidFill>
+                <a:schemeClr val="tx2">
+                  <a:lumMod val="75000"/>
+                </a:schemeClr>
+              </a:solidFill>
+              <a:latin typeface="Noto Serif KR Black" panose="02020200000000000000" pitchFamily="18" charset="-127"/>
+              <a:ea typeface="Noto Serif KR Black" panose="02020200000000000000" pitchFamily="18" charset="-127"/>
+            </a:endParaRPr>
+          </a:p>
+          <a:p>
+            <a:pPr algn="ctr"/>
+            <a:r>
+              <a:rPr lang="ko-KR" altLang="en-US" dirty="0">
                 <a:solidFill>
-                  <a:srgbClr val="6C6969"/>
+                  <a:schemeClr val="tx2">
+                    <a:lumMod val="75000"/>
+                  </a:schemeClr>
                 </a:solidFill>
+                <a:latin typeface="Noto Serif KR Black" panose="02020200000000000000" pitchFamily="18" charset="-127"/>
+                <a:ea typeface="Noto Serif KR Black" panose="02020200000000000000" pitchFamily="18" charset="-127"/>
               </a:rPr>
-              <a:t>EntryPrj</a:t>
-            </a:r>
-            <a:r>
-              <a:rPr lang="en-US" altLang="ko-KR" sz="1600" dirty="0">
+              <a:t>평가</a:t>
+            </a:r>
+            <a:endParaRPr lang="en-US" altLang="ko-KR" dirty="0">
+              <a:solidFill>
+                <a:schemeClr val="tx2">
+                  <a:lumMod val="75000"/>
+                </a:schemeClr>
+              </a:solidFill>
+              <a:latin typeface="Noto Serif KR Black" panose="02020200000000000000" pitchFamily="18" charset="-127"/>
+              <a:ea typeface="Noto Serif KR Black" panose="02020200000000000000" pitchFamily="18" charset="-127"/>
+            </a:endParaRPr>
+          </a:p>
+          <a:p>
+            <a:pPr algn="ctr"/>
+            <a:r>
+              <a:rPr lang="ko-KR" altLang="en-US" dirty="0">
                 <a:solidFill>
-                  <a:srgbClr val="6C6969"/>
+                  <a:schemeClr val="tx2">
+                    <a:lumMod val="75000"/>
+                  </a:schemeClr>
                 </a:solidFill>
+                <a:latin typeface="Noto Serif KR Black" panose="02020200000000000000" pitchFamily="18" charset="-127"/>
+                <a:ea typeface="Noto Serif KR Black" panose="02020200000000000000" pitchFamily="18" charset="-127"/>
               </a:rPr>
-              <a:t>/</a:t>
-            </a:r>
-          </a:p>
-          <a:p>
-            <a:r>
-              <a:rPr lang="en-US" altLang="ko-KR" sz="1600" dirty="0">
-                <a:solidFill>
-                  <a:srgbClr val="6C6969"/>
-                </a:solidFill>
-              </a:rPr>
-              <a:t>    │</a:t>
-            </a:r>
-          </a:p>
-          <a:p>
-            <a:r>
-              <a:rPr lang="en-US" altLang="ko-KR" sz="1600" dirty="0">
-                <a:solidFill>
-                  <a:srgbClr val="6C6969"/>
-                </a:solidFill>
-              </a:rPr>
-              <a:t>    ├── data/                  		  # </a:t>
-            </a:r>
-            <a:r>
-              <a:rPr lang="ko-KR" altLang="en-US" sz="1600" dirty="0">
-                <a:solidFill>
-                  <a:srgbClr val="6C6969"/>
-                </a:solidFill>
-              </a:rPr>
-              <a:t>데이터 디렉토리</a:t>
-            </a:r>
-          </a:p>
-          <a:p>
-            <a:r>
-              <a:rPr lang="ko-KR" altLang="en-US" sz="1600" dirty="0">
-                <a:solidFill>
-                  <a:srgbClr val="6C6969"/>
-                </a:solidFill>
-              </a:rPr>
-              <a:t>    │   ├── </a:t>
-            </a:r>
-            <a:r>
-              <a:rPr lang="en-US" altLang="ko-KR" sz="1600" dirty="0" err="1">
-                <a:solidFill>
-                  <a:srgbClr val="6C6969"/>
-                </a:solidFill>
-              </a:rPr>
-              <a:t>oraldrug</a:t>
-            </a:r>
-            <a:r>
-              <a:rPr lang="en-US" altLang="ko-KR" sz="1600" dirty="0">
-                <a:solidFill>
-                  <a:srgbClr val="6C6969"/>
-                </a:solidFill>
-              </a:rPr>
-              <a:t>/</a:t>
-            </a:r>
-          </a:p>
-          <a:p>
-            <a:r>
-              <a:rPr lang="en-US" altLang="ko-KR" sz="1600" dirty="0">
-                <a:solidFill>
-                  <a:srgbClr val="6C6969"/>
-                </a:solidFill>
-              </a:rPr>
-              <a:t>    │   │   ├── 4.drug_Augmentation/  # </a:t>
-            </a:r>
-            <a:r>
-              <a:rPr lang="ko-KR" altLang="en-US" sz="1600" dirty="0">
-                <a:solidFill>
-                  <a:srgbClr val="6C6969"/>
-                </a:solidFill>
-              </a:rPr>
-              <a:t>원본 이미지 </a:t>
-            </a:r>
-            <a:r>
-              <a:rPr lang="en-US" altLang="ko-KR" sz="1600" dirty="0">
-                <a:solidFill>
-                  <a:srgbClr val="6C6969"/>
-                </a:solidFill>
-              </a:rPr>
-              <a:t>+ </a:t>
-            </a:r>
-            <a:r>
-              <a:rPr lang="ko-KR" altLang="en-US" sz="1600" dirty="0" err="1">
-                <a:solidFill>
-                  <a:srgbClr val="6C6969"/>
-                </a:solidFill>
-              </a:rPr>
-              <a:t>어노테이션</a:t>
-            </a:r>
-            <a:r>
-              <a:rPr lang="ko-KR" altLang="en-US" sz="1600" dirty="0">
-                <a:solidFill>
-                  <a:srgbClr val="6C6969"/>
-                </a:solidFill>
-              </a:rPr>
-              <a:t> 없는 이미지 취합 데이터</a:t>
-            </a:r>
-          </a:p>
-          <a:p>
-            <a:r>
-              <a:rPr lang="ko-KR" altLang="en-US" sz="1600" dirty="0">
-                <a:solidFill>
-                  <a:srgbClr val="6C6969"/>
-                </a:solidFill>
-              </a:rPr>
-              <a:t>    │   │   │   ├── </a:t>
-            </a:r>
-            <a:r>
-              <a:rPr lang="en-US" altLang="ko-KR" sz="1600" dirty="0" err="1">
-                <a:solidFill>
-                  <a:srgbClr val="6C6969"/>
-                </a:solidFill>
-              </a:rPr>
-              <a:t>train_images</a:t>
-            </a:r>
-            <a:r>
-              <a:rPr lang="en-US" altLang="ko-KR" sz="1600" dirty="0">
-                <a:solidFill>
-                  <a:srgbClr val="6C6969"/>
-                </a:solidFill>
-              </a:rPr>
-              <a:t>/            # </a:t>
-            </a:r>
-            <a:r>
-              <a:rPr lang="ko-KR" altLang="en-US" sz="1600" dirty="0">
-                <a:solidFill>
-                  <a:srgbClr val="6C6969"/>
-                </a:solidFill>
-              </a:rPr>
-              <a:t>학습 이미지</a:t>
-            </a:r>
-          </a:p>
-          <a:p>
-            <a:r>
-              <a:rPr lang="ko-KR" altLang="en-US" sz="1600" dirty="0">
-                <a:solidFill>
-                  <a:srgbClr val="6C6969"/>
-                </a:solidFill>
-              </a:rPr>
-              <a:t>    │   │   │   └── </a:t>
-            </a:r>
-            <a:r>
-              <a:rPr lang="en-US" altLang="ko-KR" sz="1600" dirty="0" err="1">
-                <a:solidFill>
-                  <a:srgbClr val="6C6969"/>
-                </a:solidFill>
-              </a:rPr>
-              <a:t>train_annotations</a:t>
-            </a:r>
-            <a:r>
-              <a:rPr lang="en-US" altLang="ko-KR" sz="1600" dirty="0">
-                <a:solidFill>
-                  <a:srgbClr val="6C6969"/>
-                </a:solidFill>
-              </a:rPr>
-              <a:t>/   # </a:t>
-            </a:r>
-            <a:r>
-              <a:rPr lang="ko-KR" altLang="en-US" sz="1600" dirty="0" err="1">
-                <a:solidFill>
-                  <a:srgbClr val="6C6969"/>
-                </a:solidFill>
-              </a:rPr>
-              <a:t>어노테이션</a:t>
-            </a:r>
-            <a:endParaRPr lang="ko-KR" altLang="en-US" sz="1600" dirty="0">
+              <a:t>시스템</a:t>
+            </a:r>
+            <a:endParaRPr lang="ko-KR" altLang="en-US" dirty="0">
               <a:solidFill>
-                <a:srgbClr val="6C6969"/>
+                <a:schemeClr val="tx2">
+                  <a:lumMod val="75000"/>
+                </a:schemeClr>
               </a:solidFill>
             </a:endParaRPr>
           </a:p>
-          <a:p>
-            <a:r>
-              <a:rPr lang="ko-KR" altLang="en-US" sz="1600" dirty="0">
-                <a:solidFill>
-                  <a:srgbClr val="6C6969"/>
-                </a:solidFill>
-              </a:rPr>
-              <a:t>    │   │   └── </a:t>
-            </a:r>
-            <a:r>
-              <a:rPr lang="en-US" altLang="ko-KR" sz="1600" dirty="0" err="1">
-                <a:solidFill>
-                  <a:srgbClr val="6C6969"/>
-                </a:solidFill>
-              </a:rPr>
-              <a:t>test_images</a:t>
-            </a:r>
-            <a:r>
-              <a:rPr lang="en-US" altLang="ko-KR" sz="1600" dirty="0">
-                <a:solidFill>
-                  <a:srgbClr val="6C6969"/>
-                </a:solidFill>
-              </a:rPr>
-              <a:t>/                    # </a:t>
-            </a:r>
-            <a:r>
-              <a:rPr lang="ko-KR" altLang="en-US" sz="1600" dirty="0">
-                <a:solidFill>
-                  <a:srgbClr val="6C6969"/>
-                </a:solidFill>
-              </a:rPr>
-              <a:t>테스트 이미지</a:t>
-            </a:r>
-          </a:p>
-          <a:p>
-            <a:r>
-              <a:rPr lang="ko-KR" altLang="en-US" sz="1600" dirty="0">
-                <a:solidFill>
-                  <a:srgbClr val="6C6969"/>
-                </a:solidFill>
-              </a:rPr>
-              <a:t>    │   │	</a:t>
-            </a:r>
-          </a:p>
-          <a:p>
-            <a:r>
-              <a:rPr lang="ko-KR" altLang="en-US" sz="1600" dirty="0">
-                <a:solidFill>
-                  <a:srgbClr val="6C6969"/>
-                </a:solidFill>
-              </a:rPr>
-              <a:t>    │   ├── </a:t>
-            </a:r>
-            <a:r>
-              <a:rPr lang="en-US" altLang="ko-KR" sz="1600" dirty="0" err="1">
-                <a:solidFill>
-                  <a:srgbClr val="6C6969"/>
-                </a:solidFill>
-              </a:rPr>
-              <a:t>modelfiles</a:t>
-            </a:r>
-            <a:r>
-              <a:rPr lang="en-US" altLang="ko-KR" sz="1600" dirty="0">
-                <a:solidFill>
-                  <a:srgbClr val="6C6969"/>
-                </a:solidFill>
-              </a:rPr>
-              <a:t>/         	 # </a:t>
-            </a:r>
-            <a:r>
-              <a:rPr lang="ko-KR" altLang="en-US" sz="1600" dirty="0">
-                <a:solidFill>
-                  <a:srgbClr val="6C6969"/>
-                </a:solidFill>
-              </a:rPr>
-              <a:t>저장된 모델</a:t>
-            </a:r>
-          </a:p>
-          <a:p>
-            <a:r>
-              <a:rPr lang="ko-KR" altLang="en-US" sz="1600" dirty="0">
-                <a:solidFill>
-                  <a:srgbClr val="6C6969"/>
-                </a:solidFill>
-              </a:rPr>
-              <a:t>    │   │  	└── </a:t>
-            </a:r>
-            <a:r>
-              <a:rPr lang="en-US" altLang="ko-KR" sz="1600" dirty="0">
-                <a:solidFill>
-                  <a:srgbClr val="6C6969"/>
-                </a:solidFill>
-              </a:rPr>
-              <a:t>yolo_best.pt	 # </a:t>
-            </a:r>
-            <a:r>
-              <a:rPr lang="ko-KR" altLang="en-US" sz="1600" dirty="0">
-                <a:solidFill>
-                  <a:srgbClr val="6C6969"/>
-                </a:solidFill>
-              </a:rPr>
-              <a:t>베스트 모델 저장</a:t>
-            </a:r>
-          </a:p>
-          <a:p>
-            <a:r>
-              <a:rPr lang="ko-KR" altLang="en-US" sz="1600" dirty="0">
-                <a:solidFill>
-                  <a:srgbClr val="6C6969"/>
-                </a:solidFill>
-              </a:rPr>
-              <a:t>    │   └── </a:t>
-            </a:r>
-            <a:r>
-              <a:rPr lang="en-US" altLang="ko-KR" sz="1600" dirty="0">
-                <a:solidFill>
-                  <a:srgbClr val="6C6969"/>
-                </a:solidFill>
-              </a:rPr>
-              <a:t>submission/     	 # </a:t>
-            </a:r>
-            <a:r>
-              <a:rPr lang="ko-KR" altLang="en-US" sz="1600" dirty="0" err="1">
-                <a:solidFill>
-                  <a:srgbClr val="6C6969"/>
-                </a:solidFill>
-              </a:rPr>
-              <a:t>케글</a:t>
-            </a:r>
-            <a:r>
-              <a:rPr lang="ko-KR" altLang="en-US" sz="1600" dirty="0">
-                <a:solidFill>
-                  <a:srgbClr val="6C6969"/>
-                </a:solidFill>
-              </a:rPr>
-              <a:t> 제출 파일</a:t>
-            </a:r>
-            <a:endParaRPr lang="en-US" altLang="ko-KR" sz="1600" dirty="0">
-              <a:solidFill>
-                <a:srgbClr val="6C6969"/>
-              </a:solidFill>
-            </a:endParaRPr>
-          </a:p>
-          <a:p>
-            <a:r>
-              <a:rPr lang="ko-KR" altLang="en-US" sz="1600" dirty="0">
-                <a:solidFill>
-                  <a:srgbClr val="6C6969"/>
-                </a:solidFill>
-              </a:rPr>
-              <a:t>    │   	└── </a:t>
-            </a:r>
-            <a:r>
-              <a:rPr lang="en-US" altLang="ko-KR" sz="1600" b="1" dirty="0">
-                <a:solidFill>
-                  <a:srgbClr val="6C6969"/>
-                </a:solidFill>
-              </a:rPr>
-              <a:t>submission_*.csv 	 </a:t>
-            </a:r>
-            <a:r>
-              <a:rPr lang="en-US" altLang="ko-KR" sz="1600" dirty="0">
-                <a:solidFill>
-                  <a:srgbClr val="6C6969"/>
-                </a:solidFill>
-              </a:rPr>
-              <a:t># </a:t>
-            </a:r>
-            <a:r>
-              <a:rPr lang="ko-KR" altLang="en-US" sz="1600" dirty="0">
-                <a:solidFill>
-                  <a:srgbClr val="6C6969"/>
-                </a:solidFill>
-              </a:rPr>
-              <a:t>제출용 </a:t>
-            </a:r>
-            <a:r>
-              <a:rPr lang="en-US" altLang="ko-KR" sz="1600" dirty="0">
-                <a:solidFill>
-                  <a:srgbClr val="6C6969"/>
-                </a:solidFill>
-              </a:rPr>
-              <a:t>CSV</a:t>
-            </a:r>
-            <a:endParaRPr lang="ko-KR" altLang="en-US" sz="1600" dirty="0">
-              <a:solidFill>
-                <a:srgbClr val="6C6969"/>
-              </a:solidFill>
-            </a:endParaRPr>
-          </a:p>
-          <a:p>
-            <a:r>
-              <a:rPr lang="ko-KR" altLang="en-US" sz="1600" dirty="0">
-                <a:solidFill>
-                  <a:srgbClr val="6C6969"/>
-                </a:solidFill>
-              </a:rPr>
-              <a:t>    │	</a:t>
-            </a:r>
-          </a:p>
-          <a:p>
-            <a:r>
-              <a:rPr lang="ko-KR" altLang="en-US" sz="1600" dirty="0">
-                <a:solidFill>
-                  <a:srgbClr val="6C6969"/>
-                </a:solidFill>
-              </a:rPr>
-              <a:t>    ├── </a:t>
-            </a:r>
-            <a:r>
-              <a:rPr lang="en-US" altLang="ko-KR" sz="1600" dirty="0" err="1">
-                <a:solidFill>
-                  <a:srgbClr val="6C6969"/>
-                </a:solidFill>
-              </a:rPr>
-              <a:t>src</a:t>
-            </a:r>
-            <a:r>
-              <a:rPr lang="en-US" altLang="ko-KR" sz="1600" dirty="0">
-                <a:solidFill>
-                  <a:srgbClr val="6C6969"/>
-                </a:solidFill>
-              </a:rPr>
-              <a:t>/                    		# </a:t>
-            </a:r>
-            <a:r>
-              <a:rPr lang="ko-KR" altLang="en-US" sz="1600" dirty="0">
-                <a:solidFill>
-                  <a:srgbClr val="6C6969"/>
-                </a:solidFill>
-              </a:rPr>
-              <a:t>소스 코드</a:t>
-            </a:r>
-          </a:p>
-          <a:p>
-            <a:r>
-              <a:rPr lang="ko-KR" altLang="en-US" sz="1600" dirty="0">
-                <a:solidFill>
-                  <a:srgbClr val="6C6969"/>
-                </a:solidFill>
-              </a:rPr>
-              <a:t>    │   ├── </a:t>
-            </a:r>
-            <a:r>
-              <a:rPr lang="en-US" altLang="ko-KR" sz="1600" dirty="0">
-                <a:solidFill>
-                  <a:srgbClr val="6C6969"/>
-                </a:solidFill>
-              </a:rPr>
-              <a:t>A04.py         		# </a:t>
-            </a:r>
-            <a:r>
-              <a:rPr lang="ko-KR" altLang="en-US" sz="1600" dirty="0">
-                <a:solidFill>
-                  <a:srgbClr val="6C6969"/>
-                </a:solidFill>
-              </a:rPr>
-              <a:t>메인 학습 코드</a:t>
-            </a:r>
-          </a:p>
-          <a:p>
-            <a:r>
-              <a:rPr lang="ko-KR" altLang="en-US" sz="1600" dirty="0">
-                <a:solidFill>
-                  <a:srgbClr val="6C6969"/>
-                </a:solidFill>
-              </a:rPr>
-              <a:t>    │   ├── </a:t>
-            </a:r>
-            <a:r>
-              <a:rPr lang="en-US" altLang="ko-KR" sz="1600" dirty="0">
-                <a:solidFill>
-                  <a:srgbClr val="6C6969"/>
-                </a:solidFill>
-              </a:rPr>
-              <a:t>eda.py             		# </a:t>
-            </a:r>
-            <a:r>
-              <a:rPr lang="ko-KR" altLang="en-US" sz="1600" dirty="0">
-                <a:solidFill>
-                  <a:srgbClr val="6C6969"/>
-                </a:solidFill>
-              </a:rPr>
-              <a:t>데이터 분석</a:t>
-            </a:r>
-          </a:p>
-          <a:p>
-            <a:r>
-              <a:rPr lang="ko-KR" altLang="en-US" sz="1600" dirty="0">
-                <a:solidFill>
-                  <a:srgbClr val="6C6969"/>
-                </a:solidFill>
-              </a:rPr>
-              <a:t>    │   └── </a:t>
-            </a:r>
-            <a:r>
-              <a:rPr lang="en-US" altLang="ko-KR" sz="1600" dirty="0">
-                <a:solidFill>
-                  <a:srgbClr val="6C6969"/>
-                </a:solidFill>
-              </a:rPr>
-              <a:t>streamitService.py	# </a:t>
-            </a:r>
-            <a:r>
-              <a:rPr lang="en-US" altLang="ko-KR" sz="1600" dirty="0" err="1">
-                <a:solidFill>
-                  <a:srgbClr val="6C6969"/>
-                </a:solidFill>
-              </a:rPr>
-              <a:t>Streamlit</a:t>
-            </a:r>
-            <a:r>
-              <a:rPr lang="en-US" altLang="ko-KR" sz="1600" dirty="0">
-                <a:solidFill>
-                  <a:srgbClr val="6C6969"/>
-                </a:solidFill>
-              </a:rPr>
-              <a:t> </a:t>
-            </a:r>
-            <a:r>
-              <a:rPr lang="ko-KR" altLang="en-US" sz="1600" dirty="0">
-                <a:solidFill>
-                  <a:srgbClr val="6C6969"/>
-                </a:solidFill>
-              </a:rPr>
-              <a:t>앱</a:t>
-            </a:r>
-          </a:p>
-          <a:p>
-            <a:r>
-              <a:rPr lang="en-US" altLang="ko-KR" sz="1600" dirty="0">
-                <a:solidFill>
-                  <a:srgbClr val="6C6969"/>
-                </a:solidFill>
-              </a:rPr>
-              <a:t>    │</a:t>
-            </a:r>
-          </a:p>
-          <a:p>
-            <a:r>
-              <a:rPr lang="ko-KR" altLang="en-US" sz="1600" dirty="0">
-                <a:solidFill>
-                  <a:srgbClr val="6C6969"/>
-                </a:solidFill>
-              </a:rPr>
-              <a:t>    └──</a:t>
-            </a:r>
-            <a:r>
-              <a:rPr lang="en-US" altLang="ko-KR" sz="1600" dirty="0">
-                <a:solidFill>
-                  <a:srgbClr val="6C6969"/>
-                </a:solidFill>
-              </a:rPr>
-              <a:t>doc/ </a:t>
-            </a:r>
-          </a:p>
-          <a:p>
-            <a:r>
-              <a:rPr lang="ko-KR" altLang="en-US" sz="1600" dirty="0">
-                <a:solidFill>
-                  <a:srgbClr val="6C6969"/>
-                </a:solidFill>
-              </a:rPr>
-              <a:t>           └── </a:t>
-            </a:r>
-            <a:r>
-              <a:rPr lang="en-US" altLang="ko-KR" sz="1600" dirty="0">
-                <a:solidFill>
-                  <a:srgbClr val="6C6969"/>
-                </a:solidFill>
-              </a:rPr>
-              <a:t>report.pdf   		# </a:t>
-            </a:r>
-            <a:r>
-              <a:rPr lang="ko-KR" altLang="en-US" sz="1600" dirty="0">
-                <a:solidFill>
-                  <a:srgbClr val="6C6969"/>
-                </a:solidFill>
-              </a:rPr>
-              <a:t>프로젝트 리포트</a:t>
-            </a:r>
-            <a:endParaRPr lang="en-US" altLang="ko-KR" sz="1600" dirty="0">
-              <a:solidFill>
-                <a:srgbClr val="6C6969"/>
-              </a:solidFill>
-            </a:endParaRPr>
-          </a:p>
         </p:txBody>
       </p:sp>
+      <p:grpSp>
+        <p:nvGrpSpPr>
+          <p:cNvPr id="44" name="그룹 43">
+            <a:extLst>
+              <a:ext uri="{FF2B5EF4-FFF2-40B4-BE49-F238E27FC236}">
+                <a16:creationId xmlns:a16="http://schemas.microsoft.com/office/drawing/2014/main" id="{3F05768E-68BC-79A5-47A2-985EAA76E431}"/>
+              </a:ext>
+            </a:extLst>
+          </p:cNvPr>
+          <p:cNvGrpSpPr/>
+          <p:nvPr/>
+        </p:nvGrpSpPr>
+        <p:grpSpPr>
+          <a:xfrm>
+            <a:off x="275128" y="3057165"/>
+            <a:ext cx="2983791" cy="1222552"/>
+            <a:chOff x="258857" y="4249825"/>
+            <a:chExt cx="3050688" cy="1168576"/>
+          </a:xfrm>
+        </p:grpSpPr>
+        <p:sp>
+          <p:nvSpPr>
+            <p:cNvPr id="45" name="TextBox 44">
+              <a:extLst>
+                <a:ext uri="{FF2B5EF4-FFF2-40B4-BE49-F238E27FC236}">
+                  <a16:creationId xmlns:a16="http://schemas.microsoft.com/office/drawing/2014/main" id="{EDC9AA10-4D93-E06E-4431-CF59CBE3A97B}"/>
+                </a:ext>
+              </a:extLst>
+            </p:cNvPr>
+            <p:cNvSpPr txBox="1"/>
+            <p:nvPr/>
+          </p:nvSpPr>
+          <p:spPr>
+            <a:xfrm>
+              <a:off x="258857" y="4712349"/>
+              <a:ext cx="3050688" cy="706052"/>
+            </a:xfrm>
+            <a:prstGeom prst="rect">
+              <a:avLst/>
+            </a:prstGeom>
+            <a:noFill/>
+          </p:spPr>
+          <p:txBody>
+            <a:bodyPr wrap="square" rtlCol="0">
+              <a:spAutoFit/>
+            </a:bodyPr>
+            <a:lstStyle/>
+            <a:p>
+              <a:pPr marL="285750" indent="-285750" algn="just">
+                <a:buFontTx/>
+                <a:buChar char="-"/>
+              </a:pPr>
+              <a:r>
+                <a:rPr lang="ko-KR" altLang="en-US" sz="1400" dirty="0"/>
+                <a:t>약물 정보 설명</a:t>
+              </a:r>
+              <a:endParaRPr lang="en-US" altLang="ko-KR" sz="1400" dirty="0"/>
+            </a:p>
+            <a:p>
+              <a:pPr marL="285750" indent="-285750" algn="just">
+                <a:buFontTx/>
+                <a:buChar char="-"/>
+              </a:pPr>
+              <a:r>
+                <a:rPr lang="ko-KR" altLang="en-US" sz="1400" dirty="0"/>
+                <a:t>사용자 상황에 맞는 </a:t>
+              </a:r>
+              <a:r>
+                <a:rPr lang="en-US" altLang="ko-KR" sz="1400" dirty="0"/>
+                <a:t>1</a:t>
+              </a:r>
+              <a:r>
+                <a:rPr lang="ko-KR" altLang="en-US" sz="1400" dirty="0"/>
+                <a:t>차적 진단 가능</a:t>
+              </a:r>
+            </a:p>
+          </p:txBody>
+        </p:sp>
+        <p:sp>
+          <p:nvSpPr>
+            <p:cNvPr id="46" name="TextBox 45">
+              <a:extLst>
+                <a:ext uri="{FF2B5EF4-FFF2-40B4-BE49-F238E27FC236}">
+                  <a16:creationId xmlns:a16="http://schemas.microsoft.com/office/drawing/2014/main" id="{F2380329-F304-FBD5-40B2-7C73692793D2}"/>
+                </a:ext>
+              </a:extLst>
+            </p:cNvPr>
+            <p:cNvSpPr txBox="1"/>
+            <p:nvPr/>
+          </p:nvSpPr>
+          <p:spPr>
+            <a:xfrm>
+              <a:off x="431971" y="4249825"/>
+              <a:ext cx="2424324" cy="382445"/>
+            </a:xfrm>
+            <a:prstGeom prst="rect">
+              <a:avLst/>
+            </a:prstGeom>
+            <a:noFill/>
+            <a:ln>
+              <a:solidFill>
+                <a:schemeClr val="tx2">
+                  <a:lumMod val="60000"/>
+                  <a:lumOff val="40000"/>
+                </a:schemeClr>
+              </a:solidFill>
+            </a:ln>
+          </p:spPr>
+          <p:txBody>
+            <a:bodyPr wrap="none" rtlCol="0">
+              <a:spAutoFit/>
+            </a:bodyPr>
+            <a:lstStyle/>
+            <a:p>
+              <a:pPr algn="ctr"/>
+              <a:r>
+                <a:rPr lang="ko-KR" altLang="en-US" sz="2000" spc="-150" dirty="0">
+                  <a:solidFill>
+                    <a:schemeClr val="tx1">
+                      <a:lumMod val="75000"/>
+                      <a:lumOff val="25000"/>
+                    </a:schemeClr>
+                  </a:solidFill>
+                  <a:ea typeface="+mj-ea"/>
+                </a:rPr>
+                <a:t>프롬프트 엔지니어링</a:t>
+              </a:r>
+              <a:endParaRPr lang="en-US" altLang="ko-KR" sz="2000" spc="-150" dirty="0">
+                <a:solidFill>
+                  <a:schemeClr val="tx1">
+                    <a:lumMod val="75000"/>
+                    <a:lumOff val="25000"/>
+                  </a:schemeClr>
+                </a:solidFill>
+                <a:ea typeface="+mj-ea"/>
+              </a:endParaRPr>
+            </a:p>
+          </p:txBody>
+        </p:sp>
+      </p:grpSp>
+      <p:grpSp>
+        <p:nvGrpSpPr>
+          <p:cNvPr id="47" name="그룹 46">
+            <a:extLst>
+              <a:ext uri="{FF2B5EF4-FFF2-40B4-BE49-F238E27FC236}">
+                <a16:creationId xmlns:a16="http://schemas.microsoft.com/office/drawing/2014/main" id="{7B821CB1-0E6A-BC68-A08F-EC54EDB9F130}"/>
+              </a:ext>
+            </a:extLst>
+          </p:cNvPr>
+          <p:cNvGrpSpPr/>
+          <p:nvPr/>
+        </p:nvGrpSpPr>
+        <p:grpSpPr>
+          <a:xfrm>
+            <a:off x="251060" y="4968363"/>
+            <a:ext cx="2795745" cy="1439914"/>
+            <a:chOff x="258857" y="4249825"/>
+            <a:chExt cx="2858426" cy="1376342"/>
+          </a:xfrm>
+        </p:grpSpPr>
+        <p:sp>
+          <p:nvSpPr>
+            <p:cNvPr id="48" name="TextBox 47">
+              <a:extLst>
+                <a:ext uri="{FF2B5EF4-FFF2-40B4-BE49-F238E27FC236}">
+                  <a16:creationId xmlns:a16="http://schemas.microsoft.com/office/drawing/2014/main" id="{C31811E0-E159-BBAF-6A3E-448D678259A0}"/>
+                </a:ext>
+              </a:extLst>
+            </p:cNvPr>
+            <p:cNvSpPr txBox="1"/>
+            <p:nvPr/>
+          </p:nvSpPr>
+          <p:spPr>
+            <a:xfrm>
+              <a:off x="258857" y="4714184"/>
+              <a:ext cx="2858426" cy="911983"/>
+            </a:xfrm>
+            <a:prstGeom prst="rect">
+              <a:avLst/>
+            </a:prstGeom>
+            <a:noFill/>
+          </p:spPr>
+          <p:txBody>
+            <a:bodyPr wrap="square" rtlCol="0">
+              <a:spAutoFit/>
+            </a:bodyPr>
+            <a:lstStyle/>
+            <a:p>
+              <a:pPr marL="285750" indent="-285750" algn="just">
+                <a:buFontTx/>
+                <a:buChar char="-"/>
+              </a:pPr>
+              <a:r>
+                <a:rPr lang="en-US" altLang="ko-KR" sz="1400" dirty="0"/>
+                <a:t>Python </a:t>
+              </a:r>
+              <a:r>
+                <a:rPr lang="ko-KR" altLang="en-US" sz="1400" dirty="0"/>
+                <a:t>기반 데이터 중심 웹 애플리케이션</a:t>
+              </a:r>
+              <a:endParaRPr lang="en-US" altLang="ko-KR" sz="1400" dirty="0"/>
+            </a:p>
+            <a:p>
+              <a:pPr marL="285750" indent="-285750" algn="just">
+                <a:buFontTx/>
+                <a:buChar char="-"/>
+              </a:pPr>
+              <a:r>
+                <a:rPr lang="ko-KR" altLang="en-US" sz="1400" dirty="0"/>
+                <a:t>실시간 이미지 업로드 및 실 검증</a:t>
+              </a:r>
+              <a:endParaRPr lang="en-US" altLang="ko-KR" sz="1400" dirty="0"/>
+            </a:p>
+          </p:txBody>
+        </p:sp>
+        <p:sp>
+          <p:nvSpPr>
+            <p:cNvPr id="49" name="TextBox 48">
+              <a:extLst>
+                <a:ext uri="{FF2B5EF4-FFF2-40B4-BE49-F238E27FC236}">
+                  <a16:creationId xmlns:a16="http://schemas.microsoft.com/office/drawing/2014/main" id="{CDD7A3CE-C99B-F380-A25D-16EF81CA0683}"/>
+                </a:ext>
+              </a:extLst>
+            </p:cNvPr>
+            <p:cNvSpPr txBox="1"/>
+            <p:nvPr/>
+          </p:nvSpPr>
+          <p:spPr>
+            <a:xfrm>
+              <a:off x="1014617" y="4249825"/>
+              <a:ext cx="1259036" cy="382445"/>
+            </a:xfrm>
+            <a:prstGeom prst="rect">
+              <a:avLst/>
+            </a:prstGeom>
+            <a:noFill/>
+            <a:ln>
+              <a:solidFill>
+                <a:schemeClr val="tx2">
+                  <a:lumMod val="60000"/>
+                  <a:lumOff val="40000"/>
+                </a:schemeClr>
+              </a:solidFill>
+            </a:ln>
+          </p:spPr>
+          <p:txBody>
+            <a:bodyPr wrap="none" rtlCol="0">
+              <a:spAutoFit/>
+            </a:bodyPr>
+            <a:lstStyle/>
+            <a:p>
+              <a:pPr algn="ctr"/>
+              <a:r>
+                <a:rPr lang="en-US" altLang="ko-KR" sz="2000" spc="-150" dirty="0" err="1">
+                  <a:solidFill>
+                    <a:schemeClr val="tx1">
+                      <a:lumMod val="75000"/>
+                      <a:lumOff val="25000"/>
+                    </a:schemeClr>
+                  </a:solidFill>
+                  <a:ea typeface="+mj-ea"/>
+                </a:rPr>
+                <a:t>Streamlit</a:t>
+              </a:r>
+              <a:endParaRPr lang="en-US" altLang="ko-KR" sz="2000" spc="-150" dirty="0">
+                <a:solidFill>
+                  <a:schemeClr val="tx1">
+                    <a:lumMod val="75000"/>
+                    <a:lumOff val="25000"/>
+                  </a:schemeClr>
+                </a:solidFill>
+                <a:ea typeface="+mj-ea"/>
+              </a:endParaRPr>
+            </a:p>
+          </p:txBody>
+        </p:sp>
+      </p:grpSp>
+      <p:grpSp>
+        <p:nvGrpSpPr>
+          <p:cNvPr id="50" name="그룹 49">
+            <a:extLst>
+              <a:ext uri="{FF2B5EF4-FFF2-40B4-BE49-F238E27FC236}">
+                <a16:creationId xmlns:a16="http://schemas.microsoft.com/office/drawing/2014/main" id="{0D6D0B64-F683-BEF4-0450-44DF6D818B97}"/>
+              </a:ext>
+            </a:extLst>
+          </p:cNvPr>
+          <p:cNvGrpSpPr/>
+          <p:nvPr/>
+        </p:nvGrpSpPr>
+        <p:grpSpPr>
+          <a:xfrm>
+            <a:off x="8467594" y="1156201"/>
+            <a:ext cx="3079728" cy="1225064"/>
+            <a:chOff x="258857" y="4249825"/>
+            <a:chExt cx="2858426" cy="1170977"/>
+          </a:xfrm>
+        </p:grpSpPr>
+        <p:sp>
+          <p:nvSpPr>
+            <p:cNvPr id="51" name="TextBox 50">
+              <a:extLst>
+                <a:ext uri="{FF2B5EF4-FFF2-40B4-BE49-F238E27FC236}">
+                  <a16:creationId xmlns:a16="http://schemas.microsoft.com/office/drawing/2014/main" id="{1E6BCF8B-1590-6ED9-D71A-F117FCA97B59}"/>
+                </a:ext>
+              </a:extLst>
+            </p:cNvPr>
+            <p:cNvSpPr txBox="1"/>
+            <p:nvPr/>
+          </p:nvSpPr>
+          <p:spPr>
+            <a:xfrm>
+              <a:off x="258857" y="4714750"/>
+              <a:ext cx="2858426" cy="706052"/>
+            </a:xfrm>
+            <a:prstGeom prst="rect">
+              <a:avLst/>
+            </a:prstGeom>
+            <a:noFill/>
+          </p:spPr>
+          <p:txBody>
+            <a:bodyPr wrap="square" rtlCol="0">
+              <a:spAutoFit/>
+            </a:bodyPr>
+            <a:lstStyle/>
+            <a:p>
+              <a:pPr marL="285750" indent="-285750" algn="just">
+                <a:buFontTx/>
+                <a:buChar char="-"/>
+              </a:pPr>
+              <a:r>
+                <a:rPr lang="ko-KR" altLang="en-US" sz="1400" dirty="0"/>
+                <a:t>이미지</a:t>
+              </a:r>
+              <a:r>
+                <a:rPr lang="en-US" altLang="ko-KR" sz="1400" dirty="0"/>
+                <a:t> : </a:t>
+              </a:r>
+              <a:r>
+                <a:rPr lang="ko-KR" altLang="en-US" sz="1400" dirty="0" err="1"/>
+                <a:t>어노테이션</a:t>
+              </a:r>
+              <a:r>
+                <a:rPr lang="ko-KR" altLang="en-US" sz="1400" dirty="0"/>
+                <a:t> 매핑 분석</a:t>
+              </a:r>
+              <a:endParaRPr lang="en-US" altLang="ko-KR" sz="1400" dirty="0"/>
+            </a:p>
+            <a:p>
+              <a:pPr marL="285750" indent="-285750" algn="just">
+                <a:buFontTx/>
+                <a:buChar char="-"/>
+              </a:pPr>
+              <a:r>
+                <a:rPr lang="ko-KR" altLang="en-US" sz="1400" dirty="0"/>
+                <a:t>전수 식별을 통해 </a:t>
+              </a:r>
+              <a:r>
+                <a:rPr lang="en-US" altLang="ko-KR" sz="1400" dirty="0" err="1"/>
+                <a:t>bbox</a:t>
+              </a:r>
+              <a:r>
+                <a:rPr lang="en-US" altLang="ko-KR" sz="1400" dirty="0"/>
+                <a:t> </a:t>
+              </a:r>
+              <a:r>
+                <a:rPr lang="ko-KR" altLang="en-US" sz="1400" dirty="0"/>
+                <a:t>박스 및 약 이름 확인</a:t>
+              </a:r>
+              <a:r>
+                <a:rPr lang="en-US" altLang="ko-KR" sz="1400" dirty="0"/>
+                <a:t>(</a:t>
+              </a:r>
+              <a:r>
+                <a:rPr lang="ko-KR" altLang="en-US" sz="1400" dirty="0"/>
+                <a:t>약학 정보원</a:t>
+              </a:r>
+              <a:r>
+                <a:rPr lang="en-US" altLang="ko-KR" sz="1400" dirty="0"/>
+                <a:t>)</a:t>
+              </a:r>
+              <a:endParaRPr lang="ko-KR" altLang="en-US" sz="1400" dirty="0"/>
+            </a:p>
+          </p:txBody>
+        </p:sp>
+        <p:sp>
+          <p:nvSpPr>
+            <p:cNvPr id="52" name="TextBox 51">
+              <a:extLst>
+                <a:ext uri="{FF2B5EF4-FFF2-40B4-BE49-F238E27FC236}">
+                  <a16:creationId xmlns:a16="http://schemas.microsoft.com/office/drawing/2014/main" id="{FC85847D-7A37-CC5F-81E0-D1B7D2B2C61D}"/>
+                </a:ext>
+              </a:extLst>
+            </p:cNvPr>
+            <p:cNvSpPr txBox="1"/>
+            <p:nvPr/>
+          </p:nvSpPr>
+          <p:spPr>
+            <a:xfrm>
+              <a:off x="654345" y="4249825"/>
+              <a:ext cx="1979580" cy="382445"/>
+            </a:xfrm>
+            <a:prstGeom prst="rect">
+              <a:avLst/>
+            </a:prstGeom>
+            <a:noFill/>
+            <a:ln>
+              <a:solidFill>
+                <a:schemeClr val="tx2">
+                  <a:lumMod val="60000"/>
+                  <a:lumOff val="40000"/>
+                </a:schemeClr>
+              </a:solidFill>
+            </a:ln>
+          </p:spPr>
+          <p:txBody>
+            <a:bodyPr wrap="none" rtlCol="0">
+              <a:spAutoFit/>
+            </a:bodyPr>
+            <a:lstStyle/>
+            <a:p>
+              <a:pPr algn="ctr"/>
+              <a:r>
+                <a:rPr lang="ko-KR" altLang="en-US" sz="2000" spc="-150" dirty="0">
+                  <a:solidFill>
+                    <a:schemeClr val="tx1">
+                      <a:lumMod val="75000"/>
+                      <a:lumOff val="25000"/>
+                    </a:schemeClr>
+                  </a:solidFill>
+                  <a:ea typeface="+mj-ea"/>
+                </a:rPr>
+                <a:t>데이터 분석 </a:t>
+              </a:r>
+              <a:r>
+                <a:rPr lang="en-US" altLang="ko-KR" sz="2000" spc="-150" dirty="0">
+                  <a:solidFill>
+                    <a:schemeClr val="tx1">
+                      <a:lumMod val="75000"/>
+                      <a:lumOff val="25000"/>
+                    </a:schemeClr>
+                  </a:solidFill>
+                  <a:ea typeface="+mj-ea"/>
+                </a:rPr>
+                <a:t>(EDA)</a:t>
+              </a:r>
+            </a:p>
+          </p:txBody>
+        </p:sp>
+      </p:grpSp>
+      <p:grpSp>
+        <p:nvGrpSpPr>
+          <p:cNvPr id="53" name="그룹 52">
+            <a:extLst>
+              <a:ext uri="{FF2B5EF4-FFF2-40B4-BE49-F238E27FC236}">
+                <a16:creationId xmlns:a16="http://schemas.microsoft.com/office/drawing/2014/main" id="{4300549C-E4D0-42F1-8456-2D5973D6A282}"/>
+              </a:ext>
+            </a:extLst>
+          </p:cNvPr>
+          <p:cNvGrpSpPr/>
+          <p:nvPr/>
+        </p:nvGrpSpPr>
+        <p:grpSpPr>
+          <a:xfrm>
+            <a:off x="8595031" y="4580402"/>
+            <a:ext cx="3079728" cy="1176031"/>
+            <a:chOff x="212454" y="4249825"/>
+            <a:chExt cx="2858426" cy="1124109"/>
+          </a:xfrm>
+        </p:grpSpPr>
+        <p:sp>
+          <p:nvSpPr>
+            <p:cNvPr id="54" name="TextBox 53">
+              <a:extLst>
+                <a:ext uri="{FF2B5EF4-FFF2-40B4-BE49-F238E27FC236}">
+                  <a16:creationId xmlns:a16="http://schemas.microsoft.com/office/drawing/2014/main" id="{E8ED8CCD-D87E-320F-F633-566B456C9AAF}"/>
+                </a:ext>
+              </a:extLst>
+            </p:cNvPr>
+            <p:cNvSpPr txBox="1"/>
+            <p:nvPr/>
+          </p:nvSpPr>
+          <p:spPr>
+            <a:xfrm>
+              <a:off x="212454" y="4667882"/>
+              <a:ext cx="2858426" cy="706052"/>
+            </a:xfrm>
+            <a:prstGeom prst="rect">
+              <a:avLst/>
+            </a:prstGeom>
+            <a:noFill/>
+          </p:spPr>
+          <p:txBody>
+            <a:bodyPr wrap="square" rtlCol="0">
+              <a:spAutoFit/>
+            </a:bodyPr>
+            <a:lstStyle/>
+            <a:p>
+              <a:pPr marL="285750" indent="-285750" algn="just">
+                <a:buFontTx/>
+                <a:buChar char="-"/>
+              </a:pPr>
+              <a:r>
+                <a:rPr lang="en-US" altLang="ko-KR" sz="1400" dirty="0"/>
+                <a:t>Kaggle Submission </a:t>
+              </a:r>
+              <a:r>
+                <a:rPr lang="ko-KR" altLang="en-US" sz="1400" dirty="0"/>
+                <a:t>파일 생성</a:t>
+              </a:r>
+              <a:endParaRPr lang="en-US" altLang="ko-KR" sz="1400" dirty="0"/>
+            </a:p>
+            <a:p>
+              <a:pPr marL="285750" indent="-285750" algn="just">
+                <a:buFontTx/>
+                <a:buChar char="-"/>
+              </a:pPr>
+              <a:r>
+                <a:rPr lang="en-US" altLang="ko-KR" sz="1400" dirty="0" err="1"/>
+                <a:t>mAP</a:t>
+              </a:r>
+              <a:r>
+                <a:rPr lang="en-US" altLang="ko-KR" sz="1400" dirty="0"/>
+                <a:t>@[0.75:0.95] </a:t>
+              </a:r>
+              <a:r>
+                <a:rPr lang="ko-KR" altLang="en-US" sz="1400" dirty="0"/>
+                <a:t>평가 지표</a:t>
+              </a:r>
+              <a:r>
+                <a:rPr lang="en-US" altLang="ko-KR" sz="1400" dirty="0"/>
+                <a:t> </a:t>
+              </a:r>
+              <a:r>
+                <a:rPr lang="ko-KR" altLang="en-US" sz="1400" dirty="0"/>
+                <a:t>계산</a:t>
+              </a:r>
+            </a:p>
+          </p:txBody>
+        </p:sp>
+        <p:sp>
+          <p:nvSpPr>
+            <p:cNvPr id="55" name="TextBox 54">
+              <a:extLst>
+                <a:ext uri="{FF2B5EF4-FFF2-40B4-BE49-F238E27FC236}">
+                  <a16:creationId xmlns:a16="http://schemas.microsoft.com/office/drawing/2014/main" id="{B3D7A32B-E290-1EA7-60BC-E630A4E0F423}"/>
+                </a:ext>
+              </a:extLst>
+            </p:cNvPr>
+            <p:cNvSpPr txBox="1"/>
+            <p:nvPr/>
+          </p:nvSpPr>
+          <p:spPr>
+            <a:xfrm>
+              <a:off x="641946" y="4249825"/>
+              <a:ext cx="2004385" cy="382445"/>
+            </a:xfrm>
+            <a:prstGeom prst="rect">
+              <a:avLst/>
+            </a:prstGeom>
+            <a:noFill/>
+            <a:ln>
+              <a:solidFill>
+                <a:schemeClr val="tx2">
+                  <a:lumMod val="60000"/>
+                  <a:lumOff val="40000"/>
+                </a:schemeClr>
+              </a:solidFill>
+            </a:ln>
+          </p:spPr>
+          <p:txBody>
+            <a:bodyPr wrap="none" rtlCol="0">
+              <a:spAutoFit/>
+            </a:bodyPr>
+            <a:lstStyle/>
+            <a:p>
+              <a:pPr algn="ctr"/>
+              <a:r>
+                <a:rPr lang="ko-KR" altLang="en-US" sz="2000" spc="-150" dirty="0">
+                  <a:solidFill>
+                    <a:schemeClr val="tx1">
+                      <a:lumMod val="75000"/>
+                      <a:lumOff val="25000"/>
+                    </a:schemeClr>
+                  </a:solidFill>
+                  <a:latin typeface="+mj-ea"/>
+                  <a:ea typeface="+mj-ea"/>
+                </a:rPr>
+                <a:t>자동화</a:t>
+              </a:r>
+              <a:r>
+                <a:rPr lang="en-US" altLang="ko-KR" sz="2000" spc="-150" dirty="0">
+                  <a:solidFill>
+                    <a:schemeClr val="tx1">
+                      <a:lumMod val="75000"/>
+                      <a:lumOff val="25000"/>
+                    </a:schemeClr>
+                  </a:solidFill>
+                  <a:latin typeface="+mj-ea"/>
+                  <a:ea typeface="+mj-ea"/>
+                </a:rPr>
+                <a:t> </a:t>
+              </a:r>
+              <a:r>
+                <a:rPr lang="ko-KR" altLang="en-US" sz="2000" spc="-150" dirty="0">
+                  <a:solidFill>
+                    <a:schemeClr val="tx1">
+                      <a:lumMod val="75000"/>
+                      <a:lumOff val="25000"/>
+                    </a:schemeClr>
+                  </a:solidFill>
+                  <a:latin typeface="+mj-ea"/>
+                  <a:ea typeface="+mj-ea"/>
+                </a:rPr>
+                <a:t>평가 시스템</a:t>
+              </a:r>
+              <a:endParaRPr lang="en-US" altLang="ko-KR" sz="2000" spc="-150" dirty="0">
+                <a:solidFill>
+                  <a:schemeClr val="tx1">
+                    <a:lumMod val="75000"/>
+                    <a:lumOff val="25000"/>
+                  </a:schemeClr>
+                </a:solidFill>
+                <a:latin typeface="+mj-ea"/>
+                <a:ea typeface="+mj-ea"/>
+              </a:endParaRPr>
+            </a:p>
+          </p:txBody>
+        </p:sp>
+      </p:grpSp>
       <p:sp>
         <p:nvSpPr>
-          <p:cNvPr id="7" name="TextBox 6">
-            <a:extLst>
-              <a:ext uri="{FF2B5EF4-FFF2-40B4-BE49-F238E27FC236}">
-                <a16:creationId xmlns:a16="http://schemas.microsoft.com/office/drawing/2014/main" id="{43379FE6-EBE9-1B22-4498-5F1C3EE47A10}"/>
+          <p:cNvPr id="56" name="TextBox 55">
+            <a:extLst>
+              <a:ext uri="{FF2B5EF4-FFF2-40B4-BE49-F238E27FC236}">
+                <a16:creationId xmlns:a16="http://schemas.microsoft.com/office/drawing/2014/main" id="{0D6673E1-2552-D0C8-8777-1246E92991DE}"/>
               </a:ext>
             </a:extLst>
           </p:cNvPr>
@@ -10715,48 +11314,10 @@
       </p:sp>
       <p:cxnSp>
         <p:nvCxnSpPr>
-          <p:cNvPr id="8" name="직선 연결선 7">
-            <a:extLst>
-              <a:ext uri="{FF2B5EF4-FFF2-40B4-BE49-F238E27FC236}">
-                <a16:creationId xmlns:a16="http://schemas.microsoft.com/office/drawing/2014/main" id="{3D69672E-BFA7-7EAE-8FA9-E9520773E24F}"/>
-              </a:ext>
-            </a:extLst>
-          </p:cNvPr>
-          <p:cNvCxnSpPr>
-            <a:cxnSpLocks/>
-          </p:cNvCxnSpPr>
-          <p:nvPr/>
-        </p:nvCxnSpPr>
-        <p:spPr>
-          <a:xfrm>
-            <a:off x="152400" y="190500"/>
-            <a:ext cx="12039600" cy="0"/>
-          </a:xfrm>
-          <a:prstGeom prst="line">
-            <a:avLst/>
-          </a:prstGeom>
-        </p:spPr>
-        <p:style>
-          <a:lnRef idx="1">
-            <a:schemeClr val="accent1"/>
-          </a:lnRef>
-          <a:fillRef idx="0">
-            <a:schemeClr val="accent1"/>
-          </a:fillRef>
-          <a:effectRef idx="0">
-            <a:schemeClr val="accent1"/>
-          </a:effectRef>
-          <a:fontRef idx="minor">
-            <a:schemeClr val="tx1"/>
-          </a:fontRef>
-        </p:style>
-      </p:cxnSp>
-      <p:cxnSp>
-        <p:nvCxnSpPr>
-          <p:cNvPr id="9" name="직선 연결선 8">
-            <a:extLst>
-              <a:ext uri="{FF2B5EF4-FFF2-40B4-BE49-F238E27FC236}">
-                <a16:creationId xmlns:a16="http://schemas.microsoft.com/office/drawing/2014/main" id="{235D554D-4DEE-F8E3-276D-A81F7D80D6EB}"/>
+          <p:cNvPr id="57" name="직선 연결선 56">
+            <a:extLst>
+              <a:ext uri="{FF2B5EF4-FFF2-40B4-BE49-F238E27FC236}">
+                <a16:creationId xmlns:a16="http://schemas.microsoft.com/office/drawing/2014/main" id="{CE6EC796-227C-559F-2A8F-07B193B08CA8}"/>
               </a:ext>
             </a:extLst>
           </p:cNvPr>
@@ -10794,97 +11355,48 @@
           </a:fontRef>
         </p:style>
       </p:cxnSp>
-      <p:sp>
-        <p:nvSpPr>
-          <p:cNvPr id="17" name="TextBox 16">
-            <a:extLst>
-              <a:ext uri="{FF2B5EF4-FFF2-40B4-BE49-F238E27FC236}">
-                <a16:creationId xmlns:a16="http://schemas.microsoft.com/office/drawing/2014/main" id="{8FEF1A0D-99E0-FBE9-D57A-5CAD4C6EC375}"/>
-              </a:ext>
-            </a:extLst>
-          </p:cNvPr>
-          <p:cNvSpPr txBox="1"/>
+      <p:cxnSp>
+        <p:nvCxnSpPr>
+          <p:cNvPr id="60" name="직선 연결선 59">
+            <a:extLst>
+              <a:ext uri="{FF2B5EF4-FFF2-40B4-BE49-F238E27FC236}">
+                <a16:creationId xmlns:a16="http://schemas.microsoft.com/office/drawing/2014/main" id="{2214FCE8-DC9B-EDD3-81EE-96432A1326BD}"/>
+              </a:ext>
+            </a:extLst>
+          </p:cNvPr>
+          <p:cNvCxnSpPr>
+            <a:cxnSpLocks/>
+          </p:cNvCxnSpPr>
           <p:nvPr/>
-        </p:nvSpPr>
+        </p:nvCxnSpPr>
         <p:spPr>
           <a:xfrm>
-            <a:off x="1676400" y="330200"/>
-            <a:ext cx="10102446" cy="584775"/>
+            <a:off x="152400" y="190500"/>
+            <a:ext cx="12039600" cy="0"/>
           </a:xfrm>
-          <a:prstGeom prst="rect">
-            <a:avLst/>
-          </a:prstGeom>
-          <a:noFill/>
-        </p:spPr>
-        <p:txBody>
-          <a:bodyPr wrap="none" rtlCol="0">
-            <a:spAutoFit/>
-          </a:bodyPr>
-          <a:lstStyle/>
-          <a:p>
-            <a:r>
-              <a:rPr lang="ko-KR" altLang="en-US" sz="3200" dirty="0">
-                <a:latin typeface="Noto Sans KR Black" panose="020B0200000000000000" pitchFamily="50" charset="-127"/>
-                <a:ea typeface="Noto Sans KR Black" panose="020B0200000000000000" pitchFamily="50" charset="-127"/>
-              </a:rPr>
-              <a:t>핵심 기능 및 아키텍처 </a:t>
-            </a:r>
-            <a:r>
-              <a:rPr lang="en-US" altLang="ko-KR" sz="3200" dirty="0">
-                <a:latin typeface="Noto Sans KR Black" panose="020B0200000000000000" pitchFamily="50" charset="-127"/>
-                <a:ea typeface="Noto Sans KR Black" panose="020B0200000000000000" pitchFamily="50" charset="-127"/>
-              </a:rPr>
-              <a:t>(Key Features &amp; Architecture)</a:t>
-            </a:r>
-            <a:endParaRPr lang="ko-KR" altLang="en-US" sz="3200" dirty="0">
-              <a:latin typeface="Noto Sans KR Black" panose="020B0200000000000000" pitchFamily="50" charset="-127"/>
-              <a:ea typeface="Noto Sans KR Black" panose="020B0200000000000000" pitchFamily="50" charset="-127"/>
-            </a:endParaRPr>
-          </a:p>
-        </p:txBody>
-      </p:sp>
-      <p:pic>
-        <p:nvPicPr>
-          <p:cNvPr id="2" name="그림 1">
-            <a:extLst>
-              <a:ext uri="{FF2B5EF4-FFF2-40B4-BE49-F238E27FC236}">
-                <a16:creationId xmlns:a16="http://schemas.microsoft.com/office/drawing/2014/main" id="{9EAABD58-B35C-6576-B809-2D98FDDE3D93}"/>
-              </a:ext>
-            </a:extLst>
-          </p:cNvPr>
-          <p:cNvPicPr>
-            <a:picLocks noChangeAspect="1"/>
-          </p:cNvPicPr>
-          <p:nvPr/>
-        </p:nvPicPr>
-        <p:blipFill rotWithShape="1">
-          <a:blip r:embed="rId2" cstate="screen">
-            <a:alphaModFix amt="79000"/>
-            <a:extLst>
-              <a:ext uri="{28A0092B-C50C-407E-A947-70E740481C1C}">
-                <a14:useLocalDpi xmlns:a14="http://schemas.microsoft.com/office/drawing/2010/main" val="0"/>
-              </a:ext>
-            </a:extLst>
-          </a:blip>
-          <a:srcRect/>
-          <a:stretch>
-            <a:fillRect/>
-          </a:stretch>
-        </p:blipFill>
-        <p:spPr>
-          <a:xfrm>
-            <a:off x="8389856" y="1014787"/>
-            <a:ext cx="3503536" cy="5411722"/>
-          </a:xfrm>
-          <a:prstGeom prst="rect">
+          <a:prstGeom prst="line">
             <a:avLst/>
           </a:prstGeom>
         </p:spPr>
-      </p:pic>
+        <p:style>
+          <a:lnRef idx="1">
+            <a:schemeClr val="accent1"/>
+          </a:lnRef>
+          <a:fillRef idx="0">
+            <a:schemeClr val="accent1"/>
+          </a:fillRef>
+          <a:effectRef idx="0">
+            <a:schemeClr val="accent1"/>
+          </a:effectRef>
+          <a:fontRef idx="minor">
+            <a:schemeClr val="tx1"/>
+          </a:fontRef>
+        </p:style>
+      </p:cxnSp>
     </p:spTree>
     <p:extLst>
       <p:ext uri="{BB962C8B-B14F-4D97-AF65-F5344CB8AC3E}">
-        <p14:creationId xmlns:p14="http://schemas.microsoft.com/office/powerpoint/2010/main" val="3652385946"/>
+        <p14:creationId xmlns:p14="http://schemas.microsoft.com/office/powerpoint/2010/main" val="3816055464"/>
       </p:ext>
     </p:extLst>
   </p:cSld>
@@ -11138,4 +11650,319 @@
     </a:ext>
   </a:extLst>
 </a:theme>
+</file>
+
+<file path=ppt/theme/theme2.xml><?xml version="1.0" encoding="utf-8"?>
+<a:theme xmlns:a="http://schemas.openxmlformats.org/drawingml/2006/main" name="Office 테마">
+  <a:themeElements>
+    <a:clrScheme name="Office">
+      <a:dk1>
+        <a:sysClr val="windowText" lastClr="000000"/>
+      </a:dk1>
+      <a:lt1>
+        <a:sysClr val="window" lastClr="FFFFFF"/>
+      </a:lt1>
+      <a:dk2>
+        <a:srgbClr val="0E2841"/>
+      </a:dk2>
+      <a:lt2>
+        <a:srgbClr val="E8E8E8"/>
+      </a:lt2>
+      <a:accent1>
+        <a:srgbClr val="156082"/>
+      </a:accent1>
+      <a:accent2>
+        <a:srgbClr val="E97132"/>
+      </a:accent2>
+      <a:accent3>
+        <a:srgbClr val="196B24"/>
+      </a:accent3>
+      <a:accent4>
+        <a:srgbClr val="0F9ED5"/>
+      </a:accent4>
+      <a:accent5>
+        <a:srgbClr val="A02B93"/>
+      </a:accent5>
+      <a:accent6>
+        <a:srgbClr val="4EA72E"/>
+      </a:accent6>
+      <a:hlink>
+        <a:srgbClr val="467886"/>
+      </a:hlink>
+      <a:folHlink>
+        <a:srgbClr val="96607D"/>
+      </a:folHlink>
+    </a:clrScheme>
+    <a:fontScheme name="Office">
+      <a:majorFont>
+        <a:latin typeface="맑은 고딕" panose="02110004020202020204"/>
+        <a:ea typeface=""/>
+        <a:cs typeface=""/>
+        <a:font script="Jpan" typeface="游ゴシック Light"/>
+        <a:font script="Hang" typeface="맑은 고딕"/>
+        <a:font script="Hans" typeface="等线 Light"/>
+        <a:font script="Hant" typeface="新細明體"/>
+        <a:font script="Arab" typeface="Times New Roman"/>
+        <a:font script="Hebr" typeface="Times New Roman"/>
+        <a:font script="Thai" typeface="Angsana New"/>
+        <a:font script="Ethi" typeface="Nyala"/>
+        <a:font script="Beng" typeface="Vrinda"/>
+        <a:font script="Gujr" typeface="Shruti"/>
+        <a:font script="Khmr" typeface="MoolBoran"/>
+        <a:font script="Knda" typeface="Tunga"/>
+        <a:font script="Guru" typeface="Raavi"/>
+        <a:font script="Cans" typeface="Euphemia"/>
+        <a:font script="Cher" typeface="Plantagenet Cherokee"/>
+        <a:font script="Yiii" typeface="Microsoft Yi Baiti"/>
+        <a:font script="Tibt" typeface="Microsoft Himalaya"/>
+        <a:font script="Thaa" typeface="MV Boli"/>
+        <a:font script="Deva" typeface="Mangal"/>
+        <a:font script="Telu" typeface="Gautami"/>
+        <a:font script="Taml" typeface="Latha"/>
+        <a:font script="Syrc" typeface="Estrangelo Edessa"/>
+        <a:font script="Orya" typeface="Kalinga"/>
+        <a:font script="Mlym" typeface="Kartika"/>
+        <a:font script="Laoo" typeface="DokChampa"/>
+        <a:font script="Sinh" typeface="Iskoola Pota"/>
+        <a:font script="Mong" typeface="Mongolian Baiti"/>
+        <a:font script="Viet" typeface="Times New Roman"/>
+        <a:font script="Uigh" typeface="Microsoft Uighur"/>
+        <a:font script="Geor" typeface="Sylfaen"/>
+        <a:font script="Armn" typeface="Arial"/>
+        <a:font script="Bugi" typeface="Leelawadee UI"/>
+        <a:font script="Bopo" typeface="Microsoft JhengHei"/>
+        <a:font script="Java" typeface="Javanese Text"/>
+        <a:font script="Lisu" typeface="Segoe UI"/>
+        <a:font script="Mymr" typeface="Myanmar Text"/>
+        <a:font script="Nkoo" typeface="Ebrima"/>
+        <a:font script="Olck" typeface="Nirmala UI"/>
+        <a:font script="Osma" typeface="Ebrima"/>
+        <a:font script="Phag" typeface="Phagspa"/>
+        <a:font script="Syrn" typeface="Estrangelo Edessa"/>
+        <a:font script="Syrj" typeface="Estrangelo Edessa"/>
+        <a:font script="Syre" typeface="Estrangelo Edessa"/>
+        <a:font script="Sora" typeface="Nirmala UI"/>
+        <a:font script="Tale" typeface="Microsoft Tai Le"/>
+        <a:font script="Talu" typeface="Microsoft New Tai Lue"/>
+        <a:font script="Tfng" typeface="Ebrima"/>
+      </a:majorFont>
+      <a:minorFont>
+        <a:latin typeface="맑은 고딕" panose="02110004020202020204"/>
+        <a:ea typeface=""/>
+        <a:cs typeface=""/>
+        <a:font script="Jpan" typeface="游ゴシック"/>
+        <a:font script="Hang" typeface="맑은 고딕"/>
+        <a:font script="Hans" typeface="等线"/>
+        <a:font script="Hant" typeface="新細明體"/>
+        <a:font script="Arab" typeface="Arial"/>
+        <a:font script="Hebr" typeface="Arial"/>
+        <a:font script="Thai" typeface="Cordia New"/>
+        <a:font script="Ethi" typeface="Nyala"/>
+        <a:font script="Beng" typeface="Vrinda"/>
+        <a:font script="Gujr" typeface="Shruti"/>
+        <a:font script="Khmr" typeface="DaunPenh"/>
+        <a:font script="Knda" typeface="Tunga"/>
+        <a:font script="Guru" typeface="Raavi"/>
+        <a:font script="Cans" typeface="Euphemia"/>
+        <a:font script="Cher" typeface="Plantagenet Cherokee"/>
+        <a:font script="Yiii" typeface="Microsoft Yi Baiti"/>
+        <a:font script="Tibt" typeface="Microsoft Himalaya"/>
+        <a:font script="Thaa" typeface="MV Boli"/>
+        <a:font script="Deva" typeface="Mangal"/>
+        <a:font script="Telu" typeface="Gautami"/>
+        <a:font script="Taml" typeface="Latha"/>
+        <a:font script="Syrc" typeface="Estrangelo Edessa"/>
+        <a:font script="Orya" typeface="Kalinga"/>
+        <a:font script="Mlym" typeface="Kartika"/>
+        <a:font script="Laoo" typeface="DokChampa"/>
+        <a:font script="Sinh" typeface="Iskoola Pota"/>
+        <a:font script="Mong" typeface="Mongolian Baiti"/>
+        <a:font script="Viet" typeface="Arial"/>
+        <a:font script="Uigh" typeface="Microsoft Uighur"/>
+        <a:font script="Geor" typeface="Sylfaen"/>
+        <a:font script="Armn" typeface="Arial"/>
+        <a:font script="Bugi" typeface="Leelawadee UI"/>
+        <a:font script="Bopo" typeface="Microsoft JhengHei"/>
+        <a:font script="Java" typeface="Javanese Text"/>
+        <a:font script="Lisu" typeface="Segoe UI"/>
+        <a:font script="Mymr" typeface="Myanmar Text"/>
+        <a:font script="Nkoo" typeface="Ebrima"/>
+        <a:font script="Olck" typeface="Nirmala UI"/>
+        <a:font script="Osma" typeface="Ebrima"/>
+        <a:font script="Phag" typeface="Phagspa"/>
+        <a:font script="Syrn" typeface="Estrangelo Edessa"/>
+        <a:font script="Syrj" typeface="Estrangelo Edessa"/>
+        <a:font script="Syre" typeface="Estrangelo Edessa"/>
+        <a:font script="Sora" typeface="Nirmala UI"/>
+        <a:font script="Tale" typeface="Microsoft Tai Le"/>
+        <a:font script="Talu" typeface="Microsoft New Tai Lue"/>
+        <a:font script="Tfng" typeface="Ebrima"/>
+      </a:minorFont>
+    </a:fontScheme>
+    <a:fmtScheme name="Office">
+      <a:fillStyleLst>
+        <a:solidFill>
+          <a:schemeClr val="phClr"/>
+        </a:solidFill>
+        <a:gradFill rotWithShape="1">
+          <a:gsLst>
+            <a:gs pos="0">
+              <a:schemeClr val="phClr">
+                <a:lumMod val="110000"/>
+                <a:satMod val="105000"/>
+                <a:tint val="67000"/>
+              </a:schemeClr>
+            </a:gs>
+            <a:gs pos="50000">
+              <a:schemeClr val="phClr">
+                <a:lumMod val="105000"/>
+                <a:satMod val="103000"/>
+                <a:tint val="73000"/>
+              </a:schemeClr>
+            </a:gs>
+            <a:gs pos="100000">
+              <a:schemeClr val="phClr">
+                <a:lumMod val="105000"/>
+                <a:satMod val="109000"/>
+                <a:tint val="81000"/>
+              </a:schemeClr>
+            </a:gs>
+          </a:gsLst>
+          <a:lin ang="5400000" scaled="0"/>
+        </a:gradFill>
+        <a:gradFill rotWithShape="1">
+          <a:gsLst>
+            <a:gs pos="0">
+              <a:schemeClr val="phClr">
+                <a:satMod val="103000"/>
+                <a:lumMod val="102000"/>
+                <a:tint val="94000"/>
+              </a:schemeClr>
+            </a:gs>
+            <a:gs pos="50000">
+              <a:schemeClr val="phClr">
+                <a:satMod val="110000"/>
+                <a:lumMod val="100000"/>
+                <a:shade val="100000"/>
+              </a:schemeClr>
+            </a:gs>
+            <a:gs pos="100000">
+              <a:schemeClr val="phClr">
+                <a:lumMod val="99000"/>
+                <a:satMod val="120000"/>
+                <a:shade val="78000"/>
+              </a:schemeClr>
+            </a:gs>
+          </a:gsLst>
+          <a:lin ang="5400000" scaled="0"/>
+        </a:gradFill>
+      </a:fillStyleLst>
+      <a:lnStyleLst>
+        <a:ln w="12700" cap="flat" cmpd="sng" algn="ctr">
+          <a:solidFill>
+            <a:schemeClr val="phClr"/>
+          </a:solidFill>
+          <a:prstDash val="solid"/>
+          <a:miter lim="800000"/>
+        </a:ln>
+        <a:ln w="19050" cap="flat" cmpd="sng" algn="ctr">
+          <a:solidFill>
+            <a:schemeClr val="phClr"/>
+          </a:solidFill>
+          <a:prstDash val="solid"/>
+          <a:miter lim="800000"/>
+        </a:ln>
+        <a:ln w="25400" cap="flat" cmpd="sng" algn="ctr">
+          <a:solidFill>
+            <a:schemeClr val="phClr"/>
+          </a:solidFill>
+          <a:prstDash val="solid"/>
+          <a:miter lim="800000"/>
+        </a:ln>
+      </a:lnStyleLst>
+      <a:effectStyleLst>
+        <a:effectStyle>
+          <a:effectLst/>
+        </a:effectStyle>
+        <a:effectStyle>
+          <a:effectLst/>
+        </a:effectStyle>
+        <a:effectStyle>
+          <a:effectLst>
+            <a:outerShdw blurRad="57150" dist="19050" dir="5400000" algn="ctr" rotWithShape="0">
+              <a:srgbClr val="000000">
+                <a:alpha val="63000"/>
+              </a:srgbClr>
+            </a:outerShdw>
+          </a:effectLst>
+        </a:effectStyle>
+      </a:effectStyleLst>
+      <a:bgFillStyleLst>
+        <a:solidFill>
+          <a:schemeClr val="phClr"/>
+        </a:solidFill>
+        <a:solidFill>
+          <a:schemeClr val="phClr">
+            <a:tint val="95000"/>
+            <a:satMod val="170000"/>
+          </a:schemeClr>
+        </a:solidFill>
+        <a:gradFill rotWithShape="1">
+          <a:gsLst>
+            <a:gs pos="0">
+              <a:schemeClr val="phClr">
+                <a:tint val="93000"/>
+                <a:satMod val="150000"/>
+                <a:shade val="98000"/>
+                <a:lumMod val="102000"/>
+              </a:schemeClr>
+            </a:gs>
+            <a:gs pos="50000">
+              <a:schemeClr val="phClr">
+                <a:tint val="98000"/>
+                <a:satMod val="130000"/>
+                <a:shade val="90000"/>
+                <a:lumMod val="103000"/>
+              </a:schemeClr>
+            </a:gs>
+            <a:gs pos="100000">
+              <a:schemeClr val="phClr">
+                <a:shade val="63000"/>
+                <a:satMod val="120000"/>
+              </a:schemeClr>
+            </a:gs>
+          </a:gsLst>
+          <a:lin ang="5400000" scaled="0"/>
+        </a:gradFill>
+      </a:bgFillStyleLst>
+    </a:fmtScheme>
+  </a:themeElements>
+  <a:objectDefaults>
+    <a:lnDef>
+      <a:spPr/>
+      <a:bodyPr/>
+      <a:lstStyle/>
+      <a:style>
+        <a:lnRef idx="2">
+          <a:schemeClr val="accent1"/>
+        </a:lnRef>
+        <a:fillRef idx="0">
+          <a:schemeClr val="accent1"/>
+        </a:fillRef>
+        <a:effectRef idx="1">
+          <a:schemeClr val="accent1"/>
+        </a:effectRef>
+        <a:fontRef idx="minor">
+          <a:schemeClr val="tx1"/>
+        </a:fontRef>
+      </a:style>
+    </a:lnDef>
+  </a:objectDefaults>
+  <a:extraClrSchemeLst/>
+  <a:extLst>
+    <a:ext uri="{05A4C25C-085E-4340-85A3-A5531E510DB2}">
+      <thm15:themeFamily xmlns:thm15="http://schemas.microsoft.com/office/thememl/2012/main" name="Office Theme" id="{2E142A2C-CD16-42D6-873A-C26D2A0506FA}" vid="{1BDDFF52-6CD6-40A5-AB3C-68EB2F1E4D0A}"/>
+    </a:ext>
+  </a:extLst>
+</a:theme>
 </file>
--- a/files/Best_One_Team_project.pptx
+++ b/files/Best_One_Team_project.pptx
@@ -335,7 +335,7 @@
           <a:p>
             <a:fld id="{E618D0E4-191E-4D0B-9507-F1CD21D826BC}" type="datetimeFigureOut">
               <a:rPr lang="ko-KR" altLang="en-US" smtClean="0"/>
-              <a:t>2025-12-18</a:t>
+              <a:t>2025-12-23</a:t>
             </a:fld>
             <a:endParaRPr lang="ko-KR" altLang="en-US"/>
           </a:p>
@@ -1828,7 +1828,7 @@
           <a:p>
             <a:fld id="{246E467A-4026-4A8D-97BF-715EF7FA6491}" type="datetimeFigureOut">
               <a:rPr lang="ko-KR" altLang="en-US" smtClean="0"/>
-              <a:t>2025-12-18</a:t>
+              <a:t>2025-12-23</a:t>
             </a:fld>
             <a:endParaRPr lang="ko-KR" altLang="en-US"/>
           </a:p>
@@ -2026,7 +2026,7 @@
           <a:p>
             <a:fld id="{246E467A-4026-4A8D-97BF-715EF7FA6491}" type="datetimeFigureOut">
               <a:rPr lang="ko-KR" altLang="en-US" smtClean="0"/>
-              <a:t>2025-12-18</a:t>
+              <a:t>2025-12-23</a:t>
             </a:fld>
             <a:endParaRPr lang="ko-KR" altLang="en-US"/>
           </a:p>
@@ -2234,7 +2234,7 @@
           <a:p>
             <a:fld id="{246E467A-4026-4A8D-97BF-715EF7FA6491}" type="datetimeFigureOut">
               <a:rPr lang="ko-KR" altLang="en-US" smtClean="0"/>
-              <a:t>2025-12-18</a:t>
+              <a:t>2025-12-23</a:t>
             </a:fld>
             <a:endParaRPr lang="ko-KR" altLang="en-US"/>
           </a:p>
@@ -2432,7 +2432,7 @@
           <a:p>
             <a:fld id="{246E467A-4026-4A8D-97BF-715EF7FA6491}" type="datetimeFigureOut">
               <a:rPr lang="ko-KR" altLang="en-US" smtClean="0"/>
-              <a:t>2025-12-18</a:t>
+              <a:t>2025-12-23</a:t>
             </a:fld>
             <a:endParaRPr lang="ko-KR" altLang="en-US"/>
           </a:p>
@@ -2707,7 +2707,7 @@
           <a:p>
             <a:fld id="{246E467A-4026-4A8D-97BF-715EF7FA6491}" type="datetimeFigureOut">
               <a:rPr lang="ko-KR" altLang="en-US" smtClean="0"/>
-              <a:t>2025-12-18</a:t>
+              <a:t>2025-12-23</a:t>
             </a:fld>
             <a:endParaRPr lang="ko-KR" altLang="en-US"/>
           </a:p>
@@ -2972,7 +2972,7 @@
           <a:p>
             <a:fld id="{246E467A-4026-4A8D-97BF-715EF7FA6491}" type="datetimeFigureOut">
               <a:rPr lang="ko-KR" altLang="en-US" smtClean="0"/>
-              <a:t>2025-12-18</a:t>
+              <a:t>2025-12-23</a:t>
             </a:fld>
             <a:endParaRPr lang="ko-KR" altLang="en-US"/>
           </a:p>
@@ -3384,7 +3384,7 @@
           <a:p>
             <a:fld id="{246E467A-4026-4A8D-97BF-715EF7FA6491}" type="datetimeFigureOut">
               <a:rPr lang="ko-KR" altLang="en-US" smtClean="0"/>
-              <a:t>2025-12-18</a:t>
+              <a:t>2025-12-23</a:t>
             </a:fld>
             <a:endParaRPr lang="ko-KR" altLang="en-US"/>
           </a:p>
@@ -3525,7 +3525,7 @@
           <a:p>
             <a:fld id="{246E467A-4026-4A8D-97BF-715EF7FA6491}" type="datetimeFigureOut">
               <a:rPr lang="ko-KR" altLang="en-US" smtClean="0"/>
-              <a:t>2025-12-18</a:t>
+              <a:t>2025-12-23</a:t>
             </a:fld>
             <a:endParaRPr lang="ko-KR" altLang="en-US"/>
           </a:p>
@@ -3638,7 +3638,7 @@
           <a:p>
             <a:fld id="{246E467A-4026-4A8D-97BF-715EF7FA6491}" type="datetimeFigureOut">
               <a:rPr lang="ko-KR" altLang="en-US" smtClean="0"/>
-              <a:t>2025-12-18</a:t>
+              <a:t>2025-12-23</a:t>
             </a:fld>
             <a:endParaRPr lang="ko-KR" altLang="en-US"/>
           </a:p>
@@ -3949,7 +3949,7 @@
           <a:p>
             <a:fld id="{246E467A-4026-4A8D-97BF-715EF7FA6491}" type="datetimeFigureOut">
               <a:rPr lang="ko-KR" altLang="en-US" smtClean="0"/>
-              <a:t>2025-12-18</a:t>
+              <a:t>2025-12-23</a:t>
             </a:fld>
             <a:endParaRPr lang="ko-KR" altLang="en-US"/>
           </a:p>
@@ -4237,7 +4237,7 @@
           <a:p>
             <a:fld id="{246E467A-4026-4A8D-97BF-715EF7FA6491}" type="datetimeFigureOut">
               <a:rPr lang="ko-KR" altLang="en-US" smtClean="0"/>
-              <a:t>2025-12-18</a:t>
+              <a:t>2025-12-23</a:t>
             </a:fld>
             <a:endParaRPr lang="ko-KR" altLang="en-US"/>
           </a:p>
@@ -4478,7 +4478,7 @@
           <a:p>
             <a:fld id="{246E467A-4026-4A8D-97BF-715EF7FA6491}" type="datetimeFigureOut">
               <a:rPr lang="ko-KR" altLang="en-US" smtClean="0"/>
-              <a:t>2025-12-18</a:t>
+              <a:t>2025-12-23</a:t>
             </a:fld>
             <a:endParaRPr lang="ko-KR" altLang="en-US"/>
           </a:p>
@@ -5314,7 +5314,7 @@
         <p:spPr>
           <a:xfrm>
             <a:off x="400050" y="1238250"/>
-            <a:ext cx="4110421" cy="4832092"/>
+            <a:ext cx="4160113" cy="4832092"/>
           </a:xfrm>
           <a:prstGeom prst="rect">
             <a:avLst/>
@@ -5439,11 +5439,39 @@
               <a:t>5. </a:t>
             </a:r>
             <a:r>
+              <a:rPr lang="en-US" altLang="ko-KR" sz="2800" dirty="0" err="1">
+                <a:latin typeface="Noto Serif KR Black" panose="02020200000000000000" pitchFamily="18" charset="-127"/>
+                <a:ea typeface="Noto Serif KR Black" panose="02020200000000000000" pitchFamily="18" charset="-127"/>
+              </a:rPr>
+              <a:t>eda</a:t>
+            </a:r>
+            <a:r>
+              <a:rPr lang="en-US" altLang="ko-KR" sz="2800" dirty="0">
+                <a:latin typeface="Noto Serif KR Black" panose="02020200000000000000" pitchFamily="18" charset="-127"/>
+                <a:ea typeface="Noto Serif KR Black" panose="02020200000000000000" pitchFamily="18" charset="-127"/>
+              </a:rPr>
+              <a:t> </a:t>
+            </a:r>
+            <a:r>
               <a:rPr lang="ko-KR" altLang="en-US" sz="2800" dirty="0">
                 <a:latin typeface="Noto Serif KR Black" panose="02020200000000000000" pitchFamily="18" charset="-127"/>
                 <a:ea typeface="Noto Serif KR Black" panose="02020200000000000000" pitchFamily="18" charset="-127"/>
               </a:rPr>
-              <a:t>결과 및 시연</a:t>
+              <a:t>시연 </a:t>
+            </a:r>
+            <a:r>
+              <a:rPr lang="en-US" altLang="ko-KR" sz="2800" dirty="0">
+                <a:latin typeface="Noto Serif KR Black" panose="02020200000000000000" pitchFamily="18" charset="-127"/>
+                <a:ea typeface="Noto Serif KR Black" panose="02020200000000000000" pitchFamily="18" charset="-127"/>
+              </a:rPr>
+              <a:t>&amp; </a:t>
+            </a:r>
+            <a:r>
+              <a:rPr lang="ko-KR" altLang="en-US" sz="2800" dirty="0">
+                <a:latin typeface="Noto Serif KR Black" panose="02020200000000000000" pitchFamily="18" charset="-127"/>
+                <a:ea typeface="Noto Serif KR Black" panose="02020200000000000000" pitchFamily="18" charset="-127"/>
+              </a:rPr>
+              <a:t>모델 시연</a:t>
             </a:r>
             <a:endParaRPr lang="en-US" altLang="ko-KR" sz="2800" dirty="0">
               <a:latin typeface="Noto Serif KR Black" panose="02020200000000000000" pitchFamily="18" charset="-127"/>
@@ -5469,7 +5497,7 @@
                 <a:latin typeface="Noto Serif KR Black" panose="02020200000000000000" pitchFamily="18" charset="-127"/>
                 <a:ea typeface="Noto Serif KR Black" panose="02020200000000000000" pitchFamily="18" charset="-127"/>
               </a:rPr>
-              <a:t>회고 및 향후 계획</a:t>
+              <a:t>테스트 결과 분석</a:t>
             </a:r>
             <a:endParaRPr lang="en-US" altLang="ko-KR" sz="2800" dirty="0">
               <a:latin typeface="Noto Serif KR Black" panose="02020200000000000000" pitchFamily="18" charset="-127"/>
@@ -7235,7 +7263,7 @@
         </p:nvCxnSpPr>
         <p:spPr>
           <a:xfrm>
-            <a:off x="5840730" y="5599775"/>
+            <a:off x="5834348" y="5599775"/>
             <a:ext cx="709141" cy="0"/>
           </a:xfrm>
           <a:prstGeom prst="straightConnector1">
@@ -8586,8 +8614,8 @@
         </p:nvCxnSpPr>
         <p:spPr>
           <a:xfrm flipV="1">
-            <a:off x="9095366" y="4622114"/>
-            <a:ext cx="0" cy="458163"/>
+            <a:off x="9205856" y="4586769"/>
+            <a:ext cx="0" cy="393541"/>
           </a:xfrm>
           <a:prstGeom prst="straightConnector1">
             <a:avLst/>
@@ -9023,7 +9051,7 @@
         </p:nvCxnSpPr>
         <p:spPr>
           <a:xfrm>
-            <a:off x="3171981" y="4688714"/>
+            <a:off x="3171981" y="4683692"/>
             <a:ext cx="0" cy="402774"/>
           </a:xfrm>
           <a:prstGeom prst="straightConnector1">
@@ -9561,7 +9589,7 @@
         </p:nvCxnSpPr>
         <p:spPr>
           <a:xfrm flipV="1">
-            <a:off x="8984876" y="2066657"/>
+            <a:off x="9205856" y="2066657"/>
             <a:ext cx="0" cy="458163"/>
           </a:xfrm>
           <a:prstGeom prst="straightConnector1">

--- a/files/Best_One_Team_project.pptx
+++ b/files/Best_One_Team_project.pptx
@@ -5314,7 +5314,7 @@
         <p:spPr>
           <a:xfrm>
             <a:off x="400050" y="1238250"/>
-            <a:ext cx="4160113" cy="4832092"/>
+            <a:ext cx="4865434" cy="4832092"/>
           </a:xfrm>
           <a:prstGeom prst="rect">
             <a:avLst/>
@@ -5417,7 +5417,7 @@
                 <a:latin typeface="Noto Serif KR Black" panose="02020200000000000000" pitchFamily="18" charset="-127"/>
                 <a:ea typeface="Noto Serif KR Black" panose="02020200000000000000" pitchFamily="18" charset="-127"/>
               </a:rPr>
-              <a:t>일정표 및 트러블 슈팅</a:t>
+              <a:t>트러블 슈팅 및 데이터 분석</a:t>
             </a:r>
             <a:endParaRPr lang="en-US" altLang="ko-KR" sz="2800" dirty="0">
               <a:latin typeface="Noto Serif KR Black" panose="02020200000000000000" pitchFamily="18" charset="-127"/>
